--- a/plugins/org.eclipse.emf.cdo.doc/diagrams.pptx
+++ b/plugins/org.eclipse.emf.cdo.doc/diagrams.pptx
@@ -6,7 +6,8 @@
   </p:sldMasterIdLst>
   <p:sldIdLst>
     <p:sldId id="256" r:id="rId2"/>
-    <p:sldId id="259" r:id="rId3"/>
+    <p:sldId id="260" r:id="rId3"/>
+    <p:sldId id="259" r:id="rId4"/>
   </p:sldIdLst>
   <p:sldSz cx="9144000" cy="6858000" type="screen4x3"/>
   <p:notesSz cx="6858000" cy="9144000"/>
@@ -289,7 +290,8 @@
           <a:p>
             <a:fld id="{A58CA6FC-063C-497E-B88E-2A4ED81C2A99}" type="datetimeFigureOut">
               <a:rPr lang="de-DE" smtClean="0"/>
-              <a:t>20.09.2011</a:t>
+              <a:pPr/>
+              <a:t>21.09.2011</a:t>
             </a:fld>
             <a:endParaRPr lang="de-DE"/>
           </a:p>
@@ -331,6 +333,7 @@
           <a:p>
             <a:fld id="{6F5FD107-13D7-49FA-9A80-E33C20E7E4EF}" type="slidenum">
               <a:rPr lang="de-DE" smtClean="0"/>
+              <a:pPr/>
               <a:t>‹Nr.›</a:t>
             </a:fld>
             <a:endParaRPr lang="de-DE"/>
@@ -454,7 +457,8 @@
           <a:p>
             <a:fld id="{A58CA6FC-063C-497E-B88E-2A4ED81C2A99}" type="datetimeFigureOut">
               <a:rPr lang="de-DE" smtClean="0"/>
-              <a:t>20.09.2011</a:t>
+              <a:pPr/>
+              <a:t>21.09.2011</a:t>
             </a:fld>
             <a:endParaRPr lang="de-DE"/>
           </a:p>
@@ -496,6 +500,7 @@
           <a:p>
             <a:fld id="{6F5FD107-13D7-49FA-9A80-E33C20E7E4EF}" type="slidenum">
               <a:rPr lang="de-DE" smtClean="0"/>
+              <a:pPr/>
               <a:t>‹Nr.›</a:t>
             </a:fld>
             <a:endParaRPr lang="de-DE"/>
@@ -629,7 +634,8 @@
           <a:p>
             <a:fld id="{A58CA6FC-063C-497E-B88E-2A4ED81C2A99}" type="datetimeFigureOut">
               <a:rPr lang="de-DE" smtClean="0"/>
-              <a:t>20.09.2011</a:t>
+              <a:pPr/>
+              <a:t>21.09.2011</a:t>
             </a:fld>
             <a:endParaRPr lang="de-DE"/>
           </a:p>
@@ -671,6 +677,7 @@
           <a:p>
             <a:fld id="{6F5FD107-13D7-49FA-9A80-E33C20E7E4EF}" type="slidenum">
               <a:rPr lang="de-DE" smtClean="0"/>
+              <a:pPr/>
               <a:t>‹Nr.›</a:t>
             </a:fld>
             <a:endParaRPr lang="de-DE"/>
@@ -794,7 +801,8 @@
           <a:p>
             <a:fld id="{A58CA6FC-063C-497E-B88E-2A4ED81C2A99}" type="datetimeFigureOut">
               <a:rPr lang="de-DE" smtClean="0"/>
-              <a:t>20.09.2011</a:t>
+              <a:pPr/>
+              <a:t>21.09.2011</a:t>
             </a:fld>
             <a:endParaRPr lang="de-DE"/>
           </a:p>
@@ -836,6 +844,7 @@
           <a:p>
             <a:fld id="{6F5FD107-13D7-49FA-9A80-E33C20E7E4EF}" type="slidenum">
               <a:rPr lang="de-DE" smtClean="0"/>
+              <a:pPr/>
               <a:t>‹Nr.›</a:t>
             </a:fld>
             <a:endParaRPr lang="de-DE"/>
@@ -1035,7 +1044,8 @@
           <a:p>
             <a:fld id="{A58CA6FC-063C-497E-B88E-2A4ED81C2A99}" type="datetimeFigureOut">
               <a:rPr lang="de-DE" smtClean="0"/>
-              <a:t>20.09.2011</a:t>
+              <a:pPr/>
+              <a:t>21.09.2011</a:t>
             </a:fld>
             <a:endParaRPr lang="de-DE"/>
           </a:p>
@@ -1077,6 +1087,7 @@
           <a:p>
             <a:fld id="{6F5FD107-13D7-49FA-9A80-E33C20E7E4EF}" type="slidenum">
               <a:rPr lang="de-DE" smtClean="0"/>
+              <a:pPr/>
               <a:t>‹Nr.›</a:t>
             </a:fld>
             <a:endParaRPr lang="de-DE"/>
@@ -1318,7 +1329,8 @@
           <a:p>
             <a:fld id="{A58CA6FC-063C-497E-B88E-2A4ED81C2A99}" type="datetimeFigureOut">
               <a:rPr lang="de-DE" smtClean="0"/>
-              <a:t>20.09.2011</a:t>
+              <a:pPr/>
+              <a:t>21.09.2011</a:t>
             </a:fld>
             <a:endParaRPr lang="de-DE"/>
           </a:p>
@@ -1360,6 +1372,7 @@
           <a:p>
             <a:fld id="{6F5FD107-13D7-49FA-9A80-E33C20E7E4EF}" type="slidenum">
               <a:rPr lang="de-DE" smtClean="0"/>
+              <a:pPr/>
               <a:t>‹Nr.›</a:t>
             </a:fld>
             <a:endParaRPr lang="de-DE"/>
@@ -1735,7 +1748,8 @@
           <a:p>
             <a:fld id="{A58CA6FC-063C-497E-B88E-2A4ED81C2A99}" type="datetimeFigureOut">
               <a:rPr lang="de-DE" smtClean="0"/>
-              <a:t>20.09.2011</a:t>
+              <a:pPr/>
+              <a:t>21.09.2011</a:t>
             </a:fld>
             <a:endParaRPr lang="de-DE"/>
           </a:p>
@@ -1777,6 +1791,7 @@
           <a:p>
             <a:fld id="{6F5FD107-13D7-49FA-9A80-E33C20E7E4EF}" type="slidenum">
               <a:rPr lang="de-DE" smtClean="0"/>
+              <a:pPr/>
               <a:t>‹Nr.›</a:t>
             </a:fld>
             <a:endParaRPr lang="de-DE"/>
@@ -1848,7 +1863,8 @@
           <a:p>
             <a:fld id="{A58CA6FC-063C-497E-B88E-2A4ED81C2A99}" type="datetimeFigureOut">
               <a:rPr lang="de-DE" smtClean="0"/>
-              <a:t>20.09.2011</a:t>
+              <a:pPr/>
+              <a:t>21.09.2011</a:t>
             </a:fld>
             <a:endParaRPr lang="de-DE"/>
           </a:p>
@@ -1890,6 +1906,7 @@
           <a:p>
             <a:fld id="{6F5FD107-13D7-49FA-9A80-E33C20E7E4EF}" type="slidenum">
               <a:rPr lang="de-DE" smtClean="0"/>
+              <a:pPr/>
               <a:t>‹Nr.›</a:t>
             </a:fld>
             <a:endParaRPr lang="de-DE"/>
@@ -1938,7 +1955,8 @@
           <a:p>
             <a:fld id="{A58CA6FC-063C-497E-B88E-2A4ED81C2A99}" type="datetimeFigureOut">
               <a:rPr lang="de-DE" smtClean="0"/>
-              <a:t>20.09.2011</a:t>
+              <a:pPr/>
+              <a:t>21.09.2011</a:t>
             </a:fld>
             <a:endParaRPr lang="de-DE"/>
           </a:p>
@@ -1980,6 +1998,7 @@
           <a:p>
             <a:fld id="{6F5FD107-13D7-49FA-9A80-E33C20E7E4EF}" type="slidenum">
               <a:rPr lang="de-DE" smtClean="0"/>
+              <a:pPr/>
               <a:t>‹Nr.›</a:t>
             </a:fld>
             <a:endParaRPr lang="de-DE"/>
@@ -2210,7 +2229,8 @@
           <a:p>
             <a:fld id="{A58CA6FC-063C-497E-B88E-2A4ED81C2A99}" type="datetimeFigureOut">
               <a:rPr lang="de-DE" smtClean="0"/>
-              <a:t>20.09.2011</a:t>
+              <a:pPr/>
+              <a:t>21.09.2011</a:t>
             </a:fld>
             <a:endParaRPr lang="de-DE"/>
           </a:p>
@@ -2252,6 +2272,7 @@
           <a:p>
             <a:fld id="{6F5FD107-13D7-49FA-9A80-E33C20E7E4EF}" type="slidenum">
               <a:rPr lang="de-DE" smtClean="0"/>
+              <a:pPr/>
               <a:t>‹Nr.›</a:t>
             </a:fld>
             <a:endParaRPr lang="de-DE"/>
@@ -2458,7 +2479,8 @@
           <a:p>
             <a:fld id="{A58CA6FC-063C-497E-B88E-2A4ED81C2A99}" type="datetimeFigureOut">
               <a:rPr lang="de-DE" smtClean="0"/>
-              <a:t>20.09.2011</a:t>
+              <a:pPr/>
+              <a:t>21.09.2011</a:t>
             </a:fld>
             <a:endParaRPr lang="de-DE"/>
           </a:p>
@@ -2500,6 +2522,7 @@
           <a:p>
             <a:fld id="{6F5FD107-13D7-49FA-9A80-E33C20E7E4EF}" type="slidenum">
               <a:rPr lang="de-DE" smtClean="0"/>
+              <a:pPr/>
               <a:t>‹Nr.›</a:t>
             </a:fld>
             <a:endParaRPr lang="de-DE"/>
@@ -2666,7 +2689,8 @@
           <a:p>
             <a:fld id="{A58CA6FC-063C-497E-B88E-2A4ED81C2A99}" type="datetimeFigureOut">
               <a:rPr lang="de-DE" smtClean="0"/>
-              <a:t>20.09.2011</a:t>
+              <a:pPr/>
+              <a:t>21.09.2011</a:t>
             </a:fld>
             <a:endParaRPr lang="de-DE"/>
           </a:p>
@@ -2744,6 +2768,7 @@
           <a:p>
             <a:fld id="{6F5FD107-13D7-49FA-9A80-E33C20E7E4EF}" type="slidenum">
               <a:rPr lang="de-DE" smtClean="0"/>
+              <a:pPr/>
               <a:t>‹Nr.›</a:t>
             </a:fld>
             <a:endParaRPr lang="de-DE"/>
@@ -3038,6 +3063,830 @@
       </p:grpSpPr>
       <p:sp>
         <p:nvSpPr>
+          <p:cNvPr id="6" name="Rechteck 5"/>
+          <p:cNvSpPr/>
+          <p:nvPr/>
+        </p:nvSpPr>
+        <p:spPr>
+          <a:xfrm>
+            <a:off x="1043608" y="2348880"/>
+            <a:ext cx="1872208" cy="648072"/>
+          </a:xfrm>
+          <a:prstGeom prst="rect">
+            <a:avLst/>
+          </a:prstGeom>
+          <a:ln w="57150">
+            <a:solidFill>
+              <a:schemeClr val="bg1"/>
+            </a:solidFill>
+          </a:ln>
+          <a:effectLst/>
+        </p:spPr>
+        <p:style>
+          <a:lnRef idx="1">
+            <a:schemeClr val="accent1"/>
+          </a:lnRef>
+          <a:fillRef idx="2">
+            <a:schemeClr val="accent1"/>
+          </a:fillRef>
+          <a:effectRef idx="1">
+            <a:schemeClr val="accent1"/>
+          </a:effectRef>
+          <a:fontRef idx="minor">
+            <a:schemeClr val="dk1"/>
+          </a:fontRef>
+        </p:style>
+        <p:txBody>
+          <a:bodyPr rtlCol="0" anchor="ctr"/>
+          <a:lstStyle/>
+          <a:p>
+            <a:pPr algn="ctr"/>
+            <a:r>
+              <a:rPr lang="de-DE" b="1" smtClean="0">
+                <a:solidFill>
+                  <a:schemeClr val="tx1">
+                    <a:lumMod val="75000"/>
+                    <a:lumOff val="25000"/>
+                  </a:schemeClr>
+                </a:solidFill>
+              </a:rPr>
+              <a:t>EMF Application</a:t>
+            </a:r>
+            <a:endParaRPr lang="de-DE" b="1">
+              <a:solidFill>
+                <a:schemeClr val="tx1">
+                  <a:lumMod val="75000"/>
+                  <a:lumOff val="25000"/>
+                </a:schemeClr>
+              </a:solidFill>
+            </a:endParaRPr>
+          </a:p>
+        </p:txBody>
+      </p:sp>
+      <p:sp>
+        <p:nvSpPr>
+          <p:cNvPr id="20" name="Titel 1"/>
+          <p:cNvSpPr txBox="1">
+            <a:spLocks/>
+          </p:cNvSpPr>
+          <p:nvPr/>
+        </p:nvSpPr>
+        <p:spPr>
+          <a:xfrm>
+            <a:off x="457200" y="274638"/>
+            <a:ext cx="8229600" cy="1143000"/>
+          </a:xfrm>
+          <a:prstGeom prst="rect">
+            <a:avLst/>
+          </a:prstGeom>
+        </p:spPr>
+        <p:txBody>
+          <a:bodyPr vert="horz" lIns="91440" tIns="45720" rIns="91440" bIns="45720" rtlCol="0" anchor="ctr">
+            <a:normAutofit/>
+          </a:bodyPr>
+          <a:lstStyle/>
+          <a:p>
+            <a:pPr marL="0" marR="0" lvl="0" indent="0" algn="ctr" defTabSz="914400" rtl="0" eaLnBrk="1" fontAlgn="auto" latinLnBrk="0" hangingPunct="1">
+              <a:lnSpc>
+                <a:spcPct val="100000"/>
+              </a:lnSpc>
+              <a:spcBef>
+                <a:spcPct val="0"/>
+              </a:spcBef>
+              <a:spcAft>
+                <a:spcPts val="0"/>
+              </a:spcAft>
+              <a:buClrTx/>
+              <a:buSzTx/>
+              <a:buFontTx/>
+              <a:buNone/>
+              <a:tabLst/>
+              <a:defRPr/>
+            </a:pPr>
+            <a:r>
+              <a:rPr kumimoji="0" lang="de-DE" sz="4400" b="1" i="0" u="none" strike="noStrike" kern="1200" cap="none" spc="0" normalizeH="0" baseline="0" noProof="0" smtClean="0">
+                <a:ln>
+                  <a:noFill/>
+                </a:ln>
+                <a:solidFill>
+                  <a:schemeClr val="tx1">
+                    <a:lumMod val="75000"/>
+                    <a:lumOff val="25000"/>
+                  </a:schemeClr>
+                </a:solidFill>
+                <a:effectLst/>
+                <a:uLnTx/>
+                <a:uFillTx/>
+                <a:latin typeface="+mj-lt"/>
+                <a:ea typeface="+mj-ea"/>
+                <a:cs typeface="+mj-cs"/>
+              </a:rPr>
+              <a:t>Overview</a:t>
+            </a:r>
+            <a:endParaRPr kumimoji="0" lang="de-DE" sz="4400" b="1" i="0" u="none" strike="noStrike" kern="1200" cap="none" spc="0" normalizeH="0" baseline="0" noProof="0" smtClean="0">
+              <a:ln>
+                <a:noFill/>
+              </a:ln>
+              <a:solidFill>
+                <a:schemeClr val="tx1">
+                  <a:lumMod val="75000"/>
+                  <a:lumOff val="25000"/>
+                </a:schemeClr>
+              </a:solidFill>
+              <a:effectLst/>
+              <a:uLnTx/>
+              <a:uFillTx/>
+              <a:latin typeface="+mj-lt"/>
+              <a:ea typeface="+mj-ea"/>
+              <a:cs typeface="+mj-cs"/>
+            </a:endParaRPr>
+          </a:p>
+        </p:txBody>
+      </p:sp>
+      <p:cxnSp>
+        <p:nvCxnSpPr>
+          <p:cNvPr id="22" name="Form 21"/>
+          <p:cNvCxnSpPr>
+            <a:stCxn id="21" idx="1"/>
+            <a:endCxn id="26" idx="3"/>
+          </p:cNvCxnSpPr>
+          <p:nvPr/>
+        </p:nvCxnSpPr>
+        <p:spPr>
+          <a:xfrm rot="5400000">
+            <a:off x="3268500" y="3579376"/>
+            <a:ext cx="325033" cy="1030399"/>
+          </a:xfrm>
+          <a:prstGeom prst="bentConnector2">
+            <a:avLst/>
+          </a:prstGeom>
+          <a:ln w="28575">
+            <a:solidFill>
+              <a:schemeClr val="tx1">
+                <a:lumMod val="50000"/>
+                <a:lumOff val="50000"/>
+              </a:schemeClr>
+            </a:solidFill>
+            <a:prstDash val="sysDot"/>
+          </a:ln>
+        </p:spPr>
+        <p:style>
+          <a:lnRef idx="1">
+            <a:schemeClr val="accent1"/>
+          </a:lnRef>
+          <a:fillRef idx="0">
+            <a:schemeClr val="accent1"/>
+          </a:fillRef>
+          <a:effectRef idx="0">
+            <a:schemeClr val="accent1"/>
+          </a:effectRef>
+          <a:fontRef idx="minor">
+            <a:schemeClr val="tx1"/>
+          </a:fontRef>
+        </p:style>
+      </p:cxnSp>
+      <p:sp>
+        <p:nvSpPr>
+          <p:cNvPr id="19" name="Rechteck 18"/>
+          <p:cNvSpPr/>
+          <p:nvPr/>
+        </p:nvSpPr>
+        <p:spPr>
+          <a:xfrm>
+            <a:off x="5004048" y="3140968"/>
+            <a:ext cx="1800200" cy="648072"/>
+          </a:xfrm>
+          <a:prstGeom prst="rect">
+            <a:avLst/>
+          </a:prstGeom>
+          <a:ln w="57150">
+            <a:solidFill>
+              <a:schemeClr val="bg1"/>
+            </a:solidFill>
+          </a:ln>
+          <a:effectLst/>
+        </p:spPr>
+        <p:style>
+          <a:lnRef idx="1">
+            <a:schemeClr val="accent1"/>
+          </a:lnRef>
+          <a:fillRef idx="2">
+            <a:schemeClr val="accent1"/>
+          </a:fillRef>
+          <a:effectRef idx="1">
+            <a:schemeClr val="accent1"/>
+          </a:effectRef>
+          <a:fontRef idx="minor">
+            <a:schemeClr val="dk1"/>
+          </a:fontRef>
+        </p:style>
+        <p:txBody>
+          <a:bodyPr rtlCol="0" anchor="ctr"/>
+          <a:lstStyle/>
+          <a:p>
+            <a:pPr algn="ctr"/>
+            <a:r>
+              <a:rPr lang="de-DE" b="1" smtClean="0">
+                <a:solidFill>
+                  <a:schemeClr val="tx1">
+                    <a:lumMod val="75000"/>
+                    <a:lumOff val="25000"/>
+                  </a:schemeClr>
+                </a:solidFill>
+              </a:rPr>
+              <a:t>CDO Repository</a:t>
+            </a:r>
+            <a:endParaRPr lang="de-DE" b="1">
+              <a:solidFill>
+                <a:schemeClr val="tx1">
+                  <a:lumMod val="75000"/>
+                  <a:lumOff val="25000"/>
+                </a:schemeClr>
+              </a:solidFill>
+            </a:endParaRPr>
+          </a:p>
+        </p:txBody>
+      </p:sp>
+      <p:sp>
+        <p:nvSpPr>
+          <p:cNvPr id="24" name="Flussdiagramm: Magnetplattenspeicher 23"/>
+          <p:cNvSpPr/>
+          <p:nvPr/>
+        </p:nvSpPr>
+        <p:spPr>
+          <a:xfrm>
+            <a:off x="7380312" y="3861048"/>
+            <a:ext cx="864096" cy="576064"/>
+          </a:xfrm>
+          <a:prstGeom prst="flowChartMagneticDisk">
+            <a:avLst/>
+          </a:prstGeom>
+        </p:spPr>
+        <p:style>
+          <a:lnRef idx="1">
+            <a:schemeClr val="dk1"/>
+          </a:lnRef>
+          <a:fillRef idx="2">
+            <a:schemeClr val="dk1"/>
+          </a:fillRef>
+          <a:effectRef idx="1">
+            <a:schemeClr val="dk1"/>
+          </a:effectRef>
+          <a:fontRef idx="minor">
+            <a:schemeClr val="dk1"/>
+          </a:fontRef>
+        </p:style>
+        <p:txBody>
+          <a:bodyPr rtlCol="0" anchor="ctr"/>
+          <a:lstStyle/>
+          <a:p>
+            <a:pPr algn="ctr"/>
+            <a:r>
+              <a:rPr lang="de-DE" b="1" smtClean="0">
+                <a:solidFill>
+                  <a:schemeClr val="tx1">
+                    <a:lumMod val="65000"/>
+                    <a:lumOff val="35000"/>
+                  </a:schemeClr>
+                </a:solidFill>
+              </a:rPr>
+              <a:t>RDB</a:t>
+            </a:r>
+            <a:endParaRPr lang="de-DE" b="1">
+              <a:solidFill>
+                <a:schemeClr val="tx1">
+                  <a:lumMod val="65000"/>
+                  <a:lumOff val="35000"/>
+                </a:schemeClr>
+              </a:solidFill>
+            </a:endParaRPr>
+          </a:p>
+        </p:txBody>
+      </p:sp>
+      <p:sp>
+        <p:nvSpPr>
+          <p:cNvPr id="25" name="Rechteck 24"/>
+          <p:cNvSpPr/>
+          <p:nvPr/>
+        </p:nvSpPr>
+        <p:spPr>
+          <a:xfrm>
+            <a:off x="1043608" y="3140968"/>
+            <a:ext cx="1872208" cy="648072"/>
+          </a:xfrm>
+          <a:prstGeom prst="rect">
+            <a:avLst/>
+          </a:prstGeom>
+          <a:ln w="57150">
+            <a:solidFill>
+              <a:schemeClr val="bg1"/>
+            </a:solidFill>
+          </a:ln>
+          <a:effectLst/>
+        </p:spPr>
+        <p:style>
+          <a:lnRef idx="1">
+            <a:schemeClr val="accent1"/>
+          </a:lnRef>
+          <a:fillRef idx="2">
+            <a:schemeClr val="accent1"/>
+          </a:fillRef>
+          <a:effectRef idx="1">
+            <a:schemeClr val="accent1"/>
+          </a:effectRef>
+          <a:fontRef idx="minor">
+            <a:schemeClr val="dk1"/>
+          </a:fontRef>
+        </p:style>
+        <p:txBody>
+          <a:bodyPr rtlCol="0" anchor="ctr"/>
+          <a:lstStyle/>
+          <a:p>
+            <a:pPr algn="ctr"/>
+            <a:r>
+              <a:rPr lang="de-DE" b="1" smtClean="0">
+                <a:solidFill>
+                  <a:schemeClr val="tx1">
+                    <a:lumMod val="75000"/>
+                    <a:lumOff val="25000"/>
+                  </a:schemeClr>
+                </a:solidFill>
+              </a:rPr>
+              <a:t>EMF </a:t>
+            </a:r>
+            <a:r>
+              <a:rPr lang="de-DE" b="1" smtClean="0">
+                <a:solidFill>
+                  <a:schemeClr val="tx1">
+                    <a:lumMod val="75000"/>
+                    <a:lumOff val="25000"/>
+                  </a:schemeClr>
+                </a:solidFill>
+              </a:rPr>
+              <a:t>Application</a:t>
+            </a:r>
+            <a:endParaRPr lang="de-DE" b="1" smtClean="0">
+              <a:solidFill>
+                <a:schemeClr val="tx1">
+                  <a:lumMod val="75000"/>
+                  <a:lumOff val="25000"/>
+                </a:schemeClr>
+              </a:solidFill>
+            </a:endParaRPr>
+          </a:p>
+        </p:txBody>
+      </p:sp>
+      <p:sp>
+        <p:nvSpPr>
+          <p:cNvPr id="26" name="Rechteck 25"/>
+          <p:cNvSpPr/>
+          <p:nvPr/>
+        </p:nvSpPr>
+        <p:spPr>
+          <a:xfrm>
+            <a:off x="1043608" y="3933056"/>
+            <a:ext cx="1872208" cy="648072"/>
+          </a:xfrm>
+          <a:prstGeom prst="rect">
+            <a:avLst/>
+          </a:prstGeom>
+          <a:ln w="57150">
+            <a:solidFill>
+              <a:schemeClr val="bg1"/>
+            </a:solidFill>
+          </a:ln>
+          <a:effectLst/>
+        </p:spPr>
+        <p:style>
+          <a:lnRef idx="1">
+            <a:schemeClr val="accent1"/>
+          </a:lnRef>
+          <a:fillRef idx="2">
+            <a:schemeClr val="accent1"/>
+          </a:fillRef>
+          <a:effectRef idx="1">
+            <a:schemeClr val="accent1"/>
+          </a:effectRef>
+          <a:fontRef idx="minor">
+            <a:schemeClr val="dk1"/>
+          </a:fontRef>
+        </p:style>
+        <p:txBody>
+          <a:bodyPr rtlCol="0" anchor="ctr"/>
+          <a:lstStyle/>
+          <a:p>
+            <a:pPr algn="ctr"/>
+            <a:r>
+              <a:rPr lang="de-DE" b="1" smtClean="0">
+                <a:solidFill>
+                  <a:schemeClr val="tx1">
+                    <a:lumMod val="75000"/>
+                    <a:lumOff val="25000"/>
+                  </a:schemeClr>
+                </a:solidFill>
+              </a:rPr>
+              <a:t>EMF </a:t>
+            </a:r>
+            <a:r>
+              <a:rPr lang="de-DE" b="1" smtClean="0">
+                <a:solidFill>
+                  <a:schemeClr val="tx1">
+                    <a:lumMod val="75000"/>
+                    <a:lumOff val="25000"/>
+                  </a:schemeClr>
+                </a:solidFill>
+              </a:rPr>
+              <a:t>Application</a:t>
+            </a:r>
+            <a:endParaRPr lang="de-DE" b="1" smtClean="0">
+              <a:solidFill>
+                <a:schemeClr val="tx1">
+                  <a:lumMod val="75000"/>
+                  <a:lumOff val="25000"/>
+                </a:schemeClr>
+              </a:solidFill>
+            </a:endParaRPr>
+          </a:p>
+        </p:txBody>
+      </p:sp>
+      <p:cxnSp>
+        <p:nvCxnSpPr>
+          <p:cNvPr id="27" name="Form 26"/>
+          <p:cNvCxnSpPr>
+            <a:stCxn id="19" idx="1"/>
+            <a:endCxn id="25" idx="3"/>
+          </p:cNvCxnSpPr>
+          <p:nvPr/>
+        </p:nvCxnSpPr>
+        <p:spPr>
+          <a:xfrm rot="10800000">
+            <a:off x="2915816" y="3465004"/>
+            <a:ext cx="2088232" cy="12700"/>
+          </a:xfrm>
+          <a:prstGeom prst="bentConnector3">
+            <a:avLst>
+              <a:gd name="adj1" fmla="val 50000"/>
+            </a:avLst>
+          </a:prstGeom>
+          <a:ln w="28575">
+            <a:solidFill>
+              <a:schemeClr val="tx1">
+                <a:lumMod val="50000"/>
+                <a:lumOff val="50000"/>
+              </a:schemeClr>
+            </a:solidFill>
+            <a:prstDash val="sysDot"/>
+          </a:ln>
+        </p:spPr>
+        <p:style>
+          <a:lnRef idx="1">
+            <a:schemeClr val="accent1"/>
+          </a:lnRef>
+          <a:fillRef idx="0">
+            <a:schemeClr val="accent1"/>
+          </a:fillRef>
+          <a:effectRef idx="0">
+            <a:schemeClr val="accent1"/>
+          </a:effectRef>
+          <a:fontRef idx="minor">
+            <a:schemeClr val="tx1"/>
+          </a:fontRef>
+        </p:style>
+      </p:cxnSp>
+      <p:cxnSp>
+        <p:nvCxnSpPr>
+          <p:cNvPr id="28" name="Form 27"/>
+          <p:cNvCxnSpPr>
+            <a:stCxn id="21" idx="3"/>
+            <a:endCxn id="6" idx="3"/>
+          </p:cNvCxnSpPr>
+          <p:nvPr/>
+        </p:nvCxnSpPr>
+        <p:spPr>
+          <a:xfrm rot="16200000" flipV="1">
+            <a:off x="3242237" y="2346496"/>
+            <a:ext cx="377559" cy="1030399"/>
+          </a:xfrm>
+          <a:prstGeom prst="bentConnector2">
+            <a:avLst/>
+          </a:prstGeom>
+          <a:ln w="28575">
+            <a:solidFill>
+              <a:schemeClr val="tx1">
+                <a:lumMod val="50000"/>
+                <a:lumOff val="50000"/>
+              </a:schemeClr>
+            </a:solidFill>
+            <a:prstDash val="sysDot"/>
+          </a:ln>
+        </p:spPr>
+        <p:style>
+          <a:lnRef idx="1">
+            <a:schemeClr val="accent1"/>
+          </a:lnRef>
+          <a:fillRef idx="0">
+            <a:schemeClr val="accent1"/>
+          </a:fillRef>
+          <a:effectRef idx="0">
+            <a:schemeClr val="accent1"/>
+          </a:effectRef>
+          <a:fontRef idx="minor">
+            <a:schemeClr val="tx1"/>
+          </a:fontRef>
+        </p:style>
+      </p:cxnSp>
+      <p:cxnSp>
+        <p:nvCxnSpPr>
+          <p:cNvPr id="36" name="Form 35"/>
+          <p:cNvCxnSpPr>
+            <a:stCxn id="53" idx="2"/>
+            <a:endCxn id="19" idx="3"/>
+          </p:cNvCxnSpPr>
+          <p:nvPr/>
+        </p:nvCxnSpPr>
+        <p:spPr>
+          <a:xfrm flipH="1">
+            <a:off x="6804248" y="3465004"/>
+            <a:ext cx="576064" cy="0"/>
+          </a:xfrm>
+          <a:prstGeom prst="straightConnector1">
+            <a:avLst/>
+          </a:prstGeom>
+          <a:ln w="28575">
+            <a:solidFill>
+              <a:schemeClr val="tx1">
+                <a:lumMod val="50000"/>
+                <a:lumOff val="50000"/>
+              </a:schemeClr>
+            </a:solidFill>
+            <a:prstDash val="sysDot"/>
+          </a:ln>
+        </p:spPr>
+        <p:style>
+          <a:lnRef idx="1">
+            <a:schemeClr val="accent1"/>
+          </a:lnRef>
+          <a:fillRef idx="0">
+            <a:schemeClr val="accent1"/>
+          </a:fillRef>
+          <a:effectRef idx="0">
+            <a:schemeClr val="accent1"/>
+          </a:effectRef>
+          <a:fontRef idx="minor">
+            <a:schemeClr val="tx1"/>
+          </a:fontRef>
+        </p:style>
+      </p:cxnSp>
+      <p:sp>
+        <p:nvSpPr>
+          <p:cNvPr id="21" name="Wolke 20"/>
+          <p:cNvSpPr/>
+          <p:nvPr/>
+        </p:nvSpPr>
+        <p:spPr>
+          <a:xfrm>
+            <a:off x="3190131" y="2996952"/>
+            <a:ext cx="1512168" cy="936104"/>
+          </a:xfrm>
+          <a:prstGeom prst="cloud">
+            <a:avLst/>
+          </a:prstGeom>
+        </p:spPr>
+        <p:style>
+          <a:lnRef idx="1">
+            <a:schemeClr val="dk1"/>
+          </a:lnRef>
+          <a:fillRef idx="2">
+            <a:schemeClr val="dk1"/>
+          </a:fillRef>
+          <a:effectRef idx="1">
+            <a:schemeClr val="dk1"/>
+          </a:effectRef>
+          <a:fontRef idx="minor">
+            <a:schemeClr val="dk1"/>
+          </a:fontRef>
+        </p:style>
+        <p:txBody>
+          <a:bodyPr rtlCol="0" anchor="ctr"/>
+          <a:lstStyle/>
+          <a:p>
+            <a:pPr algn="ctr"/>
+            <a:r>
+              <a:rPr lang="de-DE" sz="1600" b="1" i="1" smtClean="0">
+                <a:solidFill>
+                  <a:schemeClr val="tx1">
+                    <a:lumMod val="65000"/>
+                    <a:lumOff val="35000"/>
+                  </a:schemeClr>
+                </a:solidFill>
+              </a:rPr>
+              <a:t>Network</a:t>
+            </a:r>
+            <a:endParaRPr lang="de-DE" sz="1600" b="1" i="1">
+              <a:solidFill>
+                <a:schemeClr val="tx1">
+                  <a:lumMod val="65000"/>
+                  <a:lumOff val="35000"/>
+                </a:schemeClr>
+              </a:solidFill>
+            </a:endParaRPr>
+          </a:p>
+        </p:txBody>
+      </p:sp>
+      <p:sp>
+        <p:nvSpPr>
+          <p:cNvPr id="52" name="Flussdiagramm: Magnetplattenspeicher 51"/>
+          <p:cNvSpPr/>
+          <p:nvPr/>
+        </p:nvSpPr>
+        <p:spPr>
+          <a:xfrm>
+            <a:off x="7380312" y="2492896"/>
+            <a:ext cx="864096" cy="576064"/>
+          </a:xfrm>
+          <a:prstGeom prst="flowChartMagneticDisk">
+            <a:avLst/>
+          </a:prstGeom>
+        </p:spPr>
+        <p:style>
+          <a:lnRef idx="1">
+            <a:schemeClr val="dk1"/>
+          </a:lnRef>
+          <a:fillRef idx="2">
+            <a:schemeClr val="dk1"/>
+          </a:fillRef>
+          <a:effectRef idx="1">
+            <a:schemeClr val="dk1"/>
+          </a:effectRef>
+          <a:fontRef idx="minor">
+            <a:schemeClr val="dk1"/>
+          </a:fontRef>
+        </p:style>
+        <p:txBody>
+          <a:bodyPr rtlCol="0" anchor="ctr"/>
+          <a:lstStyle/>
+          <a:p>
+            <a:pPr algn="ctr"/>
+            <a:r>
+              <a:rPr lang="de-DE" b="1" smtClean="0">
+                <a:solidFill>
+                  <a:schemeClr val="tx1">
+                    <a:lumMod val="65000"/>
+                    <a:lumOff val="35000"/>
+                  </a:schemeClr>
+                </a:solidFill>
+              </a:rPr>
+              <a:t>O</a:t>
+            </a:r>
+            <a:r>
+              <a:rPr lang="de-DE" b="1" smtClean="0">
+                <a:solidFill>
+                  <a:schemeClr val="tx1">
+                    <a:lumMod val="65000"/>
+                    <a:lumOff val="35000"/>
+                  </a:schemeClr>
+                </a:solidFill>
+              </a:rPr>
+              <a:t>DB</a:t>
+            </a:r>
+            <a:endParaRPr lang="de-DE" b="1">
+              <a:solidFill>
+                <a:schemeClr val="tx1">
+                  <a:lumMod val="65000"/>
+                  <a:lumOff val="35000"/>
+                </a:schemeClr>
+              </a:solidFill>
+            </a:endParaRPr>
+          </a:p>
+        </p:txBody>
+      </p:sp>
+      <p:sp>
+        <p:nvSpPr>
+          <p:cNvPr id="53" name="Flussdiagramm: Magnetplattenspeicher 52"/>
+          <p:cNvSpPr/>
+          <p:nvPr/>
+        </p:nvSpPr>
+        <p:spPr>
+          <a:xfrm>
+            <a:off x="7380312" y="3176972"/>
+            <a:ext cx="864096" cy="576064"/>
+          </a:xfrm>
+          <a:prstGeom prst="flowChartMagneticDisk">
+            <a:avLst/>
+          </a:prstGeom>
+        </p:spPr>
+        <p:style>
+          <a:lnRef idx="1">
+            <a:schemeClr val="dk1"/>
+          </a:lnRef>
+          <a:fillRef idx="2">
+            <a:schemeClr val="dk1"/>
+          </a:fillRef>
+          <a:effectRef idx="1">
+            <a:schemeClr val="dk1"/>
+          </a:effectRef>
+          <a:fontRef idx="minor">
+            <a:schemeClr val="dk1"/>
+          </a:fontRef>
+        </p:style>
+        <p:txBody>
+          <a:bodyPr rtlCol="0" anchor="ctr"/>
+          <a:lstStyle/>
+          <a:p>
+            <a:pPr algn="ctr"/>
+            <a:r>
+              <a:rPr lang="de-DE" b="1" smtClean="0">
+                <a:solidFill>
+                  <a:schemeClr val="tx1">
+                    <a:lumMod val="65000"/>
+                    <a:lumOff val="35000"/>
+                  </a:schemeClr>
+                </a:solidFill>
+              </a:rPr>
+              <a:t>NoSQL</a:t>
+            </a:r>
+            <a:endParaRPr lang="de-DE" b="1">
+              <a:solidFill>
+                <a:schemeClr val="tx1">
+                  <a:lumMod val="65000"/>
+                  <a:lumOff val="35000"/>
+                </a:schemeClr>
+              </a:solidFill>
+            </a:endParaRPr>
+          </a:p>
+        </p:txBody>
+      </p:sp>
+      <p:cxnSp>
+        <p:nvCxnSpPr>
+          <p:cNvPr id="76" name="Form 75"/>
+          <p:cNvCxnSpPr>
+            <a:stCxn id="52" idx="2"/>
+            <a:endCxn id="24" idx="2"/>
+          </p:cNvCxnSpPr>
+          <p:nvPr/>
+        </p:nvCxnSpPr>
+        <p:spPr>
+          <a:xfrm rot="10800000" flipV="1">
+            <a:off x="7380312" y="2780928"/>
+            <a:ext cx="12700" cy="1368152"/>
+          </a:xfrm>
+          <a:prstGeom prst="bentConnector3">
+            <a:avLst>
+              <a:gd name="adj1" fmla="val 1800000"/>
+            </a:avLst>
+          </a:prstGeom>
+          <a:ln w="28575">
+            <a:solidFill>
+              <a:schemeClr val="tx1">
+                <a:lumMod val="50000"/>
+                <a:lumOff val="50000"/>
+              </a:schemeClr>
+            </a:solidFill>
+            <a:prstDash val="sysDot"/>
+          </a:ln>
+        </p:spPr>
+        <p:style>
+          <a:lnRef idx="1">
+            <a:schemeClr val="accent1"/>
+          </a:lnRef>
+          <a:fillRef idx="0">
+            <a:schemeClr val="accent1"/>
+          </a:fillRef>
+          <a:effectRef idx="0">
+            <a:schemeClr val="accent1"/>
+          </a:effectRef>
+          <a:fontRef idx="minor">
+            <a:schemeClr val="tx1"/>
+          </a:fontRef>
+        </p:style>
+      </p:cxnSp>
+    </p:spTree>
+  </p:cSld>
+  <p:clrMapOvr>
+    <a:masterClrMapping/>
+  </p:clrMapOvr>
+</p:sld>
+</file>
+
+<file path=ppt/slides/slide2.xml><?xml version="1.0" encoding="utf-8"?>
+<p:sld xmlns:a="http://schemas.openxmlformats.org/drawingml/2006/main" xmlns:r="http://schemas.openxmlformats.org/officeDocument/2006/relationships" xmlns:p="http://schemas.openxmlformats.org/presentationml/2006/main">
+  <p:cSld>
+    <p:spTree>
+      <p:nvGrpSpPr>
+        <p:cNvPr id="1" name=""/>
+        <p:cNvGrpSpPr/>
+        <p:nvPr/>
+      </p:nvGrpSpPr>
+      <p:grpSpPr>
+        <a:xfrm>
+          <a:off x="0" y="0"/>
+          <a:ext cx="0" cy="0"/>
+          <a:chOff x="0" y="0"/>
+          <a:chExt cx="0" cy="0"/>
+        </a:xfrm>
+      </p:grpSpPr>
+      <p:sp>
+        <p:nvSpPr>
           <p:cNvPr id="8" name="Rechteck 7"/>
           <p:cNvSpPr/>
           <p:nvPr/>
@@ -3857,7 +4706,7 @@
 </p:sld>
 </file>
 
-<file path=ppt/slides/slide2.xml><?xml version="1.0" encoding="utf-8"?>
+<file path=ppt/slides/slide3.xml><?xml version="1.0" encoding="utf-8"?>
 <p:sld xmlns:a="http://schemas.openxmlformats.org/drawingml/2006/main" xmlns:r="http://schemas.openxmlformats.org/officeDocument/2006/relationships" xmlns:p="http://schemas.openxmlformats.org/presentationml/2006/main">
   <p:cSld>
     <p:spTree>

--- a/plugins/org.eclipse.emf.cdo.doc/diagrams.pptx
+++ b/plugins/org.eclipse.emf.cdo.doc/diagrams.pptx
@@ -291,7 +291,7 @@
             <a:fld id="{A58CA6FC-063C-497E-B88E-2A4ED81C2A99}" type="datetimeFigureOut">
               <a:rPr lang="de-DE" smtClean="0"/>
               <a:pPr/>
-              <a:t>21.09.2011</a:t>
+              <a:t>25.09.2011</a:t>
             </a:fld>
             <a:endParaRPr lang="de-DE"/>
           </a:p>
@@ -458,7 +458,7 @@
             <a:fld id="{A58CA6FC-063C-497E-B88E-2A4ED81C2A99}" type="datetimeFigureOut">
               <a:rPr lang="de-DE" smtClean="0"/>
               <a:pPr/>
-              <a:t>21.09.2011</a:t>
+              <a:t>25.09.2011</a:t>
             </a:fld>
             <a:endParaRPr lang="de-DE"/>
           </a:p>
@@ -635,7 +635,7 @@
             <a:fld id="{A58CA6FC-063C-497E-B88E-2A4ED81C2A99}" type="datetimeFigureOut">
               <a:rPr lang="de-DE" smtClean="0"/>
               <a:pPr/>
-              <a:t>21.09.2011</a:t>
+              <a:t>25.09.2011</a:t>
             </a:fld>
             <a:endParaRPr lang="de-DE"/>
           </a:p>
@@ -802,7 +802,7 @@
             <a:fld id="{A58CA6FC-063C-497E-B88E-2A4ED81C2A99}" type="datetimeFigureOut">
               <a:rPr lang="de-DE" smtClean="0"/>
               <a:pPr/>
-              <a:t>21.09.2011</a:t>
+              <a:t>25.09.2011</a:t>
             </a:fld>
             <a:endParaRPr lang="de-DE"/>
           </a:p>
@@ -1045,7 +1045,7 @@
             <a:fld id="{A58CA6FC-063C-497E-B88E-2A4ED81C2A99}" type="datetimeFigureOut">
               <a:rPr lang="de-DE" smtClean="0"/>
               <a:pPr/>
-              <a:t>21.09.2011</a:t>
+              <a:t>25.09.2011</a:t>
             </a:fld>
             <a:endParaRPr lang="de-DE"/>
           </a:p>
@@ -1330,7 +1330,7 @@
             <a:fld id="{A58CA6FC-063C-497E-B88E-2A4ED81C2A99}" type="datetimeFigureOut">
               <a:rPr lang="de-DE" smtClean="0"/>
               <a:pPr/>
-              <a:t>21.09.2011</a:t>
+              <a:t>25.09.2011</a:t>
             </a:fld>
             <a:endParaRPr lang="de-DE"/>
           </a:p>
@@ -1749,7 +1749,7 @@
             <a:fld id="{A58CA6FC-063C-497E-B88E-2A4ED81C2A99}" type="datetimeFigureOut">
               <a:rPr lang="de-DE" smtClean="0"/>
               <a:pPr/>
-              <a:t>21.09.2011</a:t>
+              <a:t>25.09.2011</a:t>
             </a:fld>
             <a:endParaRPr lang="de-DE"/>
           </a:p>
@@ -1864,7 +1864,7 @@
             <a:fld id="{A58CA6FC-063C-497E-B88E-2A4ED81C2A99}" type="datetimeFigureOut">
               <a:rPr lang="de-DE" smtClean="0"/>
               <a:pPr/>
-              <a:t>21.09.2011</a:t>
+              <a:t>25.09.2011</a:t>
             </a:fld>
             <a:endParaRPr lang="de-DE"/>
           </a:p>
@@ -1956,7 +1956,7 @@
             <a:fld id="{A58CA6FC-063C-497E-B88E-2A4ED81C2A99}" type="datetimeFigureOut">
               <a:rPr lang="de-DE" smtClean="0"/>
               <a:pPr/>
-              <a:t>21.09.2011</a:t>
+              <a:t>25.09.2011</a:t>
             </a:fld>
             <a:endParaRPr lang="de-DE"/>
           </a:p>
@@ -2230,7 +2230,7 @@
             <a:fld id="{A58CA6FC-063C-497E-B88E-2A4ED81C2A99}" type="datetimeFigureOut">
               <a:rPr lang="de-DE" smtClean="0"/>
               <a:pPr/>
-              <a:t>21.09.2011</a:t>
+              <a:t>25.09.2011</a:t>
             </a:fld>
             <a:endParaRPr lang="de-DE"/>
           </a:p>
@@ -2480,7 +2480,7 @@
             <a:fld id="{A58CA6FC-063C-497E-B88E-2A4ED81C2A99}" type="datetimeFigureOut">
               <a:rPr lang="de-DE" smtClean="0"/>
               <a:pPr/>
-              <a:t>21.09.2011</a:t>
+              <a:t>25.09.2011</a:t>
             </a:fld>
             <a:endParaRPr lang="de-DE"/>
           </a:p>
@@ -2690,7 +2690,7 @@
             <a:fld id="{A58CA6FC-063C-497E-B88E-2A4ED81C2A99}" type="datetimeFigureOut">
               <a:rPr lang="de-DE" smtClean="0"/>
               <a:pPr/>
-              <a:t>21.09.2011</a:t>
+              <a:t>25.09.2011</a:t>
             </a:fld>
             <a:endParaRPr lang="de-DE"/>
           </a:p>
@@ -3061,805 +3061,693 @@
           <a:chExt cx="0" cy="0"/>
         </a:xfrm>
       </p:grpSpPr>
-      <p:sp>
-        <p:nvSpPr>
-          <p:cNvPr id="6" name="Rechteck 5"/>
-          <p:cNvSpPr/>
+      <p:grpSp>
+        <p:nvGrpSpPr>
+          <p:cNvPr id="16" name="Gruppieren 15"/>
+          <p:cNvGrpSpPr>
+            <a:grpSpLocks noChangeAspect="1"/>
+          </p:cNvGrpSpPr>
           <p:nvPr/>
-        </p:nvSpPr>
-        <p:spPr>
+        </p:nvGrpSpPr>
+        <p:grpSpPr>
           <a:xfrm>
-            <a:off x="1043608" y="2348880"/>
-            <a:ext cx="1872208" cy="648072"/>
+            <a:off x="1835696" y="2564904"/>
+            <a:ext cx="5400601" cy="1674186"/>
+            <a:chOff x="1043608" y="2348880"/>
+            <a:chExt cx="7200800" cy="2232248"/>
           </a:xfrm>
-          <a:prstGeom prst="rect">
-            <a:avLst/>
-          </a:prstGeom>
-          <a:ln w="57150">
-            <a:solidFill>
-              <a:schemeClr val="bg1"/>
-            </a:solidFill>
-          </a:ln>
-          <a:effectLst/>
-        </p:spPr>
-        <p:style>
-          <a:lnRef idx="1">
-            <a:schemeClr val="accent1"/>
-          </a:lnRef>
-          <a:fillRef idx="2">
-            <a:schemeClr val="accent1"/>
-          </a:fillRef>
-          <a:effectRef idx="1">
-            <a:schemeClr val="accent1"/>
-          </a:effectRef>
-          <a:fontRef idx="minor">
-            <a:schemeClr val="dk1"/>
-          </a:fontRef>
-        </p:style>
-        <p:txBody>
-          <a:bodyPr rtlCol="0" anchor="ctr"/>
-          <a:lstStyle/>
-          <a:p>
-            <a:pPr algn="ctr"/>
-            <a:r>
-              <a:rPr lang="de-DE" b="1" smtClean="0">
+        </p:grpSpPr>
+        <p:sp>
+          <p:nvSpPr>
+            <p:cNvPr id="6" name="Rechteck 5"/>
+            <p:cNvSpPr/>
+            <p:nvPr/>
+          </p:nvSpPr>
+          <p:spPr>
+            <a:xfrm>
+              <a:off x="1043608" y="2348880"/>
+              <a:ext cx="1872208" cy="648072"/>
+            </a:xfrm>
+            <a:prstGeom prst="rect">
+              <a:avLst/>
+            </a:prstGeom>
+            <a:ln w="57150">
+              <a:solidFill>
+                <a:schemeClr val="bg1"/>
+              </a:solidFill>
+            </a:ln>
+            <a:effectLst/>
+          </p:spPr>
+          <p:style>
+            <a:lnRef idx="1">
+              <a:schemeClr val="accent1"/>
+            </a:lnRef>
+            <a:fillRef idx="2">
+              <a:schemeClr val="accent1"/>
+            </a:fillRef>
+            <a:effectRef idx="1">
+              <a:schemeClr val="accent1"/>
+            </a:effectRef>
+            <a:fontRef idx="minor">
+              <a:schemeClr val="dk1"/>
+            </a:fontRef>
+          </p:style>
+          <p:txBody>
+            <a:bodyPr rtlCol="0" anchor="ctr"/>
+            <a:lstStyle/>
+            <a:p>
+              <a:pPr algn="ctr"/>
+              <a:r>
+                <a:rPr lang="de-DE" sz="1200" b="1" smtClean="0">
+                  <a:solidFill>
+                    <a:schemeClr val="tx1">
+                      <a:lumMod val="75000"/>
+                      <a:lumOff val="25000"/>
+                    </a:schemeClr>
+                  </a:solidFill>
+                </a:rPr>
+                <a:t>EMF Application</a:t>
+              </a:r>
+              <a:endParaRPr lang="de-DE" sz="1200" b="1">
                 <a:solidFill>
                   <a:schemeClr val="tx1">
                     <a:lumMod val="75000"/>
                     <a:lumOff val="25000"/>
                   </a:schemeClr>
                 </a:solidFill>
-              </a:rPr>
-              <a:t>EMF Application</a:t>
-            </a:r>
-            <a:endParaRPr lang="de-DE" b="1">
+              </a:endParaRPr>
+            </a:p>
+          </p:txBody>
+        </p:sp>
+        <p:cxnSp>
+          <p:nvCxnSpPr>
+            <p:cNvPr id="22" name="Form 21"/>
+            <p:cNvCxnSpPr>
+              <a:stCxn id="21" idx="1"/>
+              <a:endCxn id="26" idx="3"/>
+            </p:cNvCxnSpPr>
+            <p:nvPr/>
+          </p:nvCxnSpPr>
+          <p:spPr>
+            <a:xfrm rot="5400000">
+              <a:off x="3268500" y="3579376"/>
+              <a:ext cx="325033" cy="1030399"/>
+            </a:xfrm>
+            <a:prstGeom prst="bentConnector2">
+              <a:avLst/>
+            </a:prstGeom>
+            <a:ln w="28575">
               <a:solidFill>
                 <a:schemeClr val="tx1">
-                  <a:lumMod val="75000"/>
-                  <a:lumOff val="25000"/>
+                  <a:lumMod val="50000"/>
+                  <a:lumOff val="50000"/>
                 </a:schemeClr>
               </a:solidFill>
-            </a:endParaRPr>
-          </a:p>
-        </p:txBody>
-      </p:sp>
-      <p:sp>
-        <p:nvSpPr>
-          <p:cNvPr id="20" name="Titel 1"/>
-          <p:cNvSpPr txBox="1">
-            <a:spLocks/>
-          </p:cNvSpPr>
-          <p:nvPr/>
-        </p:nvSpPr>
-        <p:spPr>
-          <a:xfrm>
-            <a:off x="457200" y="274638"/>
-            <a:ext cx="8229600" cy="1143000"/>
-          </a:xfrm>
-          <a:prstGeom prst="rect">
-            <a:avLst/>
-          </a:prstGeom>
-        </p:spPr>
-        <p:txBody>
-          <a:bodyPr vert="horz" lIns="91440" tIns="45720" rIns="91440" bIns="45720" rtlCol="0" anchor="ctr">
-            <a:normAutofit/>
-          </a:bodyPr>
-          <a:lstStyle/>
-          <a:p>
-            <a:pPr marL="0" marR="0" lvl="0" indent="0" algn="ctr" defTabSz="914400" rtl="0" eaLnBrk="1" fontAlgn="auto" latinLnBrk="0" hangingPunct="1">
-              <a:lnSpc>
-                <a:spcPct val="100000"/>
-              </a:lnSpc>
-              <a:spcBef>
-                <a:spcPct val="0"/>
-              </a:spcBef>
-              <a:spcAft>
-                <a:spcPts val="0"/>
-              </a:spcAft>
-              <a:buClrTx/>
-              <a:buSzTx/>
-              <a:buFontTx/>
-              <a:buNone/>
-              <a:tabLst/>
-              <a:defRPr/>
-            </a:pPr>
-            <a:r>
-              <a:rPr kumimoji="0" lang="de-DE" sz="4400" b="1" i="0" u="none" strike="noStrike" kern="1200" cap="none" spc="0" normalizeH="0" baseline="0" noProof="0" smtClean="0">
-                <a:ln>
-                  <a:noFill/>
-                </a:ln>
+              <a:prstDash val="sysDot"/>
+            </a:ln>
+          </p:spPr>
+          <p:style>
+            <a:lnRef idx="1">
+              <a:schemeClr val="accent1"/>
+            </a:lnRef>
+            <a:fillRef idx="0">
+              <a:schemeClr val="accent1"/>
+            </a:fillRef>
+            <a:effectRef idx="0">
+              <a:schemeClr val="accent1"/>
+            </a:effectRef>
+            <a:fontRef idx="minor">
+              <a:schemeClr val="tx1"/>
+            </a:fontRef>
+          </p:style>
+        </p:cxnSp>
+        <p:sp>
+          <p:nvSpPr>
+            <p:cNvPr id="19" name="Rechteck 18"/>
+            <p:cNvSpPr/>
+            <p:nvPr/>
+          </p:nvSpPr>
+          <p:spPr>
+            <a:xfrm>
+              <a:off x="5004048" y="3140968"/>
+              <a:ext cx="1800200" cy="648072"/>
+            </a:xfrm>
+            <a:prstGeom prst="rect">
+              <a:avLst/>
+            </a:prstGeom>
+            <a:ln w="57150">
+              <a:solidFill>
+                <a:schemeClr val="bg1"/>
+              </a:solidFill>
+            </a:ln>
+            <a:effectLst/>
+          </p:spPr>
+          <p:style>
+            <a:lnRef idx="1">
+              <a:schemeClr val="accent1"/>
+            </a:lnRef>
+            <a:fillRef idx="2">
+              <a:schemeClr val="accent1"/>
+            </a:fillRef>
+            <a:effectRef idx="1">
+              <a:schemeClr val="accent1"/>
+            </a:effectRef>
+            <a:fontRef idx="minor">
+              <a:schemeClr val="dk1"/>
+            </a:fontRef>
+          </p:style>
+          <p:txBody>
+            <a:bodyPr rtlCol="0" anchor="ctr"/>
+            <a:lstStyle/>
+            <a:p>
+              <a:pPr algn="ctr"/>
+              <a:r>
+                <a:rPr lang="de-DE" sz="1200" b="1" smtClean="0">
+                  <a:solidFill>
+                    <a:schemeClr val="tx1">
+                      <a:lumMod val="75000"/>
+                      <a:lumOff val="25000"/>
+                    </a:schemeClr>
+                  </a:solidFill>
+                </a:rPr>
+                <a:t>CDO Repository</a:t>
+              </a:r>
+              <a:endParaRPr lang="de-DE" sz="1200" b="1">
                 <a:solidFill>
                   <a:schemeClr val="tx1">
                     <a:lumMod val="75000"/>
                     <a:lumOff val="25000"/>
                   </a:schemeClr>
                 </a:solidFill>
-                <a:effectLst/>
-                <a:uLnTx/>
-                <a:uFillTx/>
-                <a:latin typeface="+mj-lt"/>
-                <a:ea typeface="+mj-ea"/>
-                <a:cs typeface="+mj-cs"/>
-              </a:rPr>
-              <a:t>Overview</a:t>
-            </a:r>
-            <a:endParaRPr kumimoji="0" lang="de-DE" sz="4400" b="1" i="0" u="none" strike="noStrike" kern="1200" cap="none" spc="0" normalizeH="0" baseline="0" noProof="0" smtClean="0">
-              <a:ln>
-                <a:noFill/>
-              </a:ln>
-              <a:solidFill>
-                <a:schemeClr val="tx1">
-                  <a:lumMod val="75000"/>
-                  <a:lumOff val="25000"/>
-                </a:schemeClr>
-              </a:solidFill>
-              <a:effectLst/>
-              <a:uLnTx/>
-              <a:uFillTx/>
-              <a:latin typeface="+mj-lt"/>
-              <a:ea typeface="+mj-ea"/>
-              <a:cs typeface="+mj-cs"/>
-            </a:endParaRPr>
-          </a:p>
-        </p:txBody>
-      </p:sp>
-      <p:cxnSp>
-        <p:nvCxnSpPr>
-          <p:cNvPr id="22" name="Form 21"/>
-          <p:cNvCxnSpPr>
-            <a:stCxn id="21" idx="1"/>
-            <a:endCxn id="26" idx="3"/>
-          </p:cNvCxnSpPr>
-          <p:nvPr/>
-        </p:nvCxnSpPr>
-        <p:spPr>
-          <a:xfrm rot="5400000">
-            <a:off x="3268500" y="3579376"/>
-            <a:ext cx="325033" cy="1030399"/>
-          </a:xfrm>
-          <a:prstGeom prst="bentConnector2">
-            <a:avLst/>
-          </a:prstGeom>
-          <a:ln w="28575">
-            <a:solidFill>
-              <a:schemeClr val="tx1">
-                <a:lumMod val="50000"/>
-                <a:lumOff val="50000"/>
-              </a:schemeClr>
-            </a:solidFill>
-            <a:prstDash val="sysDot"/>
-          </a:ln>
-        </p:spPr>
-        <p:style>
-          <a:lnRef idx="1">
-            <a:schemeClr val="accent1"/>
-          </a:lnRef>
-          <a:fillRef idx="0">
-            <a:schemeClr val="accent1"/>
-          </a:fillRef>
-          <a:effectRef idx="0">
-            <a:schemeClr val="accent1"/>
-          </a:effectRef>
-          <a:fontRef idx="minor">
-            <a:schemeClr val="tx1"/>
-          </a:fontRef>
-        </p:style>
-      </p:cxnSp>
-      <p:sp>
-        <p:nvSpPr>
-          <p:cNvPr id="19" name="Rechteck 18"/>
-          <p:cNvSpPr/>
-          <p:nvPr/>
-        </p:nvSpPr>
-        <p:spPr>
-          <a:xfrm>
-            <a:off x="5004048" y="3140968"/>
-            <a:ext cx="1800200" cy="648072"/>
-          </a:xfrm>
-          <a:prstGeom prst="rect">
-            <a:avLst/>
-          </a:prstGeom>
-          <a:ln w="57150">
-            <a:solidFill>
-              <a:schemeClr val="bg1"/>
-            </a:solidFill>
-          </a:ln>
-          <a:effectLst/>
-        </p:spPr>
-        <p:style>
-          <a:lnRef idx="1">
-            <a:schemeClr val="accent1"/>
-          </a:lnRef>
-          <a:fillRef idx="2">
-            <a:schemeClr val="accent1"/>
-          </a:fillRef>
-          <a:effectRef idx="1">
-            <a:schemeClr val="accent1"/>
-          </a:effectRef>
-          <a:fontRef idx="minor">
-            <a:schemeClr val="dk1"/>
-          </a:fontRef>
-        </p:style>
-        <p:txBody>
-          <a:bodyPr rtlCol="0" anchor="ctr"/>
-          <a:lstStyle/>
-          <a:p>
-            <a:pPr algn="ctr"/>
-            <a:r>
-              <a:rPr lang="de-DE" b="1" smtClean="0">
-                <a:solidFill>
-                  <a:schemeClr val="tx1">
-                    <a:lumMod val="75000"/>
-                    <a:lumOff val="25000"/>
-                  </a:schemeClr>
-                </a:solidFill>
-              </a:rPr>
-              <a:t>CDO Repository</a:t>
-            </a:r>
-            <a:endParaRPr lang="de-DE" b="1">
-              <a:solidFill>
-                <a:schemeClr val="tx1">
-                  <a:lumMod val="75000"/>
-                  <a:lumOff val="25000"/>
-                </a:schemeClr>
-              </a:solidFill>
-            </a:endParaRPr>
-          </a:p>
-        </p:txBody>
-      </p:sp>
-      <p:sp>
-        <p:nvSpPr>
-          <p:cNvPr id="24" name="Flussdiagramm: Magnetplattenspeicher 23"/>
-          <p:cNvSpPr/>
-          <p:nvPr/>
-        </p:nvSpPr>
-        <p:spPr>
-          <a:xfrm>
-            <a:off x="7380312" y="3861048"/>
-            <a:ext cx="864096" cy="576064"/>
-          </a:xfrm>
-          <a:prstGeom prst="flowChartMagneticDisk">
-            <a:avLst/>
-          </a:prstGeom>
-        </p:spPr>
-        <p:style>
-          <a:lnRef idx="1">
-            <a:schemeClr val="dk1"/>
-          </a:lnRef>
-          <a:fillRef idx="2">
-            <a:schemeClr val="dk1"/>
-          </a:fillRef>
-          <a:effectRef idx="1">
-            <a:schemeClr val="dk1"/>
-          </a:effectRef>
-          <a:fontRef idx="minor">
-            <a:schemeClr val="dk1"/>
-          </a:fontRef>
-        </p:style>
-        <p:txBody>
-          <a:bodyPr rtlCol="0" anchor="ctr"/>
-          <a:lstStyle/>
-          <a:p>
-            <a:pPr algn="ctr"/>
-            <a:r>
-              <a:rPr lang="de-DE" b="1" smtClean="0">
+              </a:endParaRPr>
+            </a:p>
+          </p:txBody>
+        </p:sp>
+        <p:sp>
+          <p:nvSpPr>
+            <p:cNvPr id="24" name="Flussdiagramm: Magnetplattenspeicher 23"/>
+            <p:cNvSpPr/>
+            <p:nvPr/>
+          </p:nvSpPr>
+          <p:spPr>
+            <a:xfrm>
+              <a:off x="7380312" y="3861048"/>
+              <a:ext cx="864096" cy="576064"/>
+            </a:xfrm>
+            <a:prstGeom prst="flowChartMagneticDisk">
+              <a:avLst/>
+            </a:prstGeom>
+          </p:spPr>
+          <p:style>
+            <a:lnRef idx="1">
+              <a:schemeClr val="dk1"/>
+            </a:lnRef>
+            <a:fillRef idx="2">
+              <a:schemeClr val="dk1"/>
+            </a:fillRef>
+            <a:effectRef idx="1">
+              <a:schemeClr val="dk1"/>
+            </a:effectRef>
+            <a:fontRef idx="minor">
+              <a:schemeClr val="dk1"/>
+            </a:fontRef>
+          </p:style>
+          <p:txBody>
+            <a:bodyPr rtlCol="0" anchor="ctr"/>
+            <a:lstStyle/>
+            <a:p>
+              <a:pPr algn="ctr"/>
+              <a:r>
+                <a:rPr lang="de-DE" sz="1200" b="1" smtClean="0">
+                  <a:solidFill>
+                    <a:schemeClr val="tx1">
+                      <a:lumMod val="65000"/>
+                      <a:lumOff val="35000"/>
+                    </a:schemeClr>
+                  </a:solidFill>
+                </a:rPr>
+                <a:t>RDB</a:t>
+              </a:r>
+              <a:endParaRPr lang="de-DE" sz="1200" b="1">
                 <a:solidFill>
                   <a:schemeClr val="tx1">
                     <a:lumMod val="65000"/>
                     <a:lumOff val="35000"/>
                   </a:schemeClr>
                 </a:solidFill>
-              </a:rPr>
-              <a:t>RDB</a:t>
-            </a:r>
-            <a:endParaRPr lang="de-DE" b="1">
+              </a:endParaRPr>
+            </a:p>
+          </p:txBody>
+        </p:sp>
+        <p:sp>
+          <p:nvSpPr>
+            <p:cNvPr id="25" name="Rechteck 24"/>
+            <p:cNvSpPr/>
+            <p:nvPr/>
+          </p:nvSpPr>
+          <p:spPr>
+            <a:xfrm>
+              <a:off x="1043608" y="3140968"/>
+              <a:ext cx="1872208" cy="648072"/>
+            </a:xfrm>
+            <a:prstGeom prst="rect">
+              <a:avLst/>
+            </a:prstGeom>
+            <a:ln w="57150">
+              <a:solidFill>
+                <a:schemeClr val="bg1"/>
+              </a:solidFill>
+            </a:ln>
+            <a:effectLst/>
+          </p:spPr>
+          <p:style>
+            <a:lnRef idx="1">
+              <a:schemeClr val="accent1"/>
+            </a:lnRef>
+            <a:fillRef idx="2">
+              <a:schemeClr val="accent1"/>
+            </a:fillRef>
+            <a:effectRef idx="1">
+              <a:schemeClr val="accent1"/>
+            </a:effectRef>
+            <a:fontRef idx="minor">
+              <a:schemeClr val="dk1"/>
+            </a:fontRef>
+          </p:style>
+          <p:txBody>
+            <a:bodyPr rtlCol="0" anchor="ctr"/>
+            <a:lstStyle/>
+            <a:p>
+              <a:pPr algn="ctr"/>
+              <a:r>
+                <a:rPr lang="de-DE" sz="1200" b="1" smtClean="0">
+                  <a:solidFill>
+                    <a:schemeClr val="tx1">
+                      <a:lumMod val="75000"/>
+                      <a:lumOff val="25000"/>
+                    </a:schemeClr>
+                  </a:solidFill>
+                </a:rPr>
+                <a:t>EMF Application</a:t>
+              </a:r>
+            </a:p>
+          </p:txBody>
+        </p:sp>
+        <p:sp>
+          <p:nvSpPr>
+            <p:cNvPr id="26" name="Rechteck 25"/>
+            <p:cNvSpPr/>
+            <p:nvPr/>
+          </p:nvSpPr>
+          <p:spPr>
+            <a:xfrm>
+              <a:off x="1043608" y="3933056"/>
+              <a:ext cx="1872208" cy="648072"/>
+            </a:xfrm>
+            <a:prstGeom prst="rect">
+              <a:avLst/>
+            </a:prstGeom>
+            <a:ln w="57150">
+              <a:solidFill>
+                <a:schemeClr val="bg1"/>
+              </a:solidFill>
+            </a:ln>
+            <a:effectLst/>
+          </p:spPr>
+          <p:style>
+            <a:lnRef idx="1">
+              <a:schemeClr val="accent1"/>
+            </a:lnRef>
+            <a:fillRef idx="2">
+              <a:schemeClr val="accent1"/>
+            </a:fillRef>
+            <a:effectRef idx="1">
+              <a:schemeClr val="accent1"/>
+            </a:effectRef>
+            <a:fontRef idx="minor">
+              <a:schemeClr val="dk1"/>
+            </a:fontRef>
+          </p:style>
+          <p:txBody>
+            <a:bodyPr rtlCol="0" anchor="ctr"/>
+            <a:lstStyle/>
+            <a:p>
+              <a:pPr algn="ctr"/>
+              <a:r>
+                <a:rPr lang="de-DE" sz="1200" b="1" smtClean="0">
+                  <a:solidFill>
+                    <a:schemeClr val="tx1">
+                      <a:lumMod val="75000"/>
+                      <a:lumOff val="25000"/>
+                    </a:schemeClr>
+                  </a:solidFill>
+                </a:rPr>
+                <a:t>EMF Application</a:t>
+              </a:r>
+            </a:p>
+          </p:txBody>
+        </p:sp>
+        <p:cxnSp>
+          <p:nvCxnSpPr>
+            <p:cNvPr id="27" name="Form 26"/>
+            <p:cNvCxnSpPr>
+              <a:stCxn id="19" idx="1"/>
+              <a:endCxn id="25" idx="3"/>
+            </p:cNvCxnSpPr>
+            <p:nvPr/>
+          </p:nvCxnSpPr>
+          <p:spPr>
+            <a:xfrm rot="10800000">
+              <a:off x="2915816" y="3465004"/>
+              <a:ext cx="2088232" cy="12700"/>
+            </a:xfrm>
+            <a:prstGeom prst="bentConnector3">
+              <a:avLst>
+                <a:gd name="adj1" fmla="val 50000"/>
+              </a:avLst>
+            </a:prstGeom>
+            <a:ln w="28575">
               <a:solidFill>
                 <a:schemeClr val="tx1">
-                  <a:lumMod val="65000"/>
-                  <a:lumOff val="35000"/>
+                  <a:lumMod val="50000"/>
+                  <a:lumOff val="50000"/>
                 </a:schemeClr>
               </a:solidFill>
-            </a:endParaRPr>
-          </a:p>
-        </p:txBody>
-      </p:sp>
-      <p:sp>
-        <p:nvSpPr>
-          <p:cNvPr id="25" name="Rechteck 24"/>
-          <p:cNvSpPr/>
-          <p:nvPr/>
-        </p:nvSpPr>
-        <p:spPr>
-          <a:xfrm>
-            <a:off x="1043608" y="3140968"/>
-            <a:ext cx="1872208" cy="648072"/>
-          </a:xfrm>
-          <a:prstGeom prst="rect">
-            <a:avLst/>
-          </a:prstGeom>
-          <a:ln w="57150">
-            <a:solidFill>
-              <a:schemeClr val="bg1"/>
-            </a:solidFill>
-          </a:ln>
-          <a:effectLst/>
-        </p:spPr>
-        <p:style>
-          <a:lnRef idx="1">
-            <a:schemeClr val="accent1"/>
-          </a:lnRef>
-          <a:fillRef idx="2">
-            <a:schemeClr val="accent1"/>
-          </a:fillRef>
-          <a:effectRef idx="1">
-            <a:schemeClr val="accent1"/>
-          </a:effectRef>
-          <a:fontRef idx="minor">
-            <a:schemeClr val="dk1"/>
-          </a:fontRef>
-        </p:style>
-        <p:txBody>
-          <a:bodyPr rtlCol="0" anchor="ctr"/>
-          <a:lstStyle/>
-          <a:p>
-            <a:pPr algn="ctr"/>
-            <a:r>
-              <a:rPr lang="de-DE" b="1" smtClean="0">
-                <a:solidFill>
-                  <a:schemeClr val="tx1">
-                    <a:lumMod val="75000"/>
-                    <a:lumOff val="25000"/>
-                  </a:schemeClr>
-                </a:solidFill>
-              </a:rPr>
-              <a:t>EMF </a:t>
-            </a:r>
-            <a:r>
-              <a:rPr lang="de-DE" b="1" smtClean="0">
-                <a:solidFill>
-                  <a:schemeClr val="tx1">
-                    <a:lumMod val="75000"/>
-                    <a:lumOff val="25000"/>
-                  </a:schemeClr>
-                </a:solidFill>
-              </a:rPr>
-              <a:t>Application</a:t>
-            </a:r>
-            <a:endParaRPr lang="de-DE" b="1" smtClean="0">
+              <a:prstDash val="sysDot"/>
+            </a:ln>
+          </p:spPr>
+          <p:style>
+            <a:lnRef idx="1">
+              <a:schemeClr val="accent1"/>
+            </a:lnRef>
+            <a:fillRef idx="0">
+              <a:schemeClr val="accent1"/>
+            </a:fillRef>
+            <a:effectRef idx="0">
+              <a:schemeClr val="accent1"/>
+            </a:effectRef>
+            <a:fontRef idx="minor">
+              <a:schemeClr val="tx1"/>
+            </a:fontRef>
+          </p:style>
+        </p:cxnSp>
+        <p:cxnSp>
+          <p:nvCxnSpPr>
+            <p:cNvPr id="28" name="Form 27"/>
+            <p:cNvCxnSpPr>
+              <a:stCxn id="21" idx="3"/>
+              <a:endCxn id="6" idx="3"/>
+            </p:cNvCxnSpPr>
+            <p:nvPr/>
+          </p:nvCxnSpPr>
+          <p:spPr>
+            <a:xfrm rot="16200000" flipV="1">
+              <a:off x="3242237" y="2346496"/>
+              <a:ext cx="377559" cy="1030399"/>
+            </a:xfrm>
+            <a:prstGeom prst="bentConnector2">
+              <a:avLst/>
+            </a:prstGeom>
+            <a:ln w="28575">
               <a:solidFill>
                 <a:schemeClr val="tx1">
-                  <a:lumMod val="75000"/>
-                  <a:lumOff val="25000"/>
+                  <a:lumMod val="50000"/>
+                  <a:lumOff val="50000"/>
                 </a:schemeClr>
               </a:solidFill>
-            </a:endParaRPr>
-          </a:p>
-        </p:txBody>
-      </p:sp>
-      <p:sp>
-        <p:nvSpPr>
-          <p:cNvPr id="26" name="Rechteck 25"/>
-          <p:cNvSpPr/>
-          <p:nvPr/>
-        </p:nvSpPr>
-        <p:spPr>
-          <a:xfrm>
-            <a:off x="1043608" y="3933056"/>
-            <a:ext cx="1872208" cy="648072"/>
-          </a:xfrm>
-          <a:prstGeom prst="rect">
-            <a:avLst/>
-          </a:prstGeom>
-          <a:ln w="57150">
-            <a:solidFill>
-              <a:schemeClr val="bg1"/>
-            </a:solidFill>
-          </a:ln>
-          <a:effectLst/>
-        </p:spPr>
-        <p:style>
-          <a:lnRef idx="1">
-            <a:schemeClr val="accent1"/>
-          </a:lnRef>
-          <a:fillRef idx="2">
-            <a:schemeClr val="accent1"/>
-          </a:fillRef>
-          <a:effectRef idx="1">
-            <a:schemeClr val="accent1"/>
-          </a:effectRef>
-          <a:fontRef idx="minor">
-            <a:schemeClr val="dk1"/>
-          </a:fontRef>
-        </p:style>
-        <p:txBody>
-          <a:bodyPr rtlCol="0" anchor="ctr"/>
-          <a:lstStyle/>
-          <a:p>
-            <a:pPr algn="ctr"/>
-            <a:r>
-              <a:rPr lang="de-DE" b="1" smtClean="0">
-                <a:solidFill>
-                  <a:schemeClr val="tx1">
-                    <a:lumMod val="75000"/>
-                    <a:lumOff val="25000"/>
-                  </a:schemeClr>
-                </a:solidFill>
-              </a:rPr>
-              <a:t>EMF </a:t>
-            </a:r>
-            <a:r>
-              <a:rPr lang="de-DE" b="1" smtClean="0">
-                <a:solidFill>
-                  <a:schemeClr val="tx1">
-                    <a:lumMod val="75000"/>
-                    <a:lumOff val="25000"/>
-                  </a:schemeClr>
-                </a:solidFill>
-              </a:rPr>
-              <a:t>Application</a:t>
-            </a:r>
-            <a:endParaRPr lang="de-DE" b="1" smtClean="0">
+              <a:prstDash val="sysDot"/>
+            </a:ln>
+          </p:spPr>
+          <p:style>
+            <a:lnRef idx="1">
+              <a:schemeClr val="accent1"/>
+            </a:lnRef>
+            <a:fillRef idx="0">
+              <a:schemeClr val="accent1"/>
+            </a:fillRef>
+            <a:effectRef idx="0">
+              <a:schemeClr val="accent1"/>
+            </a:effectRef>
+            <a:fontRef idx="minor">
+              <a:schemeClr val="tx1"/>
+            </a:fontRef>
+          </p:style>
+        </p:cxnSp>
+        <p:cxnSp>
+          <p:nvCxnSpPr>
+            <p:cNvPr id="36" name="Form 35"/>
+            <p:cNvCxnSpPr>
+              <a:stCxn id="53" idx="2"/>
+              <a:endCxn id="19" idx="3"/>
+            </p:cNvCxnSpPr>
+            <p:nvPr/>
+          </p:nvCxnSpPr>
+          <p:spPr>
+            <a:xfrm flipH="1">
+              <a:off x="6804248" y="3465004"/>
+              <a:ext cx="576064" cy="0"/>
+            </a:xfrm>
+            <a:prstGeom prst="straightConnector1">
+              <a:avLst/>
+            </a:prstGeom>
+            <a:ln w="28575">
               <a:solidFill>
                 <a:schemeClr val="tx1">
-                  <a:lumMod val="75000"/>
-                  <a:lumOff val="25000"/>
+                  <a:lumMod val="50000"/>
+                  <a:lumOff val="50000"/>
                 </a:schemeClr>
               </a:solidFill>
-            </a:endParaRPr>
-          </a:p>
-        </p:txBody>
-      </p:sp>
-      <p:cxnSp>
-        <p:nvCxnSpPr>
-          <p:cNvPr id="27" name="Form 26"/>
-          <p:cNvCxnSpPr>
-            <a:stCxn id="19" idx="1"/>
-            <a:endCxn id="25" idx="3"/>
-          </p:cNvCxnSpPr>
-          <p:nvPr/>
-        </p:nvCxnSpPr>
-        <p:spPr>
-          <a:xfrm rot="10800000">
-            <a:off x="2915816" y="3465004"/>
-            <a:ext cx="2088232" cy="12700"/>
-          </a:xfrm>
-          <a:prstGeom prst="bentConnector3">
-            <a:avLst>
-              <a:gd name="adj1" fmla="val 50000"/>
-            </a:avLst>
-          </a:prstGeom>
-          <a:ln w="28575">
-            <a:solidFill>
-              <a:schemeClr val="tx1">
-                <a:lumMod val="50000"/>
-                <a:lumOff val="50000"/>
-              </a:schemeClr>
-            </a:solidFill>
-            <a:prstDash val="sysDot"/>
-          </a:ln>
-        </p:spPr>
-        <p:style>
-          <a:lnRef idx="1">
-            <a:schemeClr val="accent1"/>
-          </a:lnRef>
-          <a:fillRef idx="0">
-            <a:schemeClr val="accent1"/>
-          </a:fillRef>
-          <a:effectRef idx="0">
-            <a:schemeClr val="accent1"/>
-          </a:effectRef>
-          <a:fontRef idx="minor">
-            <a:schemeClr val="tx1"/>
-          </a:fontRef>
-        </p:style>
-      </p:cxnSp>
-      <p:cxnSp>
-        <p:nvCxnSpPr>
-          <p:cNvPr id="28" name="Form 27"/>
-          <p:cNvCxnSpPr>
-            <a:stCxn id="21" idx="3"/>
-            <a:endCxn id="6" idx="3"/>
-          </p:cNvCxnSpPr>
-          <p:nvPr/>
-        </p:nvCxnSpPr>
-        <p:spPr>
-          <a:xfrm rot="16200000" flipV="1">
-            <a:off x="3242237" y="2346496"/>
-            <a:ext cx="377559" cy="1030399"/>
-          </a:xfrm>
-          <a:prstGeom prst="bentConnector2">
-            <a:avLst/>
-          </a:prstGeom>
-          <a:ln w="28575">
-            <a:solidFill>
-              <a:schemeClr val="tx1">
-                <a:lumMod val="50000"/>
-                <a:lumOff val="50000"/>
-              </a:schemeClr>
-            </a:solidFill>
-            <a:prstDash val="sysDot"/>
-          </a:ln>
-        </p:spPr>
-        <p:style>
-          <a:lnRef idx="1">
-            <a:schemeClr val="accent1"/>
-          </a:lnRef>
-          <a:fillRef idx="0">
-            <a:schemeClr val="accent1"/>
-          </a:fillRef>
-          <a:effectRef idx="0">
-            <a:schemeClr val="accent1"/>
-          </a:effectRef>
-          <a:fontRef idx="minor">
-            <a:schemeClr val="tx1"/>
-          </a:fontRef>
-        </p:style>
-      </p:cxnSp>
-      <p:cxnSp>
-        <p:nvCxnSpPr>
-          <p:cNvPr id="36" name="Form 35"/>
-          <p:cNvCxnSpPr>
-            <a:stCxn id="53" idx="2"/>
-            <a:endCxn id="19" idx="3"/>
-          </p:cNvCxnSpPr>
-          <p:nvPr/>
-        </p:nvCxnSpPr>
-        <p:spPr>
-          <a:xfrm flipH="1">
-            <a:off x="6804248" y="3465004"/>
-            <a:ext cx="576064" cy="0"/>
-          </a:xfrm>
-          <a:prstGeom prst="straightConnector1">
-            <a:avLst/>
-          </a:prstGeom>
-          <a:ln w="28575">
-            <a:solidFill>
-              <a:schemeClr val="tx1">
-                <a:lumMod val="50000"/>
-                <a:lumOff val="50000"/>
-              </a:schemeClr>
-            </a:solidFill>
-            <a:prstDash val="sysDot"/>
-          </a:ln>
-        </p:spPr>
-        <p:style>
-          <a:lnRef idx="1">
-            <a:schemeClr val="accent1"/>
-          </a:lnRef>
-          <a:fillRef idx="0">
-            <a:schemeClr val="accent1"/>
-          </a:fillRef>
-          <a:effectRef idx="0">
-            <a:schemeClr val="accent1"/>
-          </a:effectRef>
-          <a:fontRef idx="minor">
-            <a:schemeClr val="tx1"/>
-          </a:fontRef>
-        </p:style>
-      </p:cxnSp>
-      <p:sp>
-        <p:nvSpPr>
-          <p:cNvPr id="21" name="Wolke 20"/>
-          <p:cNvSpPr/>
-          <p:nvPr/>
-        </p:nvSpPr>
-        <p:spPr>
-          <a:xfrm>
-            <a:off x="3190131" y="2996952"/>
-            <a:ext cx="1512168" cy="936104"/>
-          </a:xfrm>
-          <a:prstGeom prst="cloud">
-            <a:avLst/>
-          </a:prstGeom>
-        </p:spPr>
-        <p:style>
-          <a:lnRef idx="1">
-            <a:schemeClr val="dk1"/>
-          </a:lnRef>
-          <a:fillRef idx="2">
-            <a:schemeClr val="dk1"/>
-          </a:fillRef>
-          <a:effectRef idx="1">
-            <a:schemeClr val="dk1"/>
-          </a:effectRef>
-          <a:fontRef idx="minor">
-            <a:schemeClr val="dk1"/>
-          </a:fontRef>
-        </p:style>
-        <p:txBody>
-          <a:bodyPr rtlCol="0" anchor="ctr"/>
-          <a:lstStyle/>
-          <a:p>
-            <a:pPr algn="ctr"/>
-            <a:r>
-              <a:rPr lang="de-DE" sz="1600" b="1" i="1" smtClean="0">
+              <a:prstDash val="sysDot"/>
+            </a:ln>
+          </p:spPr>
+          <p:style>
+            <a:lnRef idx="1">
+              <a:schemeClr val="accent1"/>
+            </a:lnRef>
+            <a:fillRef idx="0">
+              <a:schemeClr val="accent1"/>
+            </a:fillRef>
+            <a:effectRef idx="0">
+              <a:schemeClr val="accent1"/>
+            </a:effectRef>
+            <a:fontRef idx="minor">
+              <a:schemeClr val="tx1"/>
+            </a:fontRef>
+          </p:style>
+        </p:cxnSp>
+        <p:sp>
+          <p:nvSpPr>
+            <p:cNvPr id="21" name="Wolke 20"/>
+            <p:cNvSpPr/>
+            <p:nvPr/>
+          </p:nvSpPr>
+          <p:spPr>
+            <a:xfrm>
+              <a:off x="3190131" y="2996952"/>
+              <a:ext cx="1512168" cy="936104"/>
+            </a:xfrm>
+            <a:prstGeom prst="cloud">
+              <a:avLst/>
+            </a:prstGeom>
+          </p:spPr>
+          <p:style>
+            <a:lnRef idx="1">
+              <a:schemeClr val="dk1"/>
+            </a:lnRef>
+            <a:fillRef idx="2">
+              <a:schemeClr val="dk1"/>
+            </a:fillRef>
+            <a:effectRef idx="1">
+              <a:schemeClr val="dk1"/>
+            </a:effectRef>
+            <a:fontRef idx="minor">
+              <a:schemeClr val="dk1"/>
+            </a:fontRef>
+          </p:style>
+          <p:txBody>
+            <a:bodyPr rtlCol="0" anchor="ctr"/>
+            <a:lstStyle/>
+            <a:p>
+              <a:pPr algn="ctr"/>
+              <a:r>
+                <a:rPr lang="de-DE" sz="1200" b="1" i="1" smtClean="0">
+                  <a:solidFill>
+                    <a:schemeClr val="tx1">
+                      <a:lumMod val="65000"/>
+                      <a:lumOff val="35000"/>
+                    </a:schemeClr>
+                  </a:solidFill>
+                </a:rPr>
+                <a:t>Network</a:t>
+              </a:r>
+              <a:endParaRPr lang="de-DE" sz="1200" b="1" i="1">
                 <a:solidFill>
                   <a:schemeClr val="tx1">
                     <a:lumMod val="65000"/>
                     <a:lumOff val="35000"/>
                   </a:schemeClr>
                 </a:solidFill>
-              </a:rPr>
-              <a:t>Network</a:t>
-            </a:r>
-            <a:endParaRPr lang="de-DE" sz="1600" b="1" i="1">
-              <a:solidFill>
-                <a:schemeClr val="tx1">
-                  <a:lumMod val="65000"/>
-                  <a:lumOff val="35000"/>
-                </a:schemeClr>
-              </a:solidFill>
-            </a:endParaRPr>
-          </a:p>
-        </p:txBody>
-      </p:sp>
-      <p:sp>
-        <p:nvSpPr>
-          <p:cNvPr id="52" name="Flussdiagramm: Magnetplattenspeicher 51"/>
-          <p:cNvSpPr/>
-          <p:nvPr/>
-        </p:nvSpPr>
-        <p:spPr>
-          <a:xfrm>
-            <a:off x="7380312" y="2492896"/>
-            <a:ext cx="864096" cy="576064"/>
-          </a:xfrm>
-          <a:prstGeom prst="flowChartMagneticDisk">
-            <a:avLst/>
-          </a:prstGeom>
-        </p:spPr>
-        <p:style>
-          <a:lnRef idx="1">
-            <a:schemeClr val="dk1"/>
-          </a:lnRef>
-          <a:fillRef idx="2">
-            <a:schemeClr val="dk1"/>
-          </a:fillRef>
-          <a:effectRef idx="1">
-            <a:schemeClr val="dk1"/>
-          </a:effectRef>
-          <a:fontRef idx="minor">
-            <a:schemeClr val="dk1"/>
-          </a:fontRef>
-        </p:style>
-        <p:txBody>
-          <a:bodyPr rtlCol="0" anchor="ctr"/>
-          <a:lstStyle/>
-          <a:p>
-            <a:pPr algn="ctr"/>
-            <a:r>
-              <a:rPr lang="de-DE" b="1" smtClean="0">
+              </a:endParaRPr>
+            </a:p>
+          </p:txBody>
+        </p:sp>
+        <p:sp>
+          <p:nvSpPr>
+            <p:cNvPr id="52" name="Flussdiagramm: Magnetplattenspeicher 51"/>
+            <p:cNvSpPr/>
+            <p:nvPr/>
+          </p:nvSpPr>
+          <p:spPr>
+            <a:xfrm>
+              <a:off x="7380312" y="2492896"/>
+              <a:ext cx="864096" cy="576064"/>
+            </a:xfrm>
+            <a:prstGeom prst="flowChartMagneticDisk">
+              <a:avLst/>
+            </a:prstGeom>
+          </p:spPr>
+          <p:style>
+            <a:lnRef idx="1">
+              <a:schemeClr val="dk1"/>
+            </a:lnRef>
+            <a:fillRef idx="2">
+              <a:schemeClr val="dk1"/>
+            </a:fillRef>
+            <a:effectRef idx="1">
+              <a:schemeClr val="dk1"/>
+            </a:effectRef>
+            <a:fontRef idx="minor">
+              <a:schemeClr val="dk1"/>
+            </a:fontRef>
+          </p:style>
+          <p:txBody>
+            <a:bodyPr rtlCol="0" anchor="ctr"/>
+            <a:lstStyle/>
+            <a:p>
+              <a:pPr algn="ctr"/>
+              <a:r>
+                <a:rPr lang="de-DE" sz="1200" b="1" smtClean="0">
+                  <a:solidFill>
+                    <a:schemeClr val="tx1">
+                      <a:lumMod val="65000"/>
+                      <a:lumOff val="35000"/>
+                    </a:schemeClr>
+                  </a:solidFill>
+                </a:rPr>
+                <a:t>ODB</a:t>
+              </a:r>
+              <a:endParaRPr lang="de-DE" sz="1200" b="1">
                 <a:solidFill>
                   <a:schemeClr val="tx1">
                     <a:lumMod val="65000"/>
                     <a:lumOff val="35000"/>
                   </a:schemeClr>
                 </a:solidFill>
-              </a:rPr>
-              <a:t>O</a:t>
-            </a:r>
-            <a:r>
-              <a:rPr lang="de-DE" b="1" smtClean="0">
+              </a:endParaRPr>
+            </a:p>
+          </p:txBody>
+        </p:sp>
+        <p:sp>
+          <p:nvSpPr>
+            <p:cNvPr id="53" name="Flussdiagramm: Magnetplattenspeicher 52"/>
+            <p:cNvSpPr/>
+            <p:nvPr/>
+          </p:nvSpPr>
+          <p:spPr>
+            <a:xfrm>
+              <a:off x="7380312" y="3176972"/>
+              <a:ext cx="864096" cy="576064"/>
+            </a:xfrm>
+            <a:prstGeom prst="flowChartMagneticDisk">
+              <a:avLst/>
+            </a:prstGeom>
+          </p:spPr>
+          <p:style>
+            <a:lnRef idx="1">
+              <a:schemeClr val="dk1"/>
+            </a:lnRef>
+            <a:fillRef idx="2">
+              <a:schemeClr val="dk1"/>
+            </a:fillRef>
+            <a:effectRef idx="1">
+              <a:schemeClr val="dk1"/>
+            </a:effectRef>
+            <a:fontRef idx="minor">
+              <a:schemeClr val="dk1"/>
+            </a:fontRef>
+          </p:style>
+          <p:txBody>
+            <a:bodyPr rtlCol="0" anchor="ctr"/>
+            <a:lstStyle/>
+            <a:p>
+              <a:pPr algn="ctr"/>
+              <a:r>
+                <a:rPr lang="de-DE" sz="1200" b="1" smtClean="0">
+                  <a:solidFill>
+                    <a:schemeClr val="tx1">
+                      <a:lumMod val="65000"/>
+                      <a:lumOff val="35000"/>
+                    </a:schemeClr>
+                  </a:solidFill>
+                </a:rPr>
+                <a:t>NoSQL</a:t>
+              </a:r>
+              <a:endParaRPr lang="de-DE" sz="1200" b="1">
                 <a:solidFill>
                   <a:schemeClr val="tx1">
                     <a:lumMod val="65000"/>
                     <a:lumOff val="35000"/>
                   </a:schemeClr>
                 </a:solidFill>
-              </a:rPr>
-              <a:t>DB</a:t>
-            </a:r>
-            <a:endParaRPr lang="de-DE" b="1">
+              </a:endParaRPr>
+            </a:p>
+          </p:txBody>
+        </p:sp>
+        <p:cxnSp>
+          <p:nvCxnSpPr>
+            <p:cNvPr id="76" name="Form 75"/>
+            <p:cNvCxnSpPr>
+              <a:stCxn id="52" idx="2"/>
+              <a:endCxn id="24" idx="2"/>
+            </p:cNvCxnSpPr>
+            <p:nvPr/>
+          </p:nvCxnSpPr>
+          <p:spPr>
+            <a:xfrm rot="10800000" flipV="1">
+              <a:off x="7380312" y="2780928"/>
+              <a:ext cx="12700" cy="1368152"/>
+            </a:xfrm>
+            <a:prstGeom prst="bentConnector3">
+              <a:avLst>
+                <a:gd name="adj1" fmla="val 1800000"/>
+              </a:avLst>
+            </a:prstGeom>
+            <a:ln w="28575">
               <a:solidFill>
                 <a:schemeClr val="tx1">
-                  <a:lumMod val="65000"/>
-                  <a:lumOff val="35000"/>
+                  <a:lumMod val="50000"/>
+                  <a:lumOff val="50000"/>
                 </a:schemeClr>
               </a:solidFill>
-            </a:endParaRPr>
-          </a:p>
-        </p:txBody>
-      </p:sp>
-      <p:sp>
-        <p:nvSpPr>
-          <p:cNvPr id="53" name="Flussdiagramm: Magnetplattenspeicher 52"/>
-          <p:cNvSpPr/>
-          <p:nvPr/>
-        </p:nvSpPr>
-        <p:spPr>
-          <a:xfrm>
-            <a:off x="7380312" y="3176972"/>
-            <a:ext cx="864096" cy="576064"/>
-          </a:xfrm>
-          <a:prstGeom prst="flowChartMagneticDisk">
-            <a:avLst/>
-          </a:prstGeom>
-        </p:spPr>
-        <p:style>
-          <a:lnRef idx="1">
-            <a:schemeClr val="dk1"/>
-          </a:lnRef>
-          <a:fillRef idx="2">
-            <a:schemeClr val="dk1"/>
-          </a:fillRef>
-          <a:effectRef idx="1">
-            <a:schemeClr val="dk1"/>
-          </a:effectRef>
-          <a:fontRef idx="minor">
-            <a:schemeClr val="dk1"/>
-          </a:fontRef>
-        </p:style>
-        <p:txBody>
-          <a:bodyPr rtlCol="0" anchor="ctr"/>
-          <a:lstStyle/>
-          <a:p>
-            <a:pPr algn="ctr"/>
-            <a:r>
-              <a:rPr lang="de-DE" b="1" smtClean="0">
-                <a:solidFill>
-                  <a:schemeClr val="tx1">
-                    <a:lumMod val="65000"/>
-                    <a:lumOff val="35000"/>
-                  </a:schemeClr>
-                </a:solidFill>
-              </a:rPr>
-              <a:t>NoSQL</a:t>
-            </a:r>
-            <a:endParaRPr lang="de-DE" b="1">
-              <a:solidFill>
-                <a:schemeClr val="tx1">
-                  <a:lumMod val="65000"/>
-                  <a:lumOff val="35000"/>
-                </a:schemeClr>
-              </a:solidFill>
-            </a:endParaRPr>
-          </a:p>
-        </p:txBody>
-      </p:sp>
-      <p:cxnSp>
-        <p:nvCxnSpPr>
-          <p:cNvPr id="76" name="Form 75"/>
-          <p:cNvCxnSpPr>
-            <a:stCxn id="52" idx="2"/>
-            <a:endCxn id="24" idx="2"/>
-          </p:cNvCxnSpPr>
-          <p:nvPr/>
-        </p:nvCxnSpPr>
-        <p:spPr>
-          <a:xfrm rot="10800000" flipV="1">
-            <a:off x="7380312" y="2780928"/>
-            <a:ext cx="12700" cy="1368152"/>
-          </a:xfrm>
-          <a:prstGeom prst="bentConnector3">
-            <a:avLst>
-              <a:gd name="adj1" fmla="val 1800000"/>
-            </a:avLst>
-          </a:prstGeom>
-          <a:ln w="28575">
-            <a:solidFill>
-              <a:schemeClr val="tx1">
-                <a:lumMod val="50000"/>
-                <a:lumOff val="50000"/>
-              </a:schemeClr>
-            </a:solidFill>
-            <a:prstDash val="sysDot"/>
-          </a:ln>
-        </p:spPr>
-        <p:style>
-          <a:lnRef idx="1">
-            <a:schemeClr val="accent1"/>
-          </a:lnRef>
-          <a:fillRef idx="0">
-            <a:schemeClr val="accent1"/>
-          </a:fillRef>
-          <a:effectRef idx="0">
-            <a:schemeClr val="accent1"/>
-          </a:effectRef>
-          <a:fontRef idx="minor">
-            <a:schemeClr val="tx1"/>
-          </a:fontRef>
-        </p:style>
-      </p:cxnSp>
+              <a:prstDash val="sysDot"/>
+            </a:ln>
+          </p:spPr>
+          <p:style>
+            <a:lnRef idx="1">
+              <a:schemeClr val="accent1"/>
+            </a:lnRef>
+            <a:fillRef idx="0">
+              <a:schemeClr val="accent1"/>
+            </a:fillRef>
+            <a:effectRef idx="0">
+              <a:schemeClr val="accent1"/>
+            </a:effectRef>
+            <a:fontRef idx="minor">
+              <a:schemeClr val="tx1"/>
+            </a:fontRef>
+          </p:style>
+        </p:cxnSp>
+      </p:grpSp>
     </p:spTree>
   </p:cSld>
   <p:clrMapOvr>
@@ -3885,819 +3773,833 @@
           <a:chExt cx="0" cy="0"/>
         </a:xfrm>
       </p:grpSpPr>
-      <p:sp>
-        <p:nvSpPr>
-          <p:cNvPr id="8" name="Rechteck 7"/>
-          <p:cNvSpPr/>
+      <p:grpSp>
+        <p:nvGrpSpPr>
+          <p:cNvPr id="62" name="Gruppieren 61"/>
+          <p:cNvGrpSpPr/>
           <p:nvPr/>
-        </p:nvSpPr>
-        <p:spPr>
+        </p:nvGrpSpPr>
+        <p:grpSpPr>
           <a:xfrm>
-            <a:off x="1619672" y="3068960"/>
-            <a:ext cx="1368152" cy="1296144"/>
+            <a:off x="1634786" y="2132856"/>
+            <a:ext cx="5745526" cy="2696083"/>
+            <a:chOff x="1634786" y="2132856"/>
+            <a:chExt cx="5745526" cy="2696083"/>
           </a:xfrm>
-          <a:prstGeom prst="rect">
-            <a:avLst/>
-          </a:prstGeom>
-          <a:ln w="57150">
-            <a:solidFill>
-              <a:schemeClr val="bg1"/>
-            </a:solidFill>
-          </a:ln>
-          <a:effectLst/>
-        </p:spPr>
-        <p:style>
-          <a:lnRef idx="1">
-            <a:schemeClr val="accent1"/>
-          </a:lnRef>
-          <a:fillRef idx="2">
-            <a:schemeClr val="accent1"/>
-          </a:fillRef>
-          <a:effectRef idx="1">
-            <a:schemeClr val="accent1"/>
-          </a:effectRef>
-          <a:fontRef idx="minor">
-            <a:schemeClr val="dk1"/>
-          </a:fontRef>
-        </p:style>
-        <p:txBody>
-          <a:bodyPr rtlCol="0" anchor="ctr"/>
-          <a:lstStyle/>
-          <a:p>
-            <a:pPr algn="ctr"/>
-            <a:endParaRPr lang="de-DE" b="1">
-              <a:solidFill>
-                <a:schemeClr val="tx1">
-                  <a:lumMod val="75000"/>
-                  <a:lumOff val="25000"/>
-                </a:schemeClr>
-              </a:solidFill>
-            </a:endParaRPr>
-          </a:p>
-        </p:txBody>
-      </p:sp>
-      <p:sp>
-        <p:nvSpPr>
-          <p:cNvPr id="9" name="Rechteck 8"/>
-          <p:cNvSpPr/>
-          <p:nvPr/>
-        </p:nvSpPr>
-        <p:spPr>
-          <a:xfrm>
-            <a:off x="4572000" y="3068960"/>
-            <a:ext cx="2880320" cy="1296144"/>
-          </a:xfrm>
-          <a:prstGeom prst="rect">
-            <a:avLst/>
-          </a:prstGeom>
-          <a:ln w="57150">
-            <a:solidFill>
-              <a:schemeClr val="bg1"/>
-            </a:solidFill>
-          </a:ln>
-          <a:effectLst/>
-        </p:spPr>
-        <p:style>
-          <a:lnRef idx="1">
-            <a:schemeClr val="accent1"/>
-          </a:lnRef>
-          <a:fillRef idx="2">
-            <a:schemeClr val="accent1"/>
-          </a:fillRef>
-          <a:effectRef idx="1">
-            <a:schemeClr val="accent1"/>
-          </a:effectRef>
-          <a:fontRef idx="minor">
-            <a:schemeClr val="dk1"/>
-          </a:fontRef>
-        </p:style>
-        <p:txBody>
-          <a:bodyPr rtlCol="0" anchor="ctr"/>
-          <a:lstStyle/>
-          <a:p>
-            <a:pPr algn="ctr"/>
-            <a:endParaRPr lang="de-DE" b="1">
-              <a:solidFill>
-                <a:schemeClr val="tx1">
-                  <a:lumMod val="75000"/>
-                  <a:lumOff val="25000"/>
-                </a:schemeClr>
-              </a:solidFill>
-            </a:endParaRPr>
-          </a:p>
-        </p:txBody>
-      </p:sp>
-      <p:sp>
-        <p:nvSpPr>
-          <p:cNvPr id="4" name="Rechteck 3"/>
-          <p:cNvSpPr/>
-          <p:nvPr/>
-        </p:nvSpPr>
-        <p:spPr>
-          <a:xfrm>
-            <a:off x="2987824" y="3068960"/>
-            <a:ext cx="1584176" cy="1296144"/>
-          </a:xfrm>
-          <a:prstGeom prst="rect">
-            <a:avLst/>
-          </a:prstGeom>
-          <a:ln w="57150">
-            <a:solidFill>
-              <a:schemeClr val="bg1"/>
-            </a:solidFill>
-          </a:ln>
-          <a:effectLst/>
-        </p:spPr>
-        <p:style>
-          <a:lnRef idx="1">
-            <a:schemeClr val="accent1"/>
-          </a:lnRef>
-          <a:fillRef idx="2">
-            <a:schemeClr val="accent1"/>
-          </a:fillRef>
-          <a:effectRef idx="1">
-            <a:schemeClr val="accent1"/>
-          </a:effectRef>
-          <a:fontRef idx="minor">
-            <a:schemeClr val="dk1"/>
-          </a:fontRef>
-        </p:style>
-        <p:txBody>
-          <a:bodyPr rtlCol="0" anchor="b"/>
-          <a:lstStyle/>
-          <a:p>
-            <a:pPr algn="ctr"/>
-            <a:endParaRPr lang="de-DE" b="1" smtClean="0">
-              <a:solidFill>
-                <a:schemeClr val="tx1">
-                  <a:lumMod val="75000"/>
-                  <a:lumOff val="25000"/>
-                </a:schemeClr>
-              </a:solidFill>
-            </a:endParaRPr>
-          </a:p>
-        </p:txBody>
-      </p:sp>
-      <p:sp>
-        <p:nvSpPr>
-          <p:cNvPr id="5" name="Rechteck 4"/>
-          <p:cNvSpPr/>
-          <p:nvPr/>
-        </p:nvSpPr>
-        <p:spPr>
-          <a:xfrm>
-            <a:off x="4139952" y="3068960"/>
-            <a:ext cx="1296144" cy="648072"/>
-          </a:xfrm>
-          <a:prstGeom prst="rect">
-            <a:avLst/>
-          </a:prstGeom>
-          <a:ln w="57150">
-            <a:solidFill>
-              <a:schemeClr val="bg1"/>
-            </a:solidFill>
-          </a:ln>
-          <a:effectLst/>
-        </p:spPr>
-        <p:style>
-          <a:lnRef idx="1">
-            <a:schemeClr val="accent1"/>
-          </a:lnRef>
-          <a:fillRef idx="2">
-            <a:schemeClr val="accent1"/>
-          </a:fillRef>
-          <a:effectRef idx="1">
-            <a:schemeClr val="accent1"/>
-          </a:effectRef>
-          <a:fontRef idx="minor">
-            <a:schemeClr val="dk1"/>
-          </a:fontRef>
-        </p:style>
-        <p:txBody>
-          <a:bodyPr rtlCol="0" anchor="ctr"/>
-          <a:lstStyle/>
-          <a:p>
-            <a:pPr algn="ctr"/>
-            <a:r>
-              <a:rPr lang="de-DE" b="1" smtClean="0">
+        </p:grpSpPr>
+        <p:grpSp>
+          <p:nvGrpSpPr>
+            <p:cNvPr id="19" name="Gruppieren 18"/>
+            <p:cNvGrpSpPr>
+              <a:grpSpLocks noChangeAspect="1"/>
+            </p:cNvGrpSpPr>
+            <p:nvPr/>
+          </p:nvGrpSpPr>
+          <p:grpSpPr>
+            <a:xfrm>
+              <a:off x="2177734" y="2204864"/>
+              <a:ext cx="5130570" cy="2538282"/>
+              <a:chOff x="1619672" y="2420888"/>
+              <a:chExt cx="6840760" cy="3384376"/>
+            </a:xfrm>
+          </p:grpSpPr>
+          <p:sp>
+            <p:nvSpPr>
+              <p:cNvPr id="8" name="Rechteck 7"/>
+              <p:cNvSpPr/>
+              <p:nvPr/>
+            </p:nvSpPr>
+            <p:spPr>
+              <a:xfrm>
+                <a:off x="1619672" y="3068960"/>
+                <a:ext cx="1368152" cy="1296144"/>
+              </a:xfrm>
+              <a:prstGeom prst="rect">
+                <a:avLst/>
+              </a:prstGeom>
+              <a:ln w="57150">
+                <a:solidFill>
+                  <a:schemeClr val="bg1"/>
+                </a:solidFill>
+              </a:ln>
+              <a:effectLst/>
+            </p:spPr>
+            <p:style>
+              <a:lnRef idx="1">
+                <a:schemeClr val="accent1"/>
+              </a:lnRef>
+              <a:fillRef idx="2">
+                <a:schemeClr val="accent1"/>
+              </a:fillRef>
+              <a:effectRef idx="1">
+                <a:schemeClr val="accent1"/>
+              </a:effectRef>
+              <a:fontRef idx="minor">
+                <a:schemeClr val="dk1"/>
+              </a:fontRef>
+            </p:style>
+            <p:txBody>
+              <a:bodyPr rtlCol="0" anchor="ctr"/>
+              <a:lstStyle/>
+              <a:p>
+                <a:pPr algn="ctr"/>
+                <a:endParaRPr lang="de-DE" sz="1200" b="1">
+                  <a:solidFill>
+                    <a:schemeClr val="tx1">
+                      <a:lumMod val="75000"/>
+                      <a:lumOff val="25000"/>
+                    </a:schemeClr>
+                  </a:solidFill>
+                </a:endParaRPr>
+              </a:p>
+            </p:txBody>
+          </p:sp>
+          <p:sp>
+            <p:nvSpPr>
+              <p:cNvPr id="9" name="Rechteck 8"/>
+              <p:cNvSpPr/>
+              <p:nvPr/>
+            </p:nvSpPr>
+            <p:spPr>
+              <a:xfrm>
+                <a:off x="4572000" y="3068960"/>
+                <a:ext cx="2880320" cy="1296144"/>
+              </a:xfrm>
+              <a:prstGeom prst="rect">
+                <a:avLst/>
+              </a:prstGeom>
+              <a:ln w="57150">
+                <a:solidFill>
+                  <a:schemeClr val="bg1"/>
+                </a:solidFill>
+              </a:ln>
+              <a:effectLst/>
+            </p:spPr>
+            <p:style>
+              <a:lnRef idx="1">
+                <a:schemeClr val="accent1"/>
+              </a:lnRef>
+              <a:fillRef idx="2">
+                <a:schemeClr val="accent1"/>
+              </a:fillRef>
+              <a:effectRef idx="1">
+                <a:schemeClr val="accent1"/>
+              </a:effectRef>
+              <a:fontRef idx="minor">
+                <a:schemeClr val="dk1"/>
+              </a:fontRef>
+            </p:style>
+            <p:txBody>
+              <a:bodyPr rtlCol="0" anchor="ctr"/>
+              <a:lstStyle/>
+              <a:p>
+                <a:pPr algn="ctr"/>
+                <a:endParaRPr lang="de-DE" sz="1200" b="1">
+                  <a:solidFill>
+                    <a:schemeClr val="tx1">
+                      <a:lumMod val="75000"/>
+                      <a:lumOff val="25000"/>
+                    </a:schemeClr>
+                  </a:solidFill>
+                </a:endParaRPr>
+              </a:p>
+            </p:txBody>
+          </p:sp>
+          <p:sp>
+            <p:nvSpPr>
+              <p:cNvPr id="4" name="Rechteck 3"/>
+              <p:cNvSpPr/>
+              <p:nvPr/>
+            </p:nvSpPr>
+            <p:spPr>
+              <a:xfrm>
+                <a:off x="2987824" y="3068960"/>
+                <a:ext cx="1584176" cy="1296144"/>
+              </a:xfrm>
+              <a:prstGeom prst="rect">
+                <a:avLst/>
+              </a:prstGeom>
+              <a:ln w="57150">
+                <a:solidFill>
+                  <a:schemeClr val="bg1"/>
+                </a:solidFill>
+              </a:ln>
+              <a:effectLst/>
+            </p:spPr>
+            <p:style>
+              <a:lnRef idx="1">
+                <a:schemeClr val="accent1"/>
+              </a:lnRef>
+              <a:fillRef idx="2">
+                <a:schemeClr val="accent1"/>
+              </a:fillRef>
+              <a:effectRef idx="1">
+                <a:schemeClr val="accent1"/>
+              </a:effectRef>
+              <a:fontRef idx="minor">
+                <a:schemeClr val="dk1"/>
+              </a:fontRef>
+            </p:style>
+            <p:txBody>
+              <a:bodyPr rtlCol="0" anchor="b"/>
+              <a:lstStyle/>
+              <a:p>
+                <a:pPr algn="ctr"/>
+                <a:endParaRPr lang="de-DE" sz="1200" b="1" smtClean="0">
+                  <a:solidFill>
+                    <a:schemeClr val="tx1">
+                      <a:lumMod val="75000"/>
+                      <a:lumOff val="25000"/>
+                    </a:schemeClr>
+                  </a:solidFill>
+                </a:endParaRPr>
+              </a:p>
+            </p:txBody>
+          </p:sp>
+          <p:sp>
+            <p:nvSpPr>
+              <p:cNvPr id="5" name="Rechteck 4"/>
+              <p:cNvSpPr/>
+              <p:nvPr/>
+            </p:nvSpPr>
+            <p:spPr>
+              <a:xfrm>
+                <a:off x="4139952" y="3068960"/>
+                <a:ext cx="1296144" cy="648072"/>
+              </a:xfrm>
+              <a:prstGeom prst="rect">
+                <a:avLst/>
+              </a:prstGeom>
+              <a:ln w="57150">
+                <a:solidFill>
+                  <a:schemeClr val="bg1"/>
+                </a:solidFill>
+              </a:ln>
+              <a:effectLst/>
+            </p:spPr>
+            <p:style>
+              <a:lnRef idx="1">
+                <a:schemeClr val="accent1"/>
+              </a:lnRef>
+              <a:fillRef idx="2">
+                <a:schemeClr val="accent1"/>
+              </a:fillRef>
+              <a:effectRef idx="1">
+                <a:schemeClr val="accent1"/>
+              </a:effectRef>
+              <a:fontRef idx="minor">
+                <a:schemeClr val="dk1"/>
+              </a:fontRef>
+            </p:style>
+            <p:txBody>
+              <a:bodyPr rtlCol="0" anchor="ctr"/>
+              <a:lstStyle/>
+              <a:p>
+                <a:pPr algn="ctr"/>
+                <a:r>
+                  <a:rPr lang="de-DE" sz="1200" b="1" smtClean="0">
+                    <a:solidFill>
+                      <a:schemeClr val="tx1">
+                        <a:lumMod val="75000"/>
+                        <a:lumOff val="25000"/>
+                      </a:schemeClr>
+                    </a:solidFill>
+                  </a:rPr>
+                  <a:t>Protocol</a:t>
+                </a:r>
+                <a:endParaRPr lang="de-DE" sz="1200" b="1">
+                  <a:solidFill>
+                    <a:schemeClr val="tx1">
+                      <a:lumMod val="75000"/>
+                      <a:lumOff val="25000"/>
+                    </a:schemeClr>
+                  </a:solidFill>
+                </a:endParaRPr>
+              </a:p>
+            </p:txBody>
+          </p:sp>
+          <p:sp>
+            <p:nvSpPr>
+              <p:cNvPr id="6" name="Rechteck 5"/>
+              <p:cNvSpPr/>
+              <p:nvPr/>
+            </p:nvSpPr>
+            <p:spPr>
+              <a:xfrm>
+                <a:off x="1619672" y="2420888"/>
+                <a:ext cx="5832648" cy="648072"/>
+              </a:xfrm>
+              <a:prstGeom prst="rect">
+                <a:avLst/>
+              </a:prstGeom>
+              <a:ln w="57150">
+                <a:solidFill>
+                  <a:schemeClr val="bg1"/>
+                </a:solidFill>
+              </a:ln>
+              <a:effectLst/>
+            </p:spPr>
+            <p:style>
+              <a:lnRef idx="1">
+                <a:schemeClr val="accent1"/>
+              </a:lnRef>
+              <a:fillRef idx="2">
+                <a:schemeClr val="accent1"/>
+              </a:fillRef>
+              <a:effectRef idx="1">
+                <a:schemeClr val="accent1"/>
+              </a:effectRef>
+              <a:fontRef idx="minor">
+                <a:schemeClr val="dk1"/>
+              </a:fontRef>
+            </p:style>
+            <p:txBody>
+              <a:bodyPr rtlCol="0" anchor="ctr"/>
+              <a:lstStyle/>
+              <a:p>
+                <a:pPr algn="ctr"/>
+                <a:r>
+                  <a:rPr lang="de-DE" sz="1200" b="1" smtClean="0">
+                    <a:solidFill>
+                      <a:schemeClr val="tx1">
+                        <a:lumMod val="75000"/>
+                        <a:lumOff val="25000"/>
+                      </a:schemeClr>
+                    </a:solidFill>
+                  </a:rPr>
+                  <a:t>Application</a:t>
+                </a:r>
+                <a:endParaRPr lang="de-DE" sz="1200" b="1">
+                  <a:solidFill>
+                    <a:schemeClr val="tx1">
+                      <a:lumMod val="75000"/>
+                      <a:lumOff val="25000"/>
+                    </a:schemeClr>
+                  </a:solidFill>
+                </a:endParaRPr>
+              </a:p>
+            </p:txBody>
+          </p:sp>
+          <p:sp>
+            <p:nvSpPr>
+              <p:cNvPr id="7" name="Rechteck 6"/>
+              <p:cNvSpPr/>
+              <p:nvPr/>
+            </p:nvSpPr>
+            <p:spPr>
+              <a:xfrm>
+                <a:off x="2267744" y="3068960"/>
+                <a:ext cx="1224136" cy="648072"/>
+              </a:xfrm>
+              <a:prstGeom prst="rect">
+                <a:avLst/>
+              </a:prstGeom>
+              <a:ln w="57150">
+                <a:solidFill>
+                  <a:schemeClr val="bg1"/>
+                </a:solidFill>
+              </a:ln>
+              <a:effectLst/>
+            </p:spPr>
+            <p:style>
+              <a:lnRef idx="1">
+                <a:schemeClr val="accent1"/>
+              </a:lnRef>
+              <a:fillRef idx="2">
+                <a:schemeClr val="accent1"/>
+              </a:fillRef>
+              <a:effectRef idx="1">
+                <a:schemeClr val="accent1"/>
+              </a:effectRef>
+              <a:fontRef idx="minor">
+                <a:schemeClr val="dk1"/>
+              </a:fontRef>
+            </p:style>
+            <p:txBody>
+              <a:bodyPr rtlCol="0" anchor="ctr"/>
+              <a:lstStyle/>
+              <a:p>
+                <a:pPr algn="ctr"/>
+                <a:r>
+                  <a:rPr lang="de-DE" sz="1200" b="1" smtClean="0">
+                    <a:solidFill>
+                      <a:schemeClr val="tx1">
+                        <a:lumMod val="75000"/>
+                        <a:lumOff val="25000"/>
+                      </a:schemeClr>
+                    </a:solidFill>
+                  </a:rPr>
+                  <a:t>Models</a:t>
+                </a:r>
+                <a:endParaRPr lang="de-DE" sz="1200" b="1">
+                  <a:solidFill>
+                    <a:schemeClr val="tx1">
+                      <a:lumMod val="75000"/>
+                      <a:lumOff val="25000"/>
+                    </a:schemeClr>
+                  </a:solidFill>
+                </a:endParaRPr>
+              </a:p>
+            </p:txBody>
+          </p:sp>
+          <p:sp>
+            <p:nvSpPr>
+              <p:cNvPr id="12" name="Rechteck 11"/>
+              <p:cNvSpPr/>
+              <p:nvPr/>
+            </p:nvSpPr>
+            <p:spPr>
+              <a:xfrm>
+                <a:off x="5436096" y="3068960"/>
+                <a:ext cx="1368152" cy="648072"/>
+              </a:xfrm>
+              <a:prstGeom prst="rect">
+                <a:avLst/>
+              </a:prstGeom>
+              <a:ln w="57150">
+                <a:solidFill>
+                  <a:schemeClr val="bg1"/>
+                </a:solidFill>
+              </a:ln>
+              <a:effectLst/>
+            </p:spPr>
+            <p:style>
+              <a:lnRef idx="1">
+                <a:schemeClr val="accent1"/>
+              </a:lnRef>
+              <a:fillRef idx="2">
+                <a:schemeClr val="accent1"/>
+              </a:fillRef>
+              <a:effectRef idx="1">
+                <a:schemeClr val="accent1"/>
+              </a:effectRef>
+              <a:fontRef idx="minor">
+                <a:schemeClr val="dk1"/>
+              </a:fontRef>
+            </p:style>
+            <p:txBody>
+              <a:bodyPr rtlCol="0" anchor="ctr"/>
+              <a:lstStyle/>
+              <a:p>
+                <a:pPr algn="ctr"/>
+                <a:r>
+                  <a:rPr lang="de-DE" sz="1200" b="1" smtClean="0">
+                    <a:solidFill>
+                      <a:schemeClr val="tx1">
+                        <a:lumMod val="75000"/>
+                        <a:lumOff val="25000"/>
+                      </a:schemeClr>
+                    </a:solidFill>
+                  </a:rPr>
+                  <a:t>Transport</a:t>
+                </a:r>
+                <a:endParaRPr lang="de-DE" sz="1200" b="1">
+                  <a:solidFill>
+                    <a:schemeClr val="tx1">
+                      <a:lumMod val="75000"/>
+                      <a:lumOff val="25000"/>
+                    </a:schemeClr>
+                  </a:solidFill>
+                </a:endParaRPr>
+              </a:p>
+            </p:txBody>
+          </p:sp>
+          <p:sp>
+            <p:nvSpPr>
+              <p:cNvPr id="14" name="Textfeld 13"/>
+              <p:cNvSpPr txBox="1"/>
+              <p:nvPr/>
+            </p:nvSpPr>
+            <p:spPr>
+              <a:xfrm>
+                <a:off x="3059832" y="3861048"/>
+                <a:ext cx="1440160" cy="276999"/>
+              </a:xfrm>
+              <a:prstGeom prst="rect">
+                <a:avLst/>
+              </a:prstGeom>
+              <a:noFill/>
+            </p:spPr>
+            <p:txBody>
+              <a:bodyPr wrap="square" rtlCol="0">
+                <a:spAutoFit/>
+              </a:bodyPr>
+              <a:lstStyle/>
+              <a:p>
+                <a:pPr algn="ctr"/>
+                <a:r>
+                  <a:rPr lang="de-DE" sz="1200" b="1" smtClean="0">
+                    <a:solidFill>
+                      <a:schemeClr val="tx1">
+                        <a:lumMod val="75000"/>
+                        <a:lumOff val="25000"/>
+                      </a:schemeClr>
+                    </a:solidFill>
+                  </a:rPr>
+                  <a:t>CDO Client</a:t>
+                </a:r>
+              </a:p>
+            </p:txBody>
+          </p:sp>
+          <p:sp>
+            <p:nvSpPr>
+              <p:cNvPr id="15" name="Textfeld 14"/>
+              <p:cNvSpPr txBox="1"/>
+              <p:nvPr/>
+            </p:nvSpPr>
+            <p:spPr>
+              <a:xfrm>
+                <a:off x="4644008" y="3861048"/>
+                <a:ext cx="2736304" cy="276999"/>
+              </a:xfrm>
+              <a:prstGeom prst="rect">
+                <a:avLst/>
+              </a:prstGeom>
+              <a:noFill/>
+            </p:spPr>
+            <p:txBody>
+              <a:bodyPr wrap="square" rtlCol="0">
+                <a:spAutoFit/>
+              </a:bodyPr>
+              <a:lstStyle/>
+              <a:p>
+                <a:pPr algn="ctr"/>
+                <a:r>
+                  <a:rPr lang="de-DE" sz="1200" b="1" smtClean="0">
+                    <a:solidFill>
+                      <a:schemeClr val="tx1">
+                        <a:lumMod val="75000"/>
+                        <a:lumOff val="25000"/>
+                      </a:schemeClr>
+                    </a:solidFill>
+                  </a:rPr>
+                  <a:t>Net4j Core</a:t>
+                </a:r>
+                <a:endParaRPr lang="de-DE" sz="1200" b="1">
+                  <a:solidFill>
+                    <a:schemeClr val="tx1">
+                      <a:lumMod val="75000"/>
+                      <a:lumOff val="25000"/>
+                    </a:schemeClr>
+                  </a:solidFill>
+                </a:endParaRPr>
+              </a:p>
+            </p:txBody>
+          </p:sp>
+          <p:sp>
+            <p:nvSpPr>
+              <p:cNvPr id="17" name="Textfeld 16"/>
+              <p:cNvSpPr txBox="1"/>
+              <p:nvPr/>
+            </p:nvSpPr>
+            <p:spPr>
+              <a:xfrm>
+                <a:off x="1691680" y="3861048"/>
+                <a:ext cx="1224136" cy="276999"/>
+              </a:xfrm>
+              <a:prstGeom prst="rect">
+                <a:avLst/>
+              </a:prstGeom>
+              <a:noFill/>
+            </p:spPr>
+            <p:txBody>
+              <a:bodyPr wrap="square" rtlCol="0">
+                <a:spAutoFit/>
+              </a:bodyPr>
+              <a:lstStyle/>
+              <a:p>
+                <a:pPr algn="ctr"/>
+                <a:r>
+                  <a:rPr lang="de-DE" sz="1200" b="1" smtClean="0">
+                    <a:solidFill>
+                      <a:schemeClr val="tx1">
+                        <a:lumMod val="75000"/>
+                        <a:lumOff val="25000"/>
+                      </a:schemeClr>
+                    </a:solidFill>
+                  </a:rPr>
+                  <a:t>EMF</a:t>
+                </a:r>
+              </a:p>
+            </p:txBody>
+          </p:sp>
+          <p:sp>
+            <p:nvSpPr>
+              <p:cNvPr id="18" name="Rechteck 17"/>
+              <p:cNvSpPr/>
+              <p:nvPr/>
+            </p:nvSpPr>
+            <p:spPr>
+              <a:xfrm>
+                <a:off x="1619672" y="4365104"/>
+                <a:ext cx="5832648" cy="648072"/>
+              </a:xfrm>
+              <a:prstGeom prst="rect">
+                <a:avLst/>
+              </a:prstGeom>
+              <a:ln w="57150">
+                <a:solidFill>
+                  <a:schemeClr val="bg1"/>
+                </a:solidFill>
+              </a:ln>
+              <a:effectLst/>
+            </p:spPr>
+            <p:style>
+              <a:lnRef idx="1">
+                <a:schemeClr val="accent1"/>
+              </a:lnRef>
+              <a:fillRef idx="2">
+                <a:schemeClr val="accent1"/>
+              </a:fillRef>
+              <a:effectRef idx="1">
+                <a:schemeClr val="accent1"/>
+              </a:effectRef>
+              <a:fontRef idx="minor">
+                <a:schemeClr val="dk1"/>
+              </a:fontRef>
+            </p:style>
+            <p:txBody>
+              <a:bodyPr rtlCol="0" anchor="ctr"/>
+              <a:lstStyle/>
+              <a:p>
+                <a:pPr algn="ctr"/>
+                <a:r>
+                  <a:rPr lang="de-DE" sz="1200" b="1" smtClean="0">
+                    <a:solidFill>
+                      <a:schemeClr val="tx1">
+                        <a:lumMod val="75000"/>
+                        <a:lumOff val="25000"/>
+                      </a:schemeClr>
+                    </a:solidFill>
+                  </a:rPr>
+                  <a:t>OSGi (optional)</a:t>
+                </a:r>
+                <a:endParaRPr lang="de-DE" sz="1200" b="1">
+                  <a:solidFill>
+                    <a:schemeClr val="tx1">
+                      <a:lumMod val="75000"/>
+                      <a:lumOff val="25000"/>
+                    </a:schemeClr>
+                  </a:solidFill>
+                </a:endParaRPr>
+              </a:p>
+            </p:txBody>
+          </p:sp>
+          <p:sp>
+            <p:nvSpPr>
+              <p:cNvPr id="21" name="Wolke 20"/>
+              <p:cNvSpPr/>
+              <p:nvPr/>
+            </p:nvSpPr>
+            <p:spPr>
+              <a:xfrm>
+                <a:off x="6804248" y="5085184"/>
+                <a:ext cx="1656184" cy="720080"/>
+              </a:xfrm>
+              <a:prstGeom prst="cloud">
+                <a:avLst/>
+              </a:prstGeom>
+            </p:spPr>
+            <p:style>
+              <a:lnRef idx="1">
+                <a:schemeClr val="dk1"/>
+              </a:lnRef>
+              <a:fillRef idx="2">
+                <a:schemeClr val="dk1"/>
+              </a:fillRef>
+              <a:effectRef idx="1">
+                <a:schemeClr val="dk1"/>
+              </a:effectRef>
+              <a:fontRef idx="minor">
+                <a:schemeClr val="dk1"/>
+              </a:fontRef>
+            </p:style>
+            <p:txBody>
+              <a:bodyPr rtlCol="0" anchor="ctr"/>
+              <a:lstStyle/>
+              <a:p>
+                <a:pPr algn="ctr"/>
+                <a:endParaRPr lang="de-DE" sz="1200" b="1">
+                  <a:solidFill>
+                    <a:schemeClr val="tx1">
+                      <a:lumMod val="65000"/>
+                      <a:lumOff val="35000"/>
+                    </a:schemeClr>
+                  </a:solidFill>
+                </a:endParaRPr>
+              </a:p>
+            </p:txBody>
+          </p:sp>
+          <p:cxnSp>
+            <p:nvCxnSpPr>
+              <p:cNvPr id="22" name="Form 21"/>
+              <p:cNvCxnSpPr>
+                <a:stCxn id="21" idx="3"/>
+                <a:endCxn id="23" idx="3"/>
+              </p:cNvCxnSpPr>
+              <p:nvPr/>
+            </p:nvCxnSpPr>
+            <p:spPr>
+              <a:xfrm rot="16200000" flipV="1">
+                <a:off x="6267416" y="3761430"/>
+                <a:ext cx="1733359" cy="996491"/>
+              </a:xfrm>
+              <a:prstGeom prst="bentConnector2">
+                <a:avLst/>
+              </a:prstGeom>
+              <a:ln w="28575">
                 <a:solidFill>
                   <a:schemeClr val="tx1">
-                    <a:lumMod val="75000"/>
-                    <a:lumOff val="25000"/>
+                    <a:lumMod val="50000"/>
+                    <a:lumOff val="50000"/>
                   </a:schemeClr>
                 </a:solidFill>
-              </a:rPr>
-              <a:t>Protocol</a:t>
-            </a:r>
-            <a:endParaRPr lang="de-DE" b="1">
-              <a:solidFill>
-                <a:schemeClr val="tx1">
-                  <a:lumMod val="75000"/>
-                  <a:lumOff val="25000"/>
+                <a:prstDash val="sysDot"/>
+              </a:ln>
+            </p:spPr>
+            <p:style>
+              <a:lnRef idx="1">
+                <a:schemeClr val="accent1"/>
+              </a:lnRef>
+              <a:fillRef idx="0">
+                <a:schemeClr val="accent1"/>
+              </a:fillRef>
+              <a:effectRef idx="0">
+                <a:schemeClr val="accent1"/>
+              </a:effectRef>
+              <a:fontRef idx="minor">
+                <a:schemeClr val="tx1"/>
+              </a:fontRef>
+            </p:style>
+          </p:cxnSp>
+          <p:sp>
+            <p:nvSpPr>
+              <p:cNvPr id="23" name="Rechteck 22"/>
+              <p:cNvSpPr/>
+              <p:nvPr/>
+            </p:nvSpPr>
+            <p:spPr>
+              <a:xfrm>
+                <a:off x="6347817" y="3140968"/>
+                <a:ext cx="288032" cy="504056"/>
+              </a:xfrm>
+              <a:prstGeom prst="rect">
+                <a:avLst/>
+              </a:prstGeom>
+              <a:noFill/>
+              <a:ln>
+                <a:noFill/>
+              </a:ln>
+            </p:spPr>
+            <p:style>
+              <a:lnRef idx="2">
+                <a:schemeClr val="accent1">
+                  <a:shade val="50000"/>
                 </a:schemeClr>
-              </a:solidFill>
-            </a:endParaRPr>
-          </a:p>
-        </p:txBody>
-      </p:sp>
-      <p:sp>
-        <p:nvSpPr>
-          <p:cNvPr id="6" name="Rechteck 5"/>
-          <p:cNvSpPr/>
-          <p:nvPr/>
-        </p:nvSpPr>
-        <p:spPr>
-          <a:xfrm>
-            <a:off x="1619672" y="2420888"/>
-            <a:ext cx="5832648" cy="648072"/>
-          </a:xfrm>
-          <a:prstGeom prst="rect">
-            <a:avLst/>
-          </a:prstGeom>
-          <a:ln w="57150">
-            <a:solidFill>
-              <a:schemeClr val="bg1"/>
-            </a:solidFill>
-          </a:ln>
-          <a:effectLst/>
-        </p:spPr>
-        <p:style>
-          <a:lnRef idx="1">
-            <a:schemeClr val="accent1"/>
-          </a:lnRef>
-          <a:fillRef idx="2">
-            <a:schemeClr val="accent1"/>
-          </a:fillRef>
-          <a:effectRef idx="1">
-            <a:schemeClr val="accent1"/>
-          </a:effectRef>
-          <a:fontRef idx="minor">
-            <a:schemeClr val="dk1"/>
-          </a:fontRef>
-        </p:style>
-        <p:txBody>
-          <a:bodyPr rtlCol="0" anchor="ctr"/>
-          <a:lstStyle/>
-          <a:p>
-            <a:pPr algn="ctr"/>
-            <a:r>
-              <a:rPr lang="de-DE" b="1" smtClean="0">
-                <a:solidFill>
-                  <a:schemeClr val="tx1">
-                    <a:lumMod val="75000"/>
-                    <a:lumOff val="25000"/>
-                  </a:schemeClr>
-                </a:solidFill>
-              </a:rPr>
-              <a:t>Application</a:t>
-            </a:r>
-            <a:endParaRPr lang="de-DE" b="1">
-              <a:solidFill>
-                <a:schemeClr val="tx1">
-                  <a:lumMod val="75000"/>
-                  <a:lumOff val="25000"/>
-                </a:schemeClr>
-              </a:solidFill>
-            </a:endParaRPr>
-          </a:p>
-        </p:txBody>
-      </p:sp>
-      <p:sp>
-        <p:nvSpPr>
-          <p:cNvPr id="7" name="Rechteck 6"/>
-          <p:cNvSpPr/>
-          <p:nvPr/>
-        </p:nvSpPr>
-        <p:spPr>
-          <a:xfrm>
-            <a:off x="2267744" y="3068960"/>
-            <a:ext cx="1224136" cy="648072"/>
-          </a:xfrm>
-          <a:prstGeom prst="rect">
-            <a:avLst/>
-          </a:prstGeom>
-          <a:ln w="57150">
-            <a:solidFill>
-              <a:schemeClr val="bg1"/>
-            </a:solidFill>
-          </a:ln>
-          <a:effectLst/>
-        </p:spPr>
-        <p:style>
-          <a:lnRef idx="1">
-            <a:schemeClr val="accent1"/>
-          </a:lnRef>
-          <a:fillRef idx="2">
-            <a:schemeClr val="accent1"/>
-          </a:fillRef>
-          <a:effectRef idx="1">
-            <a:schemeClr val="accent1"/>
-          </a:effectRef>
-          <a:fontRef idx="minor">
-            <a:schemeClr val="dk1"/>
-          </a:fontRef>
-        </p:style>
-        <p:txBody>
-          <a:bodyPr rtlCol="0" anchor="ctr"/>
-          <a:lstStyle/>
-          <a:p>
-            <a:pPr algn="ctr"/>
-            <a:r>
-              <a:rPr lang="de-DE" b="1" smtClean="0">
-                <a:solidFill>
-                  <a:schemeClr val="tx1">
-                    <a:lumMod val="75000"/>
-                    <a:lumOff val="25000"/>
-                  </a:schemeClr>
-                </a:solidFill>
-              </a:rPr>
-              <a:t>Models</a:t>
-            </a:r>
-            <a:endParaRPr lang="de-DE" b="1">
-              <a:solidFill>
-                <a:schemeClr val="tx1">
-                  <a:lumMod val="75000"/>
-                  <a:lumOff val="25000"/>
-                </a:schemeClr>
-              </a:solidFill>
-            </a:endParaRPr>
-          </a:p>
-        </p:txBody>
-      </p:sp>
-      <p:sp>
-        <p:nvSpPr>
-          <p:cNvPr id="12" name="Rechteck 11"/>
-          <p:cNvSpPr/>
-          <p:nvPr/>
-        </p:nvSpPr>
-        <p:spPr>
-          <a:xfrm>
-            <a:off x="5436096" y="3068960"/>
-            <a:ext cx="1368152" cy="648072"/>
-          </a:xfrm>
-          <a:prstGeom prst="rect">
-            <a:avLst/>
-          </a:prstGeom>
-          <a:ln w="57150">
-            <a:solidFill>
-              <a:schemeClr val="bg1"/>
-            </a:solidFill>
-          </a:ln>
-          <a:effectLst/>
-        </p:spPr>
-        <p:style>
-          <a:lnRef idx="1">
-            <a:schemeClr val="accent1"/>
-          </a:lnRef>
-          <a:fillRef idx="2">
-            <a:schemeClr val="accent1"/>
-          </a:fillRef>
-          <a:effectRef idx="1">
-            <a:schemeClr val="accent1"/>
-          </a:effectRef>
-          <a:fontRef idx="minor">
-            <a:schemeClr val="dk1"/>
-          </a:fontRef>
-        </p:style>
-        <p:txBody>
-          <a:bodyPr rtlCol="0" anchor="ctr"/>
-          <a:lstStyle/>
-          <a:p>
-            <a:pPr algn="ctr"/>
-            <a:r>
-              <a:rPr lang="de-DE" b="1" smtClean="0">
-                <a:solidFill>
-                  <a:schemeClr val="tx1">
-                    <a:lumMod val="75000"/>
-                    <a:lumOff val="25000"/>
-                  </a:schemeClr>
-                </a:solidFill>
-              </a:rPr>
-              <a:t>Transport</a:t>
-            </a:r>
-            <a:endParaRPr lang="de-DE" b="1">
-              <a:solidFill>
-                <a:schemeClr val="tx1">
-                  <a:lumMod val="75000"/>
-                  <a:lumOff val="25000"/>
-                </a:schemeClr>
-              </a:solidFill>
-            </a:endParaRPr>
-          </a:p>
-        </p:txBody>
-      </p:sp>
-      <p:sp>
-        <p:nvSpPr>
-          <p:cNvPr id="14" name="Textfeld 13"/>
-          <p:cNvSpPr txBox="1"/>
-          <p:nvPr/>
-        </p:nvSpPr>
-        <p:spPr>
-          <a:xfrm>
-            <a:off x="3059832" y="3861048"/>
-            <a:ext cx="1440160" cy="369332"/>
-          </a:xfrm>
-          <a:prstGeom prst="rect">
-            <a:avLst/>
-          </a:prstGeom>
-          <a:noFill/>
-        </p:spPr>
-        <p:txBody>
-          <a:bodyPr wrap="square" rtlCol="0">
-            <a:spAutoFit/>
-          </a:bodyPr>
-          <a:lstStyle/>
-          <a:p>
-            <a:pPr algn="ctr"/>
-            <a:r>
-              <a:rPr lang="de-DE" b="1" smtClean="0">
-                <a:solidFill>
-                  <a:schemeClr val="tx1">
-                    <a:lumMod val="75000"/>
-                    <a:lumOff val="25000"/>
-                  </a:schemeClr>
-                </a:solidFill>
-              </a:rPr>
-              <a:t>CDO Client</a:t>
-            </a:r>
-          </a:p>
-        </p:txBody>
-      </p:sp>
-      <p:sp>
-        <p:nvSpPr>
-          <p:cNvPr id="15" name="Textfeld 14"/>
-          <p:cNvSpPr txBox="1"/>
-          <p:nvPr/>
-        </p:nvSpPr>
-        <p:spPr>
-          <a:xfrm>
-            <a:off x="4644008" y="3861048"/>
-            <a:ext cx="2736304" cy="369332"/>
-          </a:xfrm>
-          <a:prstGeom prst="rect">
-            <a:avLst/>
-          </a:prstGeom>
-          <a:noFill/>
-        </p:spPr>
-        <p:txBody>
-          <a:bodyPr wrap="square" rtlCol="0">
-            <a:spAutoFit/>
-          </a:bodyPr>
-          <a:lstStyle/>
-          <a:p>
-            <a:pPr algn="ctr"/>
-            <a:r>
-              <a:rPr lang="de-DE" b="1" smtClean="0">
-                <a:solidFill>
-                  <a:schemeClr val="tx1">
-                    <a:lumMod val="75000"/>
-                    <a:lumOff val="25000"/>
-                  </a:schemeClr>
-                </a:solidFill>
-              </a:rPr>
-              <a:t>Net4j Core</a:t>
-            </a:r>
-            <a:endParaRPr lang="de-DE" b="1">
-              <a:solidFill>
-                <a:schemeClr val="tx1">
-                  <a:lumMod val="75000"/>
-                  <a:lumOff val="25000"/>
-                </a:schemeClr>
-              </a:solidFill>
-            </a:endParaRPr>
-          </a:p>
-        </p:txBody>
-      </p:sp>
-      <p:sp>
-        <p:nvSpPr>
-          <p:cNvPr id="17" name="Textfeld 16"/>
-          <p:cNvSpPr txBox="1"/>
-          <p:nvPr/>
-        </p:nvSpPr>
-        <p:spPr>
-          <a:xfrm>
-            <a:off x="1691680" y="3861048"/>
-            <a:ext cx="1224136" cy="369332"/>
-          </a:xfrm>
-          <a:prstGeom prst="rect">
-            <a:avLst/>
-          </a:prstGeom>
-          <a:noFill/>
-        </p:spPr>
-        <p:txBody>
-          <a:bodyPr wrap="square" rtlCol="0">
-            <a:spAutoFit/>
-          </a:bodyPr>
-          <a:lstStyle/>
-          <a:p>
-            <a:pPr algn="ctr"/>
-            <a:r>
-              <a:rPr lang="de-DE" b="1" smtClean="0">
-                <a:solidFill>
-                  <a:schemeClr val="tx1">
-                    <a:lumMod val="75000"/>
-                    <a:lumOff val="25000"/>
-                  </a:schemeClr>
-                </a:solidFill>
-              </a:rPr>
-              <a:t>EMF</a:t>
-            </a:r>
-          </a:p>
-        </p:txBody>
-      </p:sp>
-      <p:sp>
-        <p:nvSpPr>
-          <p:cNvPr id="18" name="Rechteck 17"/>
-          <p:cNvSpPr/>
-          <p:nvPr/>
-        </p:nvSpPr>
-        <p:spPr>
-          <a:xfrm>
-            <a:off x="1619672" y="4365104"/>
-            <a:ext cx="5832648" cy="648072"/>
-          </a:xfrm>
-          <a:prstGeom prst="rect">
-            <a:avLst/>
-          </a:prstGeom>
-          <a:ln w="57150">
-            <a:solidFill>
-              <a:schemeClr val="bg1"/>
-            </a:solidFill>
-          </a:ln>
-          <a:effectLst/>
-        </p:spPr>
-        <p:style>
-          <a:lnRef idx="1">
-            <a:schemeClr val="accent1"/>
-          </a:lnRef>
-          <a:fillRef idx="2">
-            <a:schemeClr val="accent1"/>
-          </a:fillRef>
-          <a:effectRef idx="1">
-            <a:schemeClr val="accent1"/>
-          </a:effectRef>
-          <a:fontRef idx="minor">
-            <a:schemeClr val="dk1"/>
-          </a:fontRef>
-        </p:style>
-        <p:txBody>
-          <a:bodyPr rtlCol="0" anchor="ctr"/>
-          <a:lstStyle/>
-          <a:p>
-            <a:pPr algn="ctr"/>
-            <a:r>
-              <a:rPr lang="de-DE" b="1" smtClean="0">
-                <a:solidFill>
-                  <a:schemeClr val="tx1">
-                    <a:lumMod val="75000"/>
-                    <a:lumOff val="25000"/>
-                  </a:schemeClr>
-                </a:solidFill>
-              </a:rPr>
-              <a:t>OSGi (optional)</a:t>
-            </a:r>
-            <a:endParaRPr lang="de-DE" b="1">
-              <a:solidFill>
-                <a:schemeClr val="tx1">
-                  <a:lumMod val="75000"/>
-                  <a:lumOff val="25000"/>
-                </a:schemeClr>
-              </a:solidFill>
-            </a:endParaRPr>
-          </a:p>
-        </p:txBody>
-      </p:sp>
-      <p:sp>
-        <p:nvSpPr>
-          <p:cNvPr id="20" name="Titel 1"/>
-          <p:cNvSpPr txBox="1">
-            <a:spLocks/>
-          </p:cNvSpPr>
-          <p:nvPr/>
-        </p:nvSpPr>
-        <p:spPr>
-          <a:xfrm>
-            <a:off x="457200" y="274638"/>
-            <a:ext cx="8229600" cy="1143000"/>
-          </a:xfrm>
-          <a:prstGeom prst="rect">
-            <a:avLst/>
-          </a:prstGeom>
-        </p:spPr>
-        <p:txBody>
-          <a:bodyPr vert="horz" lIns="91440" tIns="45720" rIns="91440" bIns="45720" rtlCol="0" anchor="ctr">
-            <a:normAutofit/>
-          </a:bodyPr>
-          <a:lstStyle/>
-          <a:p>
-            <a:pPr marL="0" marR="0" lvl="0" indent="0" algn="ctr" defTabSz="914400" rtl="0" eaLnBrk="1" fontAlgn="auto" latinLnBrk="0" hangingPunct="1">
-              <a:lnSpc>
-                <a:spcPct val="100000"/>
-              </a:lnSpc>
-              <a:spcBef>
-                <a:spcPct val="0"/>
-              </a:spcBef>
-              <a:spcAft>
-                <a:spcPts val="0"/>
-              </a:spcAft>
-              <a:buClrTx/>
-              <a:buSzTx/>
-              <a:buFontTx/>
-              <a:buNone/>
-              <a:tabLst/>
-              <a:defRPr/>
-            </a:pPr>
-            <a:r>
-              <a:rPr kumimoji="0" lang="de-DE" sz="4400" b="1" i="0" u="none" strike="noStrike" kern="1200" cap="none" spc="0" normalizeH="0" baseline="0" noProof="0" smtClean="0">
-                <a:ln>
-                  <a:noFill/>
-                </a:ln>
-                <a:solidFill>
-                  <a:schemeClr val="tx1">
-                    <a:lumMod val="75000"/>
-                    <a:lumOff val="25000"/>
-                  </a:schemeClr>
-                </a:solidFill>
-                <a:effectLst/>
-                <a:uLnTx/>
-                <a:uFillTx/>
-                <a:latin typeface="+mj-lt"/>
-                <a:ea typeface="+mj-ea"/>
-                <a:cs typeface="+mj-cs"/>
-              </a:rPr>
-              <a:t>Application Architecture</a:t>
-            </a:r>
-          </a:p>
-        </p:txBody>
-      </p:sp>
-      <p:sp>
-        <p:nvSpPr>
-          <p:cNvPr id="21" name="Wolke 20"/>
-          <p:cNvSpPr/>
-          <p:nvPr/>
-        </p:nvSpPr>
-        <p:spPr>
-          <a:xfrm>
-            <a:off x="6804248" y="5085184"/>
-            <a:ext cx="1656184" cy="720080"/>
-          </a:xfrm>
-          <a:prstGeom prst="cloud">
-            <a:avLst/>
-          </a:prstGeom>
-        </p:spPr>
-        <p:style>
-          <a:lnRef idx="1">
-            <a:schemeClr val="dk1"/>
-          </a:lnRef>
-          <a:fillRef idx="2">
-            <a:schemeClr val="dk1"/>
-          </a:fillRef>
-          <a:effectRef idx="1">
-            <a:schemeClr val="dk1"/>
-          </a:effectRef>
-          <a:fontRef idx="minor">
-            <a:schemeClr val="dk1"/>
-          </a:fontRef>
-        </p:style>
-        <p:txBody>
-          <a:bodyPr rtlCol="0" anchor="ctr"/>
-          <a:lstStyle/>
-          <a:p>
-            <a:pPr algn="ctr"/>
-            <a:endParaRPr lang="de-DE" b="1">
-              <a:solidFill>
-                <a:schemeClr val="tx1">
-                  <a:lumMod val="65000"/>
-                  <a:lumOff val="35000"/>
-                </a:schemeClr>
-              </a:solidFill>
-            </a:endParaRPr>
-          </a:p>
-        </p:txBody>
-      </p:sp>
-      <p:cxnSp>
-        <p:nvCxnSpPr>
-          <p:cNvPr id="22" name="Form 21"/>
-          <p:cNvCxnSpPr>
-            <a:stCxn id="21" idx="3"/>
-            <a:endCxn id="23" idx="3"/>
-          </p:cNvCxnSpPr>
-          <p:nvPr/>
-        </p:nvCxnSpPr>
-        <p:spPr>
-          <a:xfrm rot="16200000" flipV="1">
-            <a:off x="6267416" y="3761430"/>
-            <a:ext cx="1733359" cy="996491"/>
-          </a:xfrm>
-          <a:prstGeom prst="bentConnector2">
-            <a:avLst/>
-          </a:prstGeom>
-          <a:ln w="28575">
-            <a:solidFill>
-              <a:schemeClr val="tx1">
-                <a:lumMod val="50000"/>
-                <a:lumOff val="50000"/>
+              </a:lnRef>
+              <a:fillRef idx="1">
+                <a:schemeClr val="accent1"/>
+              </a:fillRef>
+              <a:effectRef idx="0">
+                <a:schemeClr val="accent1"/>
+              </a:effectRef>
+              <a:fontRef idx="minor">
+                <a:schemeClr val="lt1"/>
+              </a:fontRef>
+            </p:style>
+            <p:txBody>
+              <a:bodyPr rtlCol="0" anchor="ctr"/>
+              <a:lstStyle/>
+              <a:p>
+                <a:pPr algn="ctr"/>
+                <a:endParaRPr lang="de-DE" sz="1200"/>
+              </a:p>
+            </p:txBody>
+          </p:sp>
+          <p:sp>
+            <p:nvSpPr>
+              <p:cNvPr id="32" name="Textfeld 31"/>
+              <p:cNvSpPr txBox="1"/>
+              <p:nvPr/>
+            </p:nvSpPr>
+            <p:spPr>
+              <a:xfrm>
+                <a:off x="7020272" y="5229200"/>
+                <a:ext cx="874150" cy="276999"/>
+              </a:xfrm>
+              <a:prstGeom prst="rect">
+                <a:avLst/>
+              </a:prstGeom>
+              <a:noFill/>
+            </p:spPr>
+            <p:txBody>
+              <a:bodyPr wrap="none" rtlCol="0">
+                <a:spAutoFit/>
+              </a:bodyPr>
+              <a:lstStyle/>
+              <a:p>
+                <a:r>
+                  <a:rPr lang="de-DE" sz="1200" b="1" smtClean="0">
+                    <a:solidFill>
+                      <a:schemeClr val="tx1">
+                        <a:lumMod val="65000"/>
+                        <a:lumOff val="35000"/>
+                      </a:schemeClr>
+                    </a:solidFill>
+                  </a:rPr>
+                  <a:t>Repository</a:t>
+                </a:r>
+                <a:endParaRPr lang="de-DE" sz="1200"/>
+              </a:p>
+            </p:txBody>
+          </p:sp>
+        </p:grpSp>
+        <p:sp>
+          <p:nvSpPr>
+            <p:cNvPr id="60" name="Rechteck 59"/>
+            <p:cNvSpPr/>
+            <p:nvPr/>
+          </p:nvSpPr>
+          <p:spPr>
+            <a:xfrm>
+              <a:off x="1634786" y="2132856"/>
+              <a:ext cx="5745526" cy="2696083"/>
+            </a:xfrm>
+            <a:prstGeom prst="rect">
+              <a:avLst/>
+            </a:prstGeom>
+            <a:noFill/>
+            <a:ln w="3175">
+              <a:noFill/>
+              <a:prstDash val="sysDot"/>
+            </a:ln>
+          </p:spPr>
+          <p:style>
+            <a:lnRef idx="2">
+              <a:schemeClr val="accent1">
+                <a:shade val="50000"/>
               </a:schemeClr>
-            </a:solidFill>
-            <a:prstDash val="sysDot"/>
-          </a:ln>
-        </p:spPr>
-        <p:style>
-          <a:lnRef idx="1">
-            <a:schemeClr val="accent1"/>
-          </a:lnRef>
-          <a:fillRef idx="0">
-            <a:schemeClr val="accent1"/>
-          </a:fillRef>
-          <a:effectRef idx="0">
-            <a:schemeClr val="accent1"/>
-          </a:effectRef>
-          <a:fontRef idx="minor">
-            <a:schemeClr val="tx1"/>
-          </a:fontRef>
-        </p:style>
-      </p:cxnSp>
-      <p:sp>
-        <p:nvSpPr>
-          <p:cNvPr id="23" name="Rechteck 22"/>
-          <p:cNvSpPr/>
-          <p:nvPr/>
-        </p:nvSpPr>
-        <p:spPr>
-          <a:xfrm>
-            <a:off x="6347817" y="3140968"/>
-            <a:ext cx="288032" cy="504056"/>
-          </a:xfrm>
-          <a:prstGeom prst="rect">
-            <a:avLst/>
-          </a:prstGeom>
-          <a:noFill/>
-          <a:ln>
-            <a:noFill/>
-          </a:ln>
-        </p:spPr>
-        <p:style>
-          <a:lnRef idx="2">
-            <a:schemeClr val="accent1">
-              <a:shade val="50000"/>
-            </a:schemeClr>
-          </a:lnRef>
-          <a:fillRef idx="1">
-            <a:schemeClr val="accent1"/>
-          </a:fillRef>
-          <a:effectRef idx="0">
-            <a:schemeClr val="accent1"/>
-          </a:effectRef>
-          <a:fontRef idx="minor">
-            <a:schemeClr val="lt1"/>
-          </a:fontRef>
-        </p:style>
-        <p:txBody>
-          <a:bodyPr rtlCol="0" anchor="ctr"/>
-          <a:lstStyle/>
-          <a:p>
-            <a:pPr algn="ctr"/>
-            <a:endParaRPr lang="de-DE"/>
-          </a:p>
-        </p:txBody>
-      </p:sp>
-      <p:sp>
-        <p:nvSpPr>
-          <p:cNvPr id="32" name="Textfeld 31"/>
-          <p:cNvSpPr txBox="1"/>
-          <p:nvPr/>
-        </p:nvSpPr>
-        <p:spPr>
-          <a:xfrm>
-            <a:off x="7020272" y="5229200"/>
-            <a:ext cx="1213987" cy="369332"/>
-          </a:xfrm>
-          <a:prstGeom prst="rect">
-            <a:avLst/>
-          </a:prstGeom>
-          <a:noFill/>
-        </p:spPr>
-        <p:txBody>
-          <a:bodyPr wrap="none" rtlCol="0">
-            <a:spAutoFit/>
-          </a:bodyPr>
-          <a:lstStyle/>
-          <a:p>
-            <a:r>
-              <a:rPr lang="de-DE" b="1" smtClean="0">
-                <a:solidFill>
-                  <a:schemeClr val="tx1">
-                    <a:lumMod val="65000"/>
-                    <a:lumOff val="35000"/>
-                  </a:schemeClr>
-                </a:solidFill>
-              </a:rPr>
-              <a:t>Repository</a:t>
-            </a:r>
-            <a:endParaRPr lang="de-DE"/>
-          </a:p>
-        </p:txBody>
-      </p:sp>
+            </a:lnRef>
+            <a:fillRef idx="1">
+              <a:schemeClr val="accent1"/>
+            </a:fillRef>
+            <a:effectRef idx="0">
+              <a:schemeClr val="accent1"/>
+            </a:effectRef>
+            <a:fontRef idx="minor">
+              <a:schemeClr val="lt1"/>
+            </a:fontRef>
+          </p:style>
+          <p:txBody>
+            <a:bodyPr rtlCol="0" anchor="ctr"/>
+            <a:lstStyle/>
+            <a:p>
+              <a:pPr algn="ctr"/>
+              <a:endParaRPr lang="de-DE"/>
+            </a:p>
+          </p:txBody>
+        </p:sp>
+      </p:grpSp>
     </p:spTree>
   </p:cSld>
   <p:clrMapOvr>
@@ -4723,909 +4625,923 @@
           <a:chExt cx="0" cy="0"/>
         </a:xfrm>
       </p:grpSpPr>
-      <p:sp>
-        <p:nvSpPr>
-          <p:cNvPr id="9" name="Rechteck 8"/>
-          <p:cNvSpPr/>
+      <p:grpSp>
+        <p:nvGrpSpPr>
+          <p:cNvPr id="28" name="Gruppieren 27"/>
+          <p:cNvGrpSpPr/>
           <p:nvPr/>
-        </p:nvSpPr>
-        <p:spPr>
+        </p:nvGrpSpPr>
+        <p:grpSpPr>
           <a:xfrm>
-            <a:off x="4572000" y="3068960"/>
-            <a:ext cx="2880320" cy="1296144"/>
+            <a:off x="1634786" y="2132856"/>
+            <a:ext cx="5745526" cy="3168352"/>
+            <a:chOff x="1634786" y="2132856"/>
+            <a:chExt cx="5745526" cy="3168352"/>
           </a:xfrm>
-          <a:prstGeom prst="rect">
-            <a:avLst/>
-          </a:prstGeom>
-          <a:ln w="57150">
-            <a:solidFill>
-              <a:schemeClr val="bg1"/>
-            </a:solidFill>
-          </a:ln>
-          <a:effectLst/>
-        </p:spPr>
-        <p:style>
-          <a:lnRef idx="1">
-            <a:schemeClr val="accent1"/>
-          </a:lnRef>
-          <a:fillRef idx="2">
-            <a:schemeClr val="accent1"/>
-          </a:fillRef>
-          <a:effectRef idx="1">
-            <a:schemeClr val="accent1"/>
-          </a:effectRef>
-          <a:fontRef idx="minor">
-            <a:schemeClr val="dk1"/>
-          </a:fontRef>
-        </p:style>
-        <p:txBody>
-          <a:bodyPr rtlCol="0" anchor="ctr"/>
-          <a:lstStyle/>
-          <a:p>
-            <a:pPr algn="ctr"/>
-            <a:endParaRPr lang="de-DE" b="1">
-              <a:solidFill>
-                <a:schemeClr val="tx1">
-                  <a:lumMod val="75000"/>
-                  <a:lumOff val="25000"/>
-                </a:schemeClr>
-              </a:solidFill>
-            </a:endParaRPr>
-          </a:p>
-        </p:txBody>
-      </p:sp>
-      <p:sp>
-        <p:nvSpPr>
-          <p:cNvPr id="4" name="Rechteck 3"/>
-          <p:cNvSpPr/>
-          <p:nvPr/>
-        </p:nvSpPr>
-        <p:spPr>
-          <a:xfrm>
-            <a:off x="1619672" y="3068960"/>
-            <a:ext cx="2952328" cy="1296144"/>
-          </a:xfrm>
-          <a:prstGeom prst="rect">
-            <a:avLst/>
-          </a:prstGeom>
-          <a:ln w="57150">
-            <a:solidFill>
-              <a:schemeClr val="bg1"/>
-            </a:solidFill>
-          </a:ln>
-          <a:effectLst/>
-        </p:spPr>
-        <p:style>
-          <a:lnRef idx="1">
-            <a:schemeClr val="accent1"/>
-          </a:lnRef>
-          <a:fillRef idx="2">
-            <a:schemeClr val="accent1"/>
-          </a:fillRef>
-          <a:effectRef idx="1">
-            <a:schemeClr val="accent1"/>
-          </a:effectRef>
-          <a:fontRef idx="minor">
-            <a:schemeClr val="dk1"/>
-          </a:fontRef>
-        </p:style>
-        <p:txBody>
-          <a:bodyPr rtlCol="0" anchor="b"/>
-          <a:lstStyle/>
-          <a:p>
-            <a:pPr algn="ctr"/>
-            <a:endParaRPr lang="de-DE" b="1" smtClean="0">
-              <a:solidFill>
-                <a:schemeClr val="tx1">
-                  <a:lumMod val="75000"/>
-                  <a:lumOff val="25000"/>
-                </a:schemeClr>
-              </a:solidFill>
-            </a:endParaRPr>
-          </a:p>
-        </p:txBody>
-      </p:sp>
-      <p:sp>
-        <p:nvSpPr>
-          <p:cNvPr id="5" name="Rechteck 4"/>
-          <p:cNvSpPr/>
-          <p:nvPr/>
-        </p:nvSpPr>
-        <p:spPr>
-          <a:xfrm>
-            <a:off x="4139952" y="3068960"/>
-            <a:ext cx="1296144" cy="648072"/>
-          </a:xfrm>
-          <a:prstGeom prst="rect">
-            <a:avLst/>
-          </a:prstGeom>
-          <a:ln w="57150">
-            <a:solidFill>
-              <a:schemeClr val="bg1"/>
-            </a:solidFill>
-          </a:ln>
-          <a:effectLst/>
-        </p:spPr>
-        <p:style>
-          <a:lnRef idx="1">
-            <a:schemeClr val="accent1"/>
-          </a:lnRef>
-          <a:fillRef idx="2">
-            <a:schemeClr val="accent1"/>
-          </a:fillRef>
-          <a:effectRef idx="1">
-            <a:schemeClr val="accent1"/>
-          </a:effectRef>
-          <a:fontRef idx="minor">
-            <a:schemeClr val="dk1"/>
-          </a:fontRef>
-        </p:style>
-        <p:txBody>
-          <a:bodyPr rtlCol="0" anchor="ctr"/>
-          <a:lstStyle/>
-          <a:p>
-            <a:pPr algn="ctr"/>
-            <a:r>
-              <a:rPr lang="de-DE" b="1" smtClean="0">
+        </p:grpSpPr>
+        <p:grpSp>
+          <p:nvGrpSpPr>
+            <p:cNvPr id="22" name="Gruppieren 21"/>
+            <p:cNvGrpSpPr>
+              <a:grpSpLocks noChangeAspect="1"/>
+            </p:cNvGrpSpPr>
+            <p:nvPr/>
+          </p:nvGrpSpPr>
+          <p:grpSpPr>
+            <a:xfrm>
+              <a:off x="1691680" y="2204864"/>
+              <a:ext cx="5508612" cy="3024336"/>
+              <a:chOff x="971600" y="1772816"/>
+              <a:chExt cx="7344816" cy="4032448"/>
+            </a:xfrm>
+          </p:grpSpPr>
+          <p:sp>
+            <p:nvSpPr>
+              <p:cNvPr id="9" name="Rechteck 8"/>
+              <p:cNvSpPr/>
+              <p:nvPr/>
+            </p:nvSpPr>
+            <p:spPr>
+              <a:xfrm>
+                <a:off x="4572000" y="3068960"/>
+                <a:ext cx="2880320" cy="1296144"/>
+              </a:xfrm>
+              <a:prstGeom prst="rect">
+                <a:avLst/>
+              </a:prstGeom>
+              <a:ln w="57150">
+                <a:solidFill>
+                  <a:schemeClr val="bg1"/>
+                </a:solidFill>
+              </a:ln>
+              <a:effectLst/>
+            </p:spPr>
+            <p:style>
+              <a:lnRef idx="1">
+                <a:schemeClr val="accent1"/>
+              </a:lnRef>
+              <a:fillRef idx="2">
+                <a:schemeClr val="accent1"/>
+              </a:fillRef>
+              <a:effectRef idx="1">
+                <a:schemeClr val="accent1"/>
+              </a:effectRef>
+              <a:fontRef idx="minor">
+                <a:schemeClr val="dk1"/>
+              </a:fontRef>
+            </p:style>
+            <p:txBody>
+              <a:bodyPr rtlCol="0" anchor="ctr"/>
+              <a:lstStyle/>
+              <a:p>
+                <a:pPr algn="ctr"/>
+                <a:endParaRPr lang="de-DE" sz="1200" b="1">
+                  <a:solidFill>
+                    <a:schemeClr val="tx1">
+                      <a:lumMod val="75000"/>
+                      <a:lumOff val="25000"/>
+                    </a:schemeClr>
+                  </a:solidFill>
+                </a:endParaRPr>
+              </a:p>
+            </p:txBody>
+          </p:sp>
+          <p:sp>
+            <p:nvSpPr>
+              <p:cNvPr id="4" name="Rechteck 3"/>
+              <p:cNvSpPr/>
+              <p:nvPr/>
+            </p:nvSpPr>
+            <p:spPr>
+              <a:xfrm>
+                <a:off x="1619672" y="3068960"/>
+                <a:ext cx="2952328" cy="1296144"/>
+              </a:xfrm>
+              <a:prstGeom prst="rect">
+                <a:avLst/>
+              </a:prstGeom>
+              <a:ln w="57150">
+                <a:solidFill>
+                  <a:schemeClr val="bg1"/>
+                </a:solidFill>
+              </a:ln>
+              <a:effectLst/>
+            </p:spPr>
+            <p:style>
+              <a:lnRef idx="1">
+                <a:schemeClr val="accent1"/>
+              </a:lnRef>
+              <a:fillRef idx="2">
+                <a:schemeClr val="accent1"/>
+              </a:fillRef>
+              <a:effectRef idx="1">
+                <a:schemeClr val="accent1"/>
+              </a:effectRef>
+              <a:fontRef idx="minor">
+                <a:schemeClr val="dk1"/>
+              </a:fontRef>
+            </p:style>
+            <p:txBody>
+              <a:bodyPr rtlCol="0" anchor="b"/>
+              <a:lstStyle/>
+              <a:p>
+                <a:pPr algn="ctr"/>
+                <a:endParaRPr lang="de-DE" sz="1200" b="1" smtClean="0">
+                  <a:solidFill>
+                    <a:schemeClr val="tx1">
+                      <a:lumMod val="75000"/>
+                      <a:lumOff val="25000"/>
+                    </a:schemeClr>
+                  </a:solidFill>
+                </a:endParaRPr>
+              </a:p>
+            </p:txBody>
+          </p:sp>
+          <p:sp>
+            <p:nvSpPr>
+              <p:cNvPr id="5" name="Rechteck 4"/>
+              <p:cNvSpPr/>
+              <p:nvPr/>
+            </p:nvSpPr>
+            <p:spPr>
+              <a:xfrm>
+                <a:off x="4139952" y="3068960"/>
+                <a:ext cx="1296144" cy="648072"/>
+              </a:xfrm>
+              <a:prstGeom prst="rect">
+                <a:avLst/>
+              </a:prstGeom>
+              <a:ln w="57150">
+                <a:solidFill>
+                  <a:schemeClr val="bg1"/>
+                </a:solidFill>
+              </a:ln>
+              <a:effectLst/>
+            </p:spPr>
+            <p:style>
+              <a:lnRef idx="1">
+                <a:schemeClr val="accent1"/>
+              </a:lnRef>
+              <a:fillRef idx="2">
+                <a:schemeClr val="accent1"/>
+              </a:fillRef>
+              <a:effectRef idx="1">
+                <a:schemeClr val="accent1"/>
+              </a:effectRef>
+              <a:fontRef idx="minor">
+                <a:schemeClr val="dk1"/>
+              </a:fontRef>
+            </p:style>
+            <p:txBody>
+              <a:bodyPr rtlCol="0" anchor="ctr"/>
+              <a:lstStyle/>
+              <a:p>
+                <a:pPr algn="ctr"/>
+                <a:r>
+                  <a:rPr lang="de-DE" sz="1200" b="1" smtClean="0">
+                    <a:solidFill>
+                      <a:schemeClr val="tx1">
+                        <a:lumMod val="75000"/>
+                        <a:lumOff val="25000"/>
+                      </a:schemeClr>
+                    </a:solidFill>
+                  </a:rPr>
+                  <a:t>Protocol</a:t>
+                </a:r>
+                <a:endParaRPr lang="de-DE" sz="1200" b="1">
+                  <a:solidFill>
+                    <a:schemeClr val="tx1">
+                      <a:lumMod val="75000"/>
+                      <a:lumOff val="25000"/>
+                    </a:schemeClr>
+                  </a:solidFill>
+                </a:endParaRPr>
+              </a:p>
+            </p:txBody>
+          </p:sp>
+          <p:sp>
+            <p:nvSpPr>
+              <p:cNvPr id="6" name="Rechteck 5"/>
+              <p:cNvSpPr/>
+              <p:nvPr/>
+            </p:nvSpPr>
+            <p:spPr>
+              <a:xfrm>
+                <a:off x="1619672" y="2420888"/>
+                <a:ext cx="5832648" cy="648072"/>
+              </a:xfrm>
+              <a:prstGeom prst="rect">
+                <a:avLst/>
+              </a:prstGeom>
+              <a:ln w="57150">
+                <a:solidFill>
+                  <a:schemeClr val="bg1"/>
+                </a:solidFill>
+              </a:ln>
+              <a:effectLst/>
+            </p:spPr>
+            <p:style>
+              <a:lnRef idx="1">
+                <a:schemeClr val="accent1"/>
+              </a:lnRef>
+              <a:fillRef idx="2">
+                <a:schemeClr val="accent1"/>
+              </a:fillRef>
+              <a:effectRef idx="1">
+                <a:schemeClr val="accent1"/>
+              </a:effectRef>
+              <a:fontRef idx="minor">
+                <a:schemeClr val="dk1"/>
+              </a:fontRef>
+            </p:style>
+            <p:txBody>
+              <a:bodyPr rtlCol="0" anchor="ctr"/>
+              <a:lstStyle/>
+              <a:p>
+                <a:pPr algn="ctr"/>
+                <a:r>
+                  <a:rPr lang="de-DE" sz="1200" b="1" smtClean="0">
+                    <a:solidFill>
+                      <a:schemeClr val="tx1">
+                        <a:lumMod val="75000"/>
+                        <a:lumOff val="25000"/>
+                      </a:schemeClr>
+                    </a:solidFill>
+                  </a:rPr>
+                  <a:t>Repository</a:t>
+                </a:r>
+                <a:endParaRPr lang="de-DE" sz="1200" b="1">
+                  <a:solidFill>
+                    <a:schemeClr val="tx1">
+                      <a:lumMod val="75000"/>
+                      <a:lumOff val="25000"/>
+                    </a:schemeClr>
+                  </a:solidFill>
+                </a:endParaRPr>
+              </a:p>
+            </p:txBody>
+          </p:sp>
+          <p:sp>
+            <p:nvSpPr>
+              <p:cNvPr id="12" name="Rechteck 11"/>
+              <p:cNvSpPr/>
+              <p:nvPr/>
+            </p:nvSpPr>
+            <p:spPr>
+              <a:xfrm>
+                <a:off x="5436096" y="3068960"/>
+                <a:ext cx="1368152" cy="648072"/>
+              </a:xfrm>
+              <a:prstGeom prst="rect">
+                <a:avLst/>
+              </a:prstGeom>
+              <a:ln w="57150">
+                <a:solidFill>
+                  <a:schemeClr val="bg1"/>
+                </a:solidFill>
+              </a:ln>
+              <a:effectLst/>
+            </p:spPr>
+            <p:style>
+              <a:lnRef idx="1">
+                <a:schemeClr val="accent1"/>
+              </a:lnRef>
+              <a:fillRef idx="2">
+                <a:schemeClr val="accent1"/>
+              </a:fillRef>
+              <a:effectRef idx="1">
+                <a:schemeClr val="accent1"/>
+              </a:effectRef>
+              <a:fontRef idx="minor">
+                <a:schemeClr val="dk1"/>
+              </a:fontRef>
+            </p:style>
+            <p:txBody>
+              <a:bodyPr rtlCol="0" anchor="ctr"/>
+              <a:lstStyle/>
+              <a:p>
+                <a:pPr algn="ctr"/>
+                <a:r>
+                  <a:rPr lang="de-DE" sz="1200" b="1" smtClean="0">
+                    <a:solidFill>
+                      <a:schemeClr val="tx1">
+                        <a:lumMod val="75000"/>
+                        <a:lumOff val="25000"/>
+                      </a:schemeClr>
+                    </a:solidFill>
+                  </a:rPr>
+                  <a:t>Transport</a:t>
+                </a:r>
+                <a:endParaRPr lang="de-DE" sz="1200" b="1">
+                  <a:solidFill>
+                    <a:schemeClr val="tx1">
+                      <a:lumMod val="75000"/>
+                      <a:lumOff val="25000"/>
+                    </a:schemeClr>
+                  </a:solidFill>
+                </a:endParaRPr>
+              </a:p>
+            </p:txBody>
+          </p:sp>
+          <p:sp>
+            <p:nvSpPr>
+              <p:cNvPr id="14" name="Textfeld 13"/>
+              <p:cNvSpPr txBox="1"/>
+              <p:nvPr/>
+            </p:nvSpPr>
+            <p:spPr>
+              <a:xfrm>
+                <a:off x="1691680" y="3861048"/>
+                <a:ext cx="2808312" cy="369332"/>
+              </a:xfrm>
+              <a:prstGeom prst="rect">
+                <a:avLst/>
+              </a:prstGeom>
+              <a:noFill/>
+            </p:spPr>
+            <p:txBody>
+              <a:bodyPr wrap="square" rtlCol="0">
+                <a:spAutoFit/>
+              </a:bodyPr>
+              <a:lstStyle/>
+              <a:p>
+                <a:pPr algn="ctr"/>
+                <a:r>
+                  <a:rPr lang="de-DE" sz="1200" b="1" smtClean="0">
+                    <a:solidFill>
+                      <a:schemeClr val="tx1">
+                        <a:lumMod val="75000"/>
+                        <a:lumOff val="25000"/>
+                      </a:schemeClr>
+                    </a:solidFill>
+                  </a:rPr>
+                  <a:t>CDO Server Core</a:t>
+                </a:r>
+              </a:p>
+            </p:txBody>
+          </p:sp>
+          <p:sp>
+            <p:nvSpPr>
+              <p:cNvPr id="15" name="Textfeld 14"/>
+              <p:cNvSpPr txBox="1"/>
+              <p:nvPr/>
+            </p:nvSpPr>
+            <p:spPr>
+              <a:xfrm>
+                <a:off x="4644008" y="3861048"/>
+                <a:ext cx="2736304" cy="369332"/>
+              </a:xfrm>
+              <a:prstGeom prst="rect">
+                <a:avLst/>
+              </a:prstGeom>
+              <a:noFill/>
+            </p:spPr>
+            <p:txBody>
+              <a:bodyPr wrap="square" rtlCol="0">
+                <a:spAutoFit/>
+              </a:bodyPr>
+              <a:lstStyle/>
+              <a:p>
+                <a:pPr algn="ctr"/>
+                <a:r>
+                  <a:rPr lang="de-DE" sz="1200" b="1" smtClean="0">
+                    <a:solidFill>
+                      <a:schemeClr val="tx1">
+                        <a:lumMod val="75000"/>
+                        <a:lumOff val="25000"/>
+                      </a:schemeClr>
+                    </a:solidFill>
+                  </a:rPr>
+                  <a:t>Net4j Core</a:t>
+                </a:r>
+                <a:endParaRPr lang="de-DE" sz="1200" b="1">
+                  <a:solidFill>
+                    <a:schemeClr val="tx1">
+                      <a:lumMod val="75000"/>
+                      <a:lumOff val="25000"/>
+                    </a:schemeClr>
+                  </a:solidFill>
+                </a:endParaRPr>
+              </a:p>
+            </p:txBody>
+          </p:sp>
+          <p:sp>
+            <p:nvSpPr>
+              <p:cNvPr id="18" name="Rechteck 17"/>
+              <p:cNvSpPr/>
+              <p:nvPr/>
+            </p:nvSpPr>
+            <p:spPr>
+              <a:xfrm>
+                <a:off x="1619672" y="4365104"/>
+                <a:ext cx="5832648" cy="648072"/>
+              </a:xfrm>
+              <a:prstGeom prst="rect">
+                <a:avLst/>
+              </a:prstGeom>
+              <a:ln w="57150">
+                <a:solidFill>
+                  <a:schemeClr val="bg1"/>
+                </a:solidFill>
+              </a:ln>
+              <a:effectLst/>
+            </p:spPr>
+            <p:style>
+              <a:lnRef idx="1">
+                <a:schemeClr val="accent1"/>
+              </a:lnRef>
+              <a:fillRef idx="2">
+                <a:schemeClr val="accent1"/>
+              </a:fillRef>
+              <a:effectRef idx="1">
+                <a:schemeClr val="accent1"/>
+              </a:effectRef>
+              <a:fontRef idx="minor">
+                <a:schemeClr val="dk1"/>
+              </a:fontRef>
+            </p:style>
+            <p:txBody>
+              <a:bodyPr rtlCol="0" anchor="ctr"/>
+              <a:lstStyle/>
+              <a:p>
+                <a:pPr algn="ctr"/>
+                <a:r>
+                  <a:rPr lang="de-DE" sz="1200" b="1" smtClean="0">
+                    <a:solidFill>
+                      <a:schemeClr val="tx1">
+                        <a:lumMod val="75000"/>
+                        <a:lumOff val="25000"/>
+                      </a:schemeClr>
+                    </a:solidFill>
+                  </a:rPr>
+                  <a:t>OSGi (optional)</a:t>
+                </a:r>
+                <a:endParaRPr lang="de-DE" sz="1200" b="1">
+                  <a:solidFill>
+                    <a:schemeClr val="tx1">
+                      <a:lumMod val="75000"/>
+                      <a:lumOff val="25000"/>
+                    </a:schemeClr>
+                  </a:solidFill>
+                </a:endParaRPr>
+              </a:p>
+            </p:txBody>
+          </p:sp>
+          <p:sp>
+            <p:nvSpPr>
+              <p:cNvPr id="16" name="Rechteck 15"/>
+              <p:cNvSpPr/>
+              <p:nvPr/>
+            </p:nvSpPr>
+            <p:spPr>
+              <a:xfrm>
+                <a:off x="1619672" y="3068960"/>
+                <a:ext cx="1296144" cy="648072"/>
+              </a:xfrm>
+              <a:prstGeom prst="rect">
+                <a:avLst/>
+              </a:prstGeom>
+              <a:ln w="57150">
+                <a:solidFill>
+                  <a:schemeClr val="bg1"/>
+                </a:solidFill>
+              </a:ln>
+              <a:effectLst/>
+            </p:spPr>
+            <p:style>
+              <a:lnRef idx="1">
+                <a:schemeClr val="accent1"/>
+              </a:lnRef>
+              <a:fillRef idx="2">
+                <a:schemeClr val="accent1"/>
+              </a:fillRef>
+              <a:effectRef idx="1">
+                <a:schemeClr val="accent1"/>
+              </a:effectRef>
+              <a:fontRef idx="minor">
+                <a:schemeClr val="dk1"/>
+              </a:fontRef>
+            </p:style>
+            <p:txBody>
+              <a:bodyPr rtlCol="0" anchor="ctr"/>
+              <a:lstStyle/>
+              <a:p>
+                <a:pPr algn="ctr"/>
+                <a:r>
+                  <a:rPr lang="de-DE" sz="1200" b="1" smtClean="0">
+                    <a:solidFill>
+                      <a:schemeClr val="tx1">
+                        <a:lumMod val="75000"/>
+                        <a:lumOff val="25000"/>
+                      </a:schemeClr>
+                    </a:solidFill>
+                  </a:rPr>
+                  <a:t>CDO Store</a:t>
+                </a:r>
+                <a:endParaRPr lang="de-DE" sz="1200" b="1">
+                  <a:solidFill>
+                    <a:schemeClr val="tx1">
+                      <a:lumMod val="75000"/>
+                      <a:lumOff val="25000"/>
+                    </a:schemeClr>
+                  </a:solidFill>
+                </a:endParaRPr>
+              </a:p>
+            </p:txBody>
+          </p:sp>
+          <p:sp>
+            <p:nvSpPr>
+              <p:cNvPr id="19" name="Rechteck 18"/>
+              <p:cNvSpPr/>
+              <p:nvPr/>
+            </p:nvSpPr>
+            <p:spPr>
+              <a:xfrm>
+                <a:off x="3491880" y="3068960"/>
+                <a:ext cx="648072" cy="648072"/>
+              </a:xfrm>
+              <a:prstGeom prst="rect">
+                <a:avLst/>
+              </a:prstGeom>
+              <a:ln w="57150">
+                <a:solidFill>
+                  <a:schemeClr val="bg1"/>
+                </a:solidFill>
+              </a:ln>
+              <a:effectLst/>
+            </p:spPr>
+            <p:style>
+              <a:lnRef idx="1">
+                <a:schemeClr val="accent1"/>
+              </a:lnRef>
+              <a:fillRef idx="2">
+                <a:schemeClr val="accent1"/>
+              </a:fillRef>
+              <a:effectRef idx="1">
+                <a:schemeClr val="accent1"/>
+              </a:effectRef>
+              <a:fontRef idx="minor">
+                <a:schemeClr val="dk1"/>
+              </a:fontRef>
+            </p:style>
+            <p:txBody>
+              <a:bodyPr rtlCol="0" anchor="ctr"/>
+              <a:lstStyle/>
+              <a:p>
+                <a:pPr algn="ctr"/>
+                <a:r>
+                  <a:rPr lang="de-DE" sz="1200" b="1" smtClean="0">
+                    <a:solidFill>
+                      <a:schemeClr val="tx1">
+                        <a:lumMod val="75000"/>
+                        <a:lumOff val="25000"/>
+                      </a:schemeClr>
+                    </a:solidFill>
+                  </a:rPr>
+                  <a:t>OCL</a:t>
+                </a:r>
+                <a:endParaRPr lang="de-DE" sz="1200" b="1">
+                  <a:solidFill>
+                    <a:schemeClr val="tx1">
+                      <a:lumMod val="75000"/>
+                      <a:lumOff val="25000"/>
+                    </a:schemeClr>
+                  </a:solidFill>
+                </a:endParaRPr>
+              </a:p>
+            </p:txBody>
+          </p:sp>
+          <p:sp>
+            <p:nvSpPr>
+              <p:cNvPr id="21" name="Flussdiagramm: Magnetplattenspeicher 20"/>
+              <p:cNvSpPr/>
+              <p:nvPr/>
+            </p:nvSpPr>
+            <p:spPr>
+              <a:xfrm>
+                <a:off x="971600" y="5085184"/>
+                <a:ext cx="792088" cy="720080"/>
+              </a:xfrm>
+              <a:prstGeom prst="flowChartMagneticDisk">
+                <a:avLst/>
+              </a:prstGeom>
+            </p:spPr>
+            <p:style>
+              <a:lnRef idx="1">
+                <a:schemeClr val="dk1"/>
+              </a:lnRef>
+              <a:fillRef idx="2">
+                <a:schemeClr val="dk1"/>
+              </a:fillRef>
+              <a:effectRef idx="1">
+                <a:schemeClr val="dk1"/>
+              </a:effectRef>
+              <a:fontRef idx="minor">
+                <a:schemeClr val="dk1"/>
+              </a:fontRef>
+            </p:style>
+            <p:txBody>
+              <a:bodyPr rtlCol="0" anchor="ctr"/>
+              <a:lstStyle/>
+              <a:p>
+                <a:pPr algn="ctr"/>
+                <a:r>
+                  <a:rPr lang="de-DE" sz="1200" b="1" smtClean="0">
+                    <a:solidFill>
+                      <a:schemeClr val="tx1">
+                        <a:lumMod val="65000"/>
+                        <a:lumOff val="35000"/>
+                      </a:schemeClr>
+                    </a:solidFill>
+                  </a:rPr>
+                  <a:t>DB</a:t>
+                </a:r>
+                <a:endParaRPr lang="de-DE" sz="1200" b="1">
+                  <a:solidFill>
+                    <a:schemeClr val="tx1">
+                      <a:lumMod val="65000"/>
+                      <a:lumOff val="35000"/>
+                    </a:schemeClr>
+                  </a:solidFill>
+                </a:endParaRPr>
+              </a:p>
+            </p:txBody>
+          </p:sp>
+          <p:cxnSp>
+            <p:nvCxnSpPr>
+              <p:cNvPr id="23" name="Form 22"/>
+              <p:cNvCxnSpPr>
+                <a:stCxn id="30" idx="1"/>
+                <a:endCxn id="21" idx="1"/>
+              </p:cNvCxnSpPr>
+              <p:nvPr/>
+            </p:nvCxnSpPr>
+            <p:spPr>
+              <a:xfrm rot="10800000" flipV="1">
+                <a:off x="1367644" y="3392996"/>
+                <a:ext cx="396044" cy="1692188"/>
+              </a:xfrm>
+              <a:prstGeom prst="bentConnector2">
+                <a:avLst/>
+              </a:prstGeom>
+              <a:ln w="28575">
                 <a:solidFill>
                   <a:schemeClr val="tx1">
-                    <a:lumMod val="75000"/>
-                    <a:lumOff val="25000"/>
+                    <a:lumMod val="50000"/>
+                    <a:lumOff val="50000"/>
                   </a:schemeClr>
                 </a:solidFill>
-              </a:rPr>
-              <a:t>Protocol</a:t>
-            </a:r>
-            <a:endParaRPr lang="de-DE" b="1">
-              <a:solidFill>
-                <a:schemeClr val="tx1">
-                  <a:lumMod val="75000"/>
-                  <a:lumOff val="25000"/>
-                </a:schemeClr>
-              </a:solidFill>
-            </a:endParaRPr>
-          </a:p>
-        </p:txBody>
-      </p:sp>
-      <p:sp>
-        <p:nvSpPr>
-          <p:cNvPr id="6" name="Rechteck 5"/>
-          <p:cNvSpPr/>
-          <p:nvPr/>
-        </p:nvSpPr>
-        <p:spPr>
-          <a:xfrm>
-            <a:off x="1619672" y="2420888"/>
-            <a:ext cx="5832648" cy="648072"/>
-          </a:xfrm>
-          <a:prstGeom prst="rect">
-            <a:avLst/>
-          </a:prstGeom>
-          <a:ln w="57150">
-            <a:solidFill>
-              <a:schemeClr val="bg1"/>
-            </a:solidFill>
-          </a:ln>
-          <a:effectLst/>
-        </p:spPr>
-        <p:style>
-          <a:lnRef idx="1">
-            <a:schemeClr val="accent1"/>
-          </a:lnRef>
-          <a:fillRef idx="2">
-            <a:schemeClr val="accent1"/>
-          </a:fillRef>
-          <a:effectRef idx="1">
-            <a:schemeClr val="accent1"/>
-          </a:effectRef>
-          <a:fontRef idx="minor">
-            <a:schemeClr val="dk1"/>
-          </a:fontRef>
-        </p:style>
-        <p:txBody>
-          <a:bodyPr rtlCol="0" anchor="ctr"/>
-          <a:lstStyle/>
-          <a:p>
-            <a:pPr algn="ctr"/>
-            <a:r>
-              <a:rPr lang="de-DE" b="1" smtClean="0">
+                <a:prstDash val="sysDot"/>
+              </a:ln>
+            </p:spPr>
+            <p:style>
+              <a:lnRef idx="1">
+                <a:schemeClr val="accent1"/>
+              </a:lnRef>
+              <a:fillRef idx="0">
+                <a:schemeClr val="accent1"/>
+              </a:fillRef>
+              <a:effectRef idx="0">
+                <a:schemeClr val="accent1"/>
+              </a:effectRef>
+              <a:fontRef idx="minor">
+                <a:schemeClr val="tx1"/>
+              </a:fontRef>
+            </p:style>
+          </p:cxnSp>
+          <p:sp>
+            <p:nvSpPr>
+              <p:cNvPr id="24" name="Wolke 23"/>
+              <p:cNvSpPr/>
+              <p:nvPr/>
+            </p:nvSpPr>
+            <p:spPr>
+              <a:xfrm>
+                <a:off x="7020272" y="1772816"/>
+                <a:ext cx="1296144" cy="576064"/>
+              </a:xfrm>
+              <a:prstGeom prst="cloud">
+                <a:avLst/>
+              </a:prstGeom>
+            </p:spPr>
+            <p:style>
+              <a:lnRef idx="1">
+                <a:schemeClr val="dk1"/>
+              </a:lnRef>
+              <a:fillRef idx="2">
+                <a:schemeClr val="dk1"/>
+              </a:fillRef>
+              <a:effectRef idx="1">
+                <a:schemeClr val="dk1"/>
+              </a:effectRef>
+              <a:fontRef idx="minor">
+                <a:schemeClr val="dk1"/>
+              </a:fontRef>
+            </p:style>
+            <p:txBody>
+              <a:bodyPr rtlCol="0" anchor="ctr"/>
+              <a:lstStyle/>
+              <a:p>
+                <a:pPr algn="ctr"/>
+                <a:r>
+                  <a:rPr lang="de-DE" sz="1200" b="1" smtClean="0">
+                    <a:solidFill>
+                      <a:schemeClr val="tx1">
+                        <a:lumMod val="65000"/>
+                        <a:lumOff val="35000"/>
+                      </a:schemeClr>
+                    </a:solidFill>
+                  </a:rPr>
+                  <a:t>Clients</a:t>
+                </a:r>
+                <a:endParaRPr lang="de-DE" sz="1200" b="1">
+                  <a:solidFill>
+                    <a:schemeClr val="tx1">
+                      <a:lumMod val="65000"/>
+                      <a:lumOff val="35000"/>
+                    </a:schemeClr>
+                  </a:solidFill>
+                </a:endParaRPr>
+              </a:p>
+            </p:txBody>
+          </p:sp>
+          <p:cxnSp>
+            <p:nvCxnSpPr>
+              <p:cNvPr id="25" name="Form 24"/>
+              <p:cNvCxnSpPr>
+                <a:stCxn id="24" idx="1"/>
+                <a:endCxn id="36" idx="3"/>
+              </p:cNvCxnSpPr>
+              <p:nvPr/>
+            </p:nvCxnSpPr>
+            <p:spPr>
+              <a:xfrm rot="5400000">
+                <a:off x="6605920" y="2330571"/>
+                <a:ext cx="1044729" cy="1080120"/>
+              </a:xfrm>
+              <a:prstGeom prst="bentConnector2">
+                <a:avLst/>
+              </a:prstGeom>
+              <a:ln w="28575">
                 <a:solidFill>
                   <a:schemeClr val="tx1">
-                    <a:lumMod val="75000"/>
-                    <a:lumOff val="25000"/>
+                    <a:lumMod val="50000"/>
+                    <a:lumOff val="50000"/>
                   </a:schemeClr>
                 </a:solidFill>
-              </a:rPr>
-              <a:t>Repository</a:t>
-            </a:r>
-            <a:endParaRPr lang="de-DE" b="1">
-              <a:solidFill>
-                <a:schemeClr val="tx1">
-                  <a:lumMod val="75000"/>
-                  <a:lumOff val="25000"/>
+                <a:prstDash val="sysDot"/>
+              </a:ln>
+            </p:spPr>
+            <p:style>
+              <a:lnRef idx="1">
+                <a:schemeClr val="accent1"/>
+              </a:lnRef>
+              <a:fillRef idx="0">
+                <a:schemeClr val="accent1"/>
+              </a:fillRef>
+              <a:effectRef idx="0">
+                <a:schemeClr val="accent1"/>
+              </a:effectRef>
+              <a:fontRef idx="minor">
+                <a:schemeClr val="tx1"/>
+              </a:fontRef>
+            </p:style>
+          </p:cxnSp>
+          <p:sp>
+            <p:nvSpPr>
+              <p:cNvPr id="30" name="Rechteck 29"/>
+              <p:cNvSpPr/>
+              <p:nvPr/>
+            </p:nvSpPr>
+            <p:spPr>
+              <a:xfrm>
+                <a:off x="1763688" y="3140968"/>
+                <a:ext cx="288032" cy="504056"/>
+              </a:xfrm>
+              <a:prstGeom prst="rect">
+                <a:avLst/>
+              </a:prstGeom>
+              <a:noFill/>
+              <a:ln>
+                <a:noFill/>
+              </a:ln>
+            </p:spPr>
+            <p:style>
+              <a:lnRef idx="2">
+                <a:schemeClr val="accent1">
+                  <a:shade val="50000"/>
                 </a:schemeClr>
-              </a:solidFill>
-            </a:endParaRPr>
-          </a:p>
-        </p:txBody>
-      </p:sp>
-      <p:sp>
-        <p:nvSpPr>
-          <p:cNvPr id="12" name="Rechteck 11"/>
-          <p:cNvSpPr/>
-          <p:nvPr/>
-        </p:nvSpPr>
-        <p:spPr>
-          <a:xfrm>
-            <a:off x="5436096" y="3068960"/>
-            <a:ext cx="1368152" cy="648072"/>
-          </a:xfrm>
-          <a:prstGeom prst="rect">
-            <a:avLst/>
-          </a:prstGeom>
-          <a:ln w="57150">
-            <a:solidFill>
-              <a:schemeClr val="bg1"/>
-            </a:solidFill>
-          </a:ln>
-          <a:effectLst/>
-        </p:spPr>
-        <p:style>
-          <a:lnRef idx="1">
-            <a:schemeClr val="accent1"/>
-          </a:lnRef>
-          <a:fillRef idx="2">
-            <a:schemeClr val="accent1"/>
-          </a:fillRef>
-          <a:effectRef idx="1">
-            <a:schemeClr val="accent1"/>
-          </a:effectRef>
-          <a:fontRef idx="minor">
-            <a:schemeClr val="dk1"/>
-          </a:fontRef>
-        </p:style>
-        <p:txBody>
-          <a:bodyPr rtlCol="0" anchor="ctr"/>
-          <a:lstStyle/>
-          <a:p>
-            <a:pPr algn="ctr"/>
-            <a:r>
-              <a:rPr lang="de-DE" b="1" smtClean="0">
-                <a:solidFill>
-                  <a:schemeClr val="tx1">
-                    <a:lumMod val="75000"/>
-                    <a:lumOff val="25000"/>
-                  </a:schemeClr>
-                </a:solidFill>
-              </a:rPr>
-              <a:t>Transport</a:t>
-            </a:r>
-            <a:endParaRPr lang="de-DE" b="1">
-              <a:solidFill>
-                <a:schemeClr val="tx1">
-                  <a:lumMod val="75000"/>
-                  <a:lumOff val="25000"/>
+              </a:lnRef>
+              <a:fillRef idx="1">
+                <a:schemeClr val="accent1"/>
+              </a:fillRef>
+              <a:effectRef idx="0">
+                <a:schemeClr val="accent1"/>
+              </a:effectRef>
+              <a:fontRef idx="minor">
+                <a:schemeClr val="lt1"/>
+              </a:fontRef>
+            </p:style>
+            <p:txBody>
+              <a:bodyPr rtlCol="0" anchor="ctr"/>
+              <a:lstStyle/>
+              <a:p>
+                <a:pPr algn="ctr"/>
+                <a:endParaRPr lang="de-DE" sz="1200"/>
+              </a:p>
+            </p:txBody>
+          </p:sp>
+          <p:sp>
+            <p:nvSpPr>
+              <p:cNvPr id="36" name="Rechteck 35"/>
+              <p:cNvSpPr/>
+              <p:nvPr/>
+            </p:nvSpPr>
+            <p:spPr>
+              <a:xfrm>
+                <a:off x="6300192" y="3140968"/>
+                <a:ext cx="288032" cy="504056"/>
+              </a:xfrm>
+              <a:prstGeom prst="rect">
+                <a:avLst/>
+              </a:prstGeom>
+              <a:noFill/>
+              <a:ln>
+                <a:noFill/>
+              </a:ln>
+            </p:spPr>
+            <p:style>
+              <a:lnRef idx="2">
+                <a:schemeClr val="accent1">
+                  <a:shade val="50000"/>
                 </a:schemeClr>
-              </a:solidFill>
-            </a:endParaRPr>
-          </a:p>
-        </p:txBody>
-      </p:sp>
-      <p:sp>
-        <p:nvSpPr>
-          <p:cNvPr id="14" name="Textfeld 13"/>
-          <p:cNvSpPr txBox="1"/>
-          <p:nvPr/>
-        </p:nvSpPr>
-        <p:spPr>
-          <a:xfrm>
-            <a:off x="1691680" y="3861048"/>
-            <a:ext cx="2808312" cy="369332"/>
-          </a:xfrm>
-          <a:prstGeom prst="rect">
-            <a:avLst/>
-          </a:prstGeom>
-          <a:noFill/>
-        </p:spPr>
-        <p:txBody>
-          <a:bodyPr wrap="square" rtlCol="0">
-            <a:spAutoFit/>
-          </a:bodyPr>
-          <a:lstStyle/>
-          <a:p>
-            <a:pPr algn="ctr"/>
-            <a:r>
-              <a:rPr lang="de-DE" b="1" smtClean="0">
-                <a:solidFill>
-                  <a:schemeClr val="tx1">
-                    <a:lumMod val="75000"/>
-                    <a:lumOff val="25000"/>
-                  </a:schemeClr>
-                </a:solidFill>
-              </a:rPr>
-              <a:t>CDO Server Core</a:t>
-            </a:r>
-          </a:p>
-        </p:txBody>
-      </p:sp>
-      <p:sp>
-        <p:nvSpPr>
-          <p:cNvPr id="15" name="Textfeld 14"/>
-          <p:cNvSpPr txBox="1"/>
-          <p:nvPr/>
-        </p:nvSpPr>
-        <p:spPr>
-          <a:xfrm>
-            <a:off x="4644008" y="3861048"/>
-            <a:ext cx="2736304" cy="369332"/>
-          </a:xfrm>
-          <a:prstGeom prst="rect">
-            <a:avLst/>
-          </a:prstGeom>
-          <a:noFill/>
-        </p:spPr>
-        <p:txBody>
-          <a:bodyPr wrap="square" rtlCol="0">
-            <a:spAutoFit/>
-          </a:bodyPr>
-          <a:lstStyle/>
-          <a:p>
-            <a:pPr algn="ctr"/>
-            <a:r>
-              <a:rPr lang="de-DE" b="1" smtClean="0">
-                <a:solidFill>
-                  <a:schemeClr val="tx1">
-                    <a:lumMod val="75000"/>
-                    <a:lumOff val="25000"/>
-                  </a:schemeClr>
-                </a:solidFill>
-              </a:rPr>
-              <a:t>Net4j Core</a:t>
-            </a:r>
-            <a:endParaRPr lang="de-DE" b="1">
-              <a:solidFill>
-                <a:schemeClr val="tx1">
-                  <a:lumMod val="75000"/>
-                  <a:lumOff val="25000"/>
-                </a:schemeClr>
-              </a:solidFill>
-            </a:endParaRPr>
-          </a:p>
-        </p:txBody>
-      </p:sp>
-      <p:sp>
-        <p:nvSpPr>
-          <p:cNvPr id="18" name="Rechteck 17"/>
-          <p:cNvSpPr/>
-          <p:nvPr/>
-        </p:nvSpPr>
-        <p:spPr>
-          <a:xfrm>
-            <a:off x="1619672" y="4365104"/>
-            <a:ext cx="5832648" cy="648072"/>
-          </a:xfrm>
-          <a:prstGeom prst="rect">
-            <a:avLst/>
-          </a:prstGeom>
-          <a:ln w="57150">
-            <a:solidFill>
-              <a:schemeClr val="bg1"/>
-            </a:solidFill>
-          </a:ln>
-          <a:effectLst/>
-        </p:spPr>
-        <p:style>
-          <a:lnRef idx="1">
-            <a:schemeClr val="accent1"/>
-          </a:lnRef>
-          <a:fillRef idx="2">
-            <a:schemeClr val="accent1"/>
-          </a:fillRef>
-          <a:effectRef idx="1">
-            <a:schemeClr val="accent1"/>
-          </a:effectRef>
-          <a:fontRef idx="minor">
-            <a:schemeClr val="dk1"/>
-          </a:fontRef>
-        </p:style>
-        <p:txBody>
-          <a:bodyPr rtlCol="0" anchor="ctr"/>
-          <a:lstStyle/>
-          <a:p>
-            <a:pPr algn="ctr"/>
-            <a:r>
-              <a:rPr lang="de-DE" b="1" smtClean="0">
-                <a:solidFill>
-                  <a:schemeClr val="tx1">
-                    <a:lumMod val="75000"/>
-                    <a:lumOff val="25000"/>
-                  </a:schemeClr>
-                </a:solidFill>
-              </a:rPr>
-              <a:t>OSGi (optional)</a:t>
-            </a:r>
-            <a:endParaRPr lang="de-DE" b="1">
-              <a:solidFill>
-                <a:schemeClr val="tx1">
-                  <a:lumMod val="75000"/>
-                  <a:lumOff val="25000"/>
-                </a:schemeClr>
-              </a:solidFill>
-            </a:endParaRPr>
-          </a:p>
-        </p:txBody>
-      </p:sp>
-      <p:sp>
-        <p:nvSpPr>
-          <p:cNvPr id="20" name="Titel 1"/>
-          <p:cNvSpPr txBox="1">
-            <a:spLocks/>
-          </p:cNvSpPr>
-          <p:nvPr/>
-        </p:nvSpPr>
-        <p:spPr>
-          <a:xfrm>
-            <a:off x="457200" y="274638"/>
-            <a:ext cx="8229600" cy="1143000"/>
-          </a:xfrm>
-          <a:prstGeom prst="rect">
-            <a:avLst/>
-          </a:prstGeom>
-        </p:spPr>
-        <p:txBody>
-          <a:bodyPr vert="horz" lIns="91440" tIns="45720" rIns="91440" bIns="45720" rtlCol="0" anchor="ctr">
-            <a:normAutofit/>
-          </a:bodyPr>
-          <a:lstStyle/>
-          <a:p>
-            <a:pPr marL="0" marR="0" lvl="0" indent="0" algn="ctr" defTabSz="914400" rtl="0" eaLnBrk="1" fontAlgn="auto" latinLnBrk="0" hangingPunct="1">
-              <a:lnSpc>
-                <a:spcPct val="100000"/>
-              </a:lnSpc>
-              <a:spcBef>
-                <a:spcPct val="0"/>
-              </a:spcBef>
-              <a:spcAft>
-                <a:spcPts val="0"/>
-              </a:spcAft>
-              <a:buClrTx/>
-              <a:buSzTx/>
-              <a:buFontTx/>
-              <a:buNone/>
-              <a:tabLst/>
-              <a:defRPr/>
-            </a:pPr>
-            <a:r>
-              <a:rPr kumimoji="0" lang="de-DE" sz="4400" b="1" i="0" u="none" strike="noStrike" kern="1200" cap="none" spc="0" normalizeH="0" baseline="0" noProof="0" smtClean="0">
-                <a:ln>
-                  <a:noFill/>
-                </a:ln>
-                <a:solidFill>
-                  <a:schemeClr val="tx1">
-                    <a:lumMod val="75000"/>
-                    <a:lumOff val="25000"/>
-                  </a:schemeClr>
-                </a:solidFill>
-                <a:effectLst/>
-                <a:uLnTx/>
-                <a:uFillTx/>
-                <a:latin typeface="+mj-lt"/>
-                <a:ea typeface="+mj-ea"/>
-                <a:cs typeface="+mj-cs"/>
-              </a:rPr>
-              <a:t>Repository Architecture</a:t>
-            </a:r>
-          </a:p>
-        </p:txBody>
-      </p:sp>
-      <p:sp>
-        <p:nvSpPr>
-          <p:cNvPr id="16" name="Rechteck 15"/>
-          <p:cNvSpPr/>
-          <p:nvPr/>
-        </p:nvSpPr>
-        <p:spPr>
-          <a:xfrm>
-            <a:off x="1619672" y="3068960"/>
-            <a:ext cx="1296144" cy="648072"/>
-          </a:xfrm>
-          <a:prstGeom prst="rect">
-            <a:avLst/>
-          </a:prstGeom>
-          <a:ln w="57150">
-            <a:solidFill>
-              <a:schemeClr val="bg1"/>
-            </a:solidFill>
-          </a:ln>
-          <a:effectLst/>
-        </p:spPr>
-        <p:style>
-          <a:lnRef idx="1">
-            <a:schemeClr val="accent1"/>
-          </a:lnRef>
-          <a:fillRef idx="2">
-            <a:schemeClr val="accent1"/>
-          </a:fillRef>
-          <a:effectRef idx="1">
-            <a:schemeClr val="accent1"/>
-          </a:effectRef>
-          <a:fontRef idx="minor">
-            <a:schemeClr val="dk1"/>
-          </a:fontRef>
-        </p:style>
-        <p:txBody>
-          <a:bodyPr rtlCol="0" anchor="ctr"/>
-          <a:lstStyle/>
-          <a:p>
-            <a:pPr algn="ctr"/>
-            <a:r>
-              <a:rPr lang="de-DE" b="1" smtClean="0">
-                <a:solidFill>
-                  <a:schemeClr val="tx1">
-                    <a:lumMod val="75000"/>
-                    <a:lumOff val="25000"/>
-                  </a:schemeClr>
-                </a:solidFill>
-              </a:rPr>
-              <a:t>CDO Store</a:t>
-            </a:r>
-            <a:endParaRPr lang="de-DE" b="1">
-              <a:solidFill>
-                <a:schemeClr val="tx1">
-                  <a:lumMod val="75000"/>
-                  <a:lumOff val="25000"/>
-                </a:schemeClr>
-              </a:solidFill>
-            </a:endParaRPr>
-          </a:p>
-        </p:txBody>
-      </p:sp>
-      <p:sp>
-        <p:nvSpPr>
-          <p:cNvPr id="19" name="Rechteck 18"/>
-          <p:cNvSpPr/>
-          <p:nvPr/>
-        </p:nvSpPr>
-        <p:spPr>
-          <a:xfrm>
-            <a:off x="3491880" y="3068960"/>
-            <a:ext cx="648072" cy="648072"/>
-          </a:xfrm>
-          <a:prstGeom prst="rect">
-            <a:avLst/>
-          </a:prstGeom>
-          <a:ln w="57150">
-            <a:solidFill>
-              <a:schemeClr val="bg1"/>
-            </a:solidFill>
-          </a:ln>
-          <a:effectLst/>
-        </p:spPr>
-        <p:style>
-          <a:lnRef idx="1">
-            <a:schemeClr val="accent1"/>
-          </a:lnRef>
-          <a:fillRef idx="2">
-            <a:schemeClr val="accent1"/>
-          </a:fillRef>
-          <a:effectRef idx="1">
-            <a:schemeClr val="accent1"/>
-          </a:effectRef>
-          <a:fontRef idx="minor">
-            <a:schemeClr val="dk1"/>
-          </a:fontRef>
-        </p:style>
-        <p:txBody>
-          <a:bodyPr rtlCol="0" anchor="ctr"/>
-          <a:lstStyle/>
-          <a:p>
-            <a:pPr algn="ctr"/>
-            <a:r>
-              <a:rPr lang="de-DE" b="1" smtClean="0">
-                <a:solidFill>
-                  <a:schemeClr val="tx1">
-                    <a:lumMod val="75000"/>
-                    <a:lumOff val="25000"/>
-                  </a:schemeClr>
-                </a:solidFill>
-              </a:rPr>
-              <a:t>OCL</a:t>
-            </a:r>
-            <a:endParaRPr lang="de-DE" b="1">
-              <a:solidFill>
-                <a:schemeClr val="tx1">
-                  <a:lumMod val="75000"/>
-                  <a:lumOff val="25000"/>
-                </a:schemeClr>
-              </a:solidFill>
-            </a:endParaRPr>
-          </a:p>
-        </p:txBody>
-      </p:sp>
-      <p:sp>
-        <p:nvSpPr>
-          <p:cNvPr id="21" name="Flussdiagramm: Magnetplattenspeicher 20"/>
-          <p:cNvSpPr/>
-          <p:nvPr/>
-        </p:nvSpPr>
-        <p:spPr>
-          <a:xfrm>
-            <a:off x="971600" y="5085184"/>
-            <a:ext cx="792088" cy="720080"/>
-          </a:xfrm>
-          <a:prstGeom prst="flowChartMagneticDisk">
-            <a:avLst/>
-          </a:prstGeom>
-        </p:spPr>
-        <p:style>
-          <a:lnRef idx="1">
-            <a:schemeClr val="dk1"/>
-          </a:lnRef>
-          <a:fillRef idx="2">
-            <a:schemeClr val="dk1"/>
-          </a:fillRef>
-          <a:effectRef idx="1">
-            <a:schemeClr val="dk1"/>
-          </a:effectRef>
-          <a:fontRef idx="minor">
-            <a:schemeClr val="dk1"/>
-          </a:fontRef>
-        </p:style>
-        <p:txBody>
-          <a:bodyPr rtlCol="0" anchor="ctr"/>
-          <a:lstStyle/>
-          <a:p>
-            <a:pPr algn="ctr"/>
-            <a:r>
-              <a:rPr lang="de-DE" b="1" smtClean="0">
-                <a:solidFill>
-                  <a:schemeClr val="tx1">
-                    <a:lumMod val="65000"/>
-                    <a:lumOff val="35000"/>
-                  </a:schemeClr>
-                </a:solidFill>
-              </a:rPr>
-              <a:t>DB</a:t>
-            </a:r>
-            <a:endParaRPr lang="de-DE" b="1">
-              <a:solidFill>
-                <a:schemeClr val="tx1">
-                  <a:lumMod val="65000"/>
-                  <a:lumOff val="35000"/>
-                </a:schemeClr>
-              </a:solidFill>
-            </a:endParaRPr>
-          </a:p>
-        </p:txBody>
-      </p:sp>
-      <p:cxnSp>
-        <p:nvCxnSpPr>
-          <p:cNvPr id="23" name="Form 22"/>
-          <p:cNvCxnSpPr>
-            <a:stCxn id="30" idx="1"/>
-            <a:endCxn id="21" idx="1"/>
-          </p:cNvCxnSpPr>
-          <p:nvPr/>
-        </p:nvCxnSpPr>
-        <p:spPr>
-          <a:xfrm rot="10800000" flipV="1">
-            <a:off x="1367644" y="3392996"/>
-            <a:ext cx="396044" cy="1692188"/>
-          </a:xfrm>
-          <a:prstGeom prst="bentConnector2">
-            <a:avLst/>
-          </a:prstGeom>
-          <a:ln w="28575">
-            <a:solidFill>
-              <a:schemeClr val="tx1">
-                <a:lumMod val="50000"/>
-                <a:lumOff val="50000"/>
+              </a:lnRef>
+              <a:fillRef idx="1">
+                <a:schemeClr val="accent1"/>
+              </a:fillRef>
+              <a:effectRef idx="0">
+                <a:schemeClr val="accent1"/>
+              </a:effectRef>
+              <a:fontRef idx="minor">
+                <a:schemeClr val="lt1"/>
+              </a:fontRef>
+            </p:style>
+            <p:txBody>
+              <a:bodyPr rtlCol="0" anchor="ctr"/>
+              <a:lstStyle/>
+              <a:p>
+                <a:pPr algn="ctr"/>
+                <a:endParaRPr lang="de-DE" sz="1200"/>
+              </a:p>
+            </p:txBody>
+          </p:sp>
+        </p:grpSp>
+        <p:sp>
+          <p:nvSpPr>
+            <p:cNvPr id="26" name="Rechteck 25"/>
+            <p:cNvSpPr/>
+            <p:nvPr/>
+          </p:nvSpPr>
+          <p:spPr>
+            <a:xfrm>
+              <a:off x="1634786" y="2132856"/>
+              <a:ext cx="5745526" cy="3168352"/>
+            </a:xfrm>
+            <a:prstGeom prst="rect">
+              <a:avLst/>
+            </a:prstGeom>
+            <a:noFill/>
+            <a:ln w="3175">
+              <a:noFill/>
+              <a:prstDash val="sysDot"/>
+            </a:ln>
+          </p:spPr>
+          <p:style>
+            <a:lnRef idx="2">
+              <a:schemeClr val="accent1">
+                <a:shade val="50000"/>
               </a:schemeClr>
-            </a:solidFill>
-            <a:prstDash val="sysDot"/>
-          </a:ln>
-        </p:spPr>
-        <p:style>
-          <a:lnRef idx="1">
-            <a:schemeClr val="accent1"/>
-          </a:lnRef>
-          <a:fillRef idx="0">
-            <a:schemeClr val="accent1"/>
-          </a:fillRef>
-          <a:effectRef idx="0">
-            <a:schemeClr val="accent1"/>
-          </a:effectRef>
-          <a:fontRef idx="minor">
-            <a:schemeClr val="tx1"/>
-          </a:fontRef>
-        </p:style>
-      </p:cxnSp>
-      <p:sp>
-        <p:nvSpPr>
-          <p:cNvPr id="24" name="Wolke 23"/>
-          <p:cNvSpPr/>
-          <p:nvPr/>
-        </p:nvSpPr>
-        <p:spPr>
-          <a:xfrm>
-            <a:off x="7020272" y="1772816"/>
-            <a:ext cx="1296144" cy="576064"/>
-          </a:xfrm>
-          <a:prstGeom prst="cloud">
-            <a:avLst/>
-          </a:prstGeom>
-        </p:spPr>
-        <p:style>
-          <a:lnRef idx="1">
-            <a:schemeClr val="dk1"/>
-          </a:lnRef>
-          <a:fillRef idx="2">
-            <a:schemeClr val="dk1"/>
-          </a:fillRef>
-          <a:effectRef idx="1">
-            <a:schemeClr val="dk1"/>
-          </a:effectRef>
-          <a:fontRef idx="minor">
-            <a:schemeClr val="dk1"/>
-          </a:fontRef>
-        </p:style>
-        <p:txBody>
-          <a:bodyPr rtlCol="0" anchor="ctr"/>
-          <a:lstStyle/>
-          <a:p>
-            <a:pPr algn="ctr"/>
-            <a:r>
-              <a:rPr lang="de-DE" b="1" smtClean="0">
-                <a:solidFill>
-                  <a:schemeClr val="tx1">
-                    <a:lumMod val="65000"/>
-                    <a:lumOff val="35000"/>
-                  </a:schemeClr>
-                </a:solidFill>
-              </a:rPr>
-              <a:t>Clients</a:t>
-            </a:r>
-            <a:endParaRPr lang="de-DE" b="1">
-              <a:solidFill>
-                <a:schemeClr val="tx1">
-                  <a:lumMod val="65000"/>
-                  <a:lumOff val="35000"/>
-                </a:schemeClr>
-              </a:solidFill>
-            </a:endParaRPr>
-          </a:p>
-        </p:txBody>
-      </p:sp>
-      <p:cxnSp>
-        <p:nvCxnSpPr>
-          <p:cNvPr id="25" name="Form 24"/>
-          <p:cNvCxnSpPr>
-            <a:stCxn id="24" idx="1"/>
-            <a:endCxn id="36" idx="3"/>
-          </p:cNvCxnSpPr>
-          <p:nvPr/>
-        </p:nvCxnSpPr>
-        <p:spPr>
-          <a:xfrm rot="5400000">
-            <a:off x="6605920" y="2330571"/>
-            <a:ext cx="1044729" cy="1080120"/>
-          </a:xfrm>
-          <a:prstGeom prst="bentConnector2">
-            <a:avLst/>
-          </a:prstGeom>
-          <a:ln w="28575">
-            <a:solidFill>
-              <a:schemeClr val="tx1">
-                <a:lumMod val="50000"/>
-                <a:lumOff val="50000"/>
-              </a:schemeClr>
-            </a:solidFill>
-            <a:prstDash val="sysDot"/>
-          </a:ln>
-        </p:spPr>
-        <p:style>
-          <a:lnRef idx="1">
-            <a:schemeClr val="accent1"/>
-          </a:lnRef>
-          <a:fillRef idx="0">
-            <a:schemeClr val="accent1"/>
-          </a:fillRef>
-          <a:effectRef idx="0">
-            <a:schemeClr val="accent1"/>
-          </a:effectRef>
-          <a:fontRef idx="minor">
-            <a:schemeClr val="tx1"/>
-          </a:fontRef>
-        </p:style>
-      </p:cxnSp>
-      <p:sp>
-        <p:nvSpPr>
-          <p:cNvPr id="30" name="Rechteck 29"/>
-          <p:cNvSpPr/>
-          <p:nvPr/>
-        </p:nvSpPr>
-        <p:spPr>
-          <a:xfrm>
-            <a:off x="1763688" y="3140968"/>
-            <a:ext cx="288032" cy="504056"/>
-          </a:xfrm>
-          <a:prstGeom prst="rect">
-            <a:avLst/>
-          </a:prstGeom>
-          <a:noFill/>
-          <a:ln>
-            <a:noFill/>
-          </a:ln>
-        </p:spPr>
-        <p:style>
-          <a:lnRef idx="2">
-            <a:schemeClr val="accent1">
-              <a:shade val="50000"/>
-            </a:schemeClr>
-          </a:lnRef>
-          <a:fillRef idx="1">
-            <a:schemeClr val="accent1"/>
-          </a:fillRef>
-          <a:effectRef idx="0">
-            <a:schemeClr val="accent1"/>
-          </a:effectRef>
-          <a:fontRef idx="minor">
-            <a:schemeClr val="lt1"/>
-          </a:fontRef>
-        </p:style>
-        <p:txBody>
-          <a:bodyPr rtlCol="0" anchor="ctr"/>
-          <a:lstStyle/>
-          <a:p>
-            <a:pPr algn="ctr"/>
-            <a:endParaRPr lang="de-DE"/>
-          </a:p>
-        </p:txBody>
-      </p:sp>
-      <p:sp>
-        <p:nvSpPr>
-          <p:cNvPr id="36" name="Rechteck 35"/>
-          <p:cNvSpPr/>
-          <p:nvPr/>
-        </p:nvSpPr>
-        <p:spPr>
-          <a:xfrm>
-            <a:off x="6300192" y="3140968"/>
-            <a:ext cx="288032" cy="504056"/>
-          </a:xfrm>
-          <a:prstGeom prst="rect">
-            <a:avLst/>
-          </a:prstGeom>
-          <a:noFill/>
-          <a:ln>
-            <a:noFill/>
-          </a:ln>
-        </p:spPr>
-        <p:style>
-          <a:lnRef idx="2">
-            <a:schemeClr val="accent1">
-              <a:shade val="50000"/>
-            </a:schemeClr>
-          </a:lnRef>
-          <a:fillRef idx="1">
-            <a:schemeClr val="accent1"/>
-          </a:fillRef>
-          <a:effectRef idx="0">
-            <a:schemeClr val="accent1"/>
-          </a:effectRef>
-          <a:fontRef idx="minor">
-            <a:schemeClr val="lt1"/>
-          </a:fontRef>
-        </p:style>
-        <p:txBody>
-          <a:bodyPr rtlCol="0" anchor="ctr"/>
-          <a:lstStyle/>
-          <a:p>
-            <a:pPr algn="ctr"/>
-            <a:endParaRPr lang="de-DE"/>
-          </a:p>
-        </p:txBody>
-      </p:sp>
+            </a:lnRef>
+            <a:fillRef idx="1">
+              <a:schemeClr val="accent1"/>
+            </a:fillRef>
+            <a:effectRef idx="0">
+              <a:schemeClr val="accent1"/>
+            </a:effectRef>
+            <a:fontRef idx="minor">
+              <a:schemeClr val="lt1"/>
+            </a:fontRef>
+          </p:style>
+          <p:txBody>
+            <a:bodyPr rtlCol="0" anchor="ctr"/>
+            <a:lstStyle/>
+            <a:p>
+              <a:pPr algn="ctr"/>
+              <a:endParaRPr lang="de-DE"/>
+            </a:p>
+          </p:txBody>
+        </p:sp>
+      </p:grpSp>
     </p:spTree>
   </p:cSld>
   <p:clrMapOvr>
